--- a/mobileprogramming2/20170116/モバイルプログラミング2_20170116_AM.pptx
+++ b/mobileprogramming2/20170116/モバイルプログラミング2_20170116_AM.pptx
@@ -7,7 +7,7 @@
     <p:sldMasterId id="2147483674" r:id="rId3"/>
   </p:sldMasterIdLst>
   <p:notesMasterIdLst>
-    <p:notesMasterId r:id="rId41"/>
+    <p:notesMasterId r:id="rId39"/>
   </p:notesMasterIdLst>
   <p:sldIdLst>
     <p:sldId id="256" r:id="rId4"/>
@@ -23,30 +23,28 @@
     <p:sldId id="468" r:id="rId14"/>
     <p:sldId id="455" r:id="rId15"/>
     <p:sldId id="469" r:id="rId16"/>
-    <p:sldId id="587" r:id="rId17"/>
-    <p:sldId id="640" r:id="rId18"/>
-    <p:sldId id="645" r:id="rId19"/>
-    <p:sldId id="650" r:id="rId20"/>
-    <p:sldId id="599" r:id="rId21"/>
-    <p:sldId id="651" r:id="rId22"/>
-    <p:sldId id="665" r:id="rId23"/>
-    <p:sldId id="652" r:id="rId24"/>
-    <p:sldId id="653" r:id="rId25"/>
-    <p:sldId id="654" r:id="rId26"/>
-    <p:sldId id="656" r:id="rId27"/>
-    <p:sldId id="655" r:id="rId28"/>
-    <p:sldId id="657" r:id="rId29"/>
-    <p:sldId id="660" r:id="rId30"/>
-    <p:sldId id="658" r:id="rId31"/>
-    <p:sldId id="642" r:id="rId32"/>
-    <p:sldId id="644" r:id="rId33"/>
-    <p:sldId id="647" r:id="rId34"/>
-    <p:sldId id="649" r:id="rId35"/>
-    <p:sldId id="643" r:id="rId36"/>
-    <p:sldId id="661" r:id="rId37"/>
-    <p:sldId id="662" r:id="rId38"/>
-    <p:sldId id="663" r:id="rId39"/>
-    <p:sldId id="664" r:id="rId40"/>
+    <p:sldId id="645" r:id="rId17"/>
+    <p:sldId id="650" r:id="rId18"/>
+    <p:sldId id="599" r:id="rId19"/>
+    <p:sldId id="651" r:id="rId20"/>
+    <p:sldId id="665" r:id="rId21"/>
+    <p:sldId id="652" r:id="rId22"/>
+    <p:sldId id="653" r:id="rId23"/>
+    <p:sldId id="654" r:id="rId24"/>
+    <p:sldId id="656" r:id="rId25"/>
+    <p:sldId id="655" r:id="rId26"/>
+    <p:sldId id="657" r:id="rId27"/>
+    <p:sldId id="660" r:id="rId28"/>
+    <p:sldId id="658" r:id="rId29"/>
+    <p:sldId id="642" r:id="rId30"/>
+    <p:sldId id="644" r:id="rId31"/>
+    <p:sldId id="647" r:id="rId32"/>
+    <p:sldId id="649" r:id="rId33"/>
+    <p:sldId id="643" r:id="rId34"/>
+    <p:sldId id="661" r:id="rId35"/>
+    <p:sldId id="662" r:id="rId36"/>
+    <p:sldId id="663" r:id="rId37"/>
+    <p:sldId id="664" r:id="rId38"/>
   </p:sldIdLst>
   <p:sldSz cx="9144000" cy="6858000" type="screen4x3"/>
   <p:notesSz cx="6858000" cy="9144000"/>
@@ -171,8 +169,6 @@
             <p14:sldId id="468"/>
             <p14:sldId id="455"/>
             <p14:sldId id="469"/>
-            <p14:sldId id="587"/>
-            <p14:sldId id="640"/>
           </p14:sldIdLst>
         </p14:section>
         <p14:section name="RESTfullAPI" id="{37922C36-7E95-4B44-96F8-D2409939FF74}">
@@ -289,7 +285,7 @@
           <a:p>
             <a:fld id="{446A8109-CCB6-4EE0-89C8-B930DAA4A3F8}" type="datetimeFigureOut">
               <a:rPr kumimoji="1" lang="ja-JP" altLang="en-US" smtClean="0"/>
-              <a:t>17/01/13</a:t>
+              <a:t>17/01/15</a:t>
             </a:fld>
             <a:endParaRPr kumimoji="1" lang="ja-JP" altLang="en-US"/>
           </a:p>
@@ -763,7 +759,7 @@
           <a:p>
             <a:fld id="{68BBE79A-CCF6-4249-B583-4165A3BBCEF8}" type="slidenum">
               <a:rPr kumimoji="1" lang="ja-JP" altLang="en-US" smtClean="0"/>
-              <a:t>23</a:t>
+              <a:t>22</a:t>
             </a:fld>
             <a:endParaRPr kumimoji="1" lang="ja-JP" altLang="en-US"/>
           </a:p>
@@ -872,7 +868,7 @@
           <a:p>
             <a:fld id="{68BBE79A-CCF6-4249-B583-4165A3BBCEF8}" type="slidenum">
               <a:rPr kumimoji="1" lang="ja-JP" altLang="en-US" smtClean="0"/>
-              <a:t>24</a:t>
+              <a:t>23</a:t>
             </a:fld>
             <a:endParaRPr kumimoji="1" lang="ja-JP" altLang="en-US"/>
           </a:p>
@@ -936,115 +932,6 @@
           <a:lstStyle/>
           <a:p>
             <a:r>
-              <a:rPr kumimoji="1" lang="ja-JP" altLang="en-US"/>
-              <a:t>・文字列はダブルコーテーション</a:t>
-            </a:r>
-            <a:endParaRPr kumimoji="1" lang="en-US" altLang="ja-JP"/>
-          </a:p>
-          <a:p>
-            <a:r>
-              <a:rPr kumimoji="1" lang="ja-JP" altLang="en-US"/>
-              <a:t>・名前は囲わなくて良い</a:t>
-            </a:r>
-            <a:r>
-              <a:rPr kumimoji="1" lang="en-US" altLang="ja-JP"/>
-              <a:t>(</a:t>
-            </a:r>
-            <a:r>
-              <a:rPr kumimoji="1" lang="ja-JP" altLang="en-US"/>
-              <a:t>半角英数字の場合</a:t>
-            </a:r>
-            <a:r>
-              <a:rPr kumimoji="1" lang="en-US" altLang="ja-JP"/>
-              <a:t>)</a:t>
-            </a:r>
-          </a:p>
-          <a:p>
-            <a:endParaRPr kumimoji="1" lang="ja-JP" altLang="en-US"/>
-          </a:p>
-        </p:txBody>
-      </p:sp>
-      <p:sp>
-        <p:nvSpPr>
-          <p:cNvPr id="4" name="スライド番号プレースホルダー 3"/>
-          <p:cNvSpPr>
-            <a:spLocks noGrp="1"/>
-          </p:cNvSpPr>
-          <p:nvPr>
-            <p:ph type="sldNum" sz="quarter" idx="10"/>
-          </p:nvPr>
-        </p:nvSpPr>
-        <p:spPr/>
-        <p:txBody>
-          <a:bodyPr/>
-          <a:lstStyle/>
-          <a:p>
-            <a:fld id="{68BBE79A-CCF6-4249-B583-4165A3BBCEF8}" type="slidenum">
-              <a:rPr kumimoji="1" lang="ja-JP" altLang="en-US" smtClean="0"/>
-              <a:t>25</a:t>
-            </a:fld>
-            <a:endParaRPr kumimoji="1" lang="ja-JP" altLang="en-US"/>
-          </a:p>
-        </p:txBody>
-      </p:sp>
-    </p:spTree>
-    <p:extLst>
-      <p:ext uri="{BB962C8B-B14F-4D97-AF65-F5344CB8AC3E}">
-        <p14:creationId xmlns:p14="http://schemas.microsoft.com/office/powerpoint/2010/main" val="1370093223"/>
-      </p:ext>
-    </p:extLst>
-  </p:cSld>
-  <p:clrMapOvr>
-    <a:masterClrMapping/>
-  </p:clrMapOvr>
-</p:notes>
-</file>
-
-<file path=ppt/notesSlides/notesSlide13.xml><?xml version="1.0" encoding="utf-8"?>
-<p:notes xmlns:a="http://schemas.openxmlformats.org/drawingml/2006/main" xmlns:r="http://schemas.openxmlformats.org/officeDocument/2006/relationships" xmlns:p="http://schemas.openxmlformats.org/presentationml/2006/main">
-  <p:cSld>
-    <p:spTree>
-      <p:nvGrpSpPr>
-        <p:cNvPr id="1" name=""/>
-        <p:cNvGrpSpPr/>
-        <p:nvPr/>
-      </p:nvGrpSpPr>
-      <p:grpSpPr>
-        <a:xfrm>
-          <a:off x="0" y="0"/>
-          <a:ext cx="0" cy="0"/>
-          <a:chOff x="0" y="0"/>
-          <a:chExt cx="0" cy="0"/>
-        </a:xfrm>
-      </p:grpSpPr>
-      <p:sp>
-        <p:nvSpPr>
-          <p:cNvPr id="2" name="スライド イメージ プレースホルダー 1"/>
-          <p:cNvSpPr>
-            <a:spLocks noGrp="1" noRot="1" noChangeAspect="1"/>
-          </p:cNvSpPr>
-          <p:nvPr>
-            <p:ph type="sldImg"/>
-          </p:nvPr>
-        </p:nvSpPr>
-        <p:spPr/>
-      </p:sp>
-      <p:sp>
-        <p:nvSpPr>
-          <p:cNvPr id="3" name="ノート プレースホルダー 2"/>
-          <p:cNvSpPr>
-            <a:spLocks noGrp="1"/>
-          </p:cNvSpPr>
-          <p:nvPr>
-            <p:ph type="body" idx="1"/>
-          </p:nvPr>
-        </p:nvSpPr>
-        <p:spPr/>
-        <p:txBody>
-          <a:bodyPr/>
-          <a:lstStyle/>
-          <a:p>
-            <a:r>
               <a:rPr kumimoji="1" lang="en-US" altLang="ja-JP"/>
               <a:t>$("#gacha").val()</a:t>
             </a:r>
@@ -1069,7 +956,7 @@
           <a:p>
             <a:fld id="{68BBE79A-CCF6-4249-B583-4165A3BBCEF8}" type="slidenum">
               <a:rPr kumimoji="1" lang="ja-JP" altLang="en-US" smtClean="0"/>
-              <a:t>36</a:t>
+              <a:t>34</a:t>
             </a:fld>
             <a:endParaRPr kumimoji="1" lang="ja-JP" altLang="en-US"/>
           </a:p>
@@ -1567,7 +1454,34 @@
           <a:bodyPr/>
           <a:lstStyle/>
           <a:p>
-            <a:endParaRPr kumimoji="1" lang="ja-JP" altLang="en-US" dirty="0"/>
+            <a:r>
+              <a:rPr lang="en-US" altLang="ja-JP" sz="1200" b="1">
+                <a:solidFill>
+                  <a:srgbClr val="FF0000"/>
+                </a:solidFill>
+                <a:latin typeface="メイリオ"/>
+                <a:ea typeface="メイリオ"/>
+                <a:cs typeface="メイリオ"/>
+              </a:rPr>
+              <a:t>N</a:t>
+            </a:r>
+            <a:r>
+              <a:rPr lang="en-US" altLang="ja-JP" sz="1200">
+                <a:latin typeface="メイリオ"/>
+                <a:ea typeface="メイリオ"/>
+                <a:cs typeface="メイリオ"/>
+              </a:rPr>
+              <a:t>otation</a:t>
+            </a:r>
+            <a:r>
+              <a:rPr lang="ja-JP" altLang="en-US" sz="1200">
+                <a:latin typeface="メイリオ"/>
+                <a:ea typeface="メイリオ"/>
+                <a:cs typeface="メイリオ"/>
+              </a:rPr>
+              <a:t>＝記法</a:t>
+            </a:r>
+            <a:endParaRPr kumimoji="1" lang="ja-JP" altLang="en-US"/>
           </a:p>
         </p:txBody>
       </p:sp>
@@ -1588,7 +1502,7 @@
           <a:p>
             <a:fld id="{68BBE79A-CCF6-4249-B583-4165A3BBCEF8}" type="slidenum">
               <a:rPr kumimoji="1" lang="ja-JP" altLang="en-US" smtClean="0"/>
-              <a:t>15</a:t>
+              <a:t>19</a:t>
             </a:fld>
             <a:endParaRPr kumimoji="1" lang="ja-JP" altLang="en-US"/>
           </a:p>
@@ -1597,7 +1511,7 @@
     </p:spTree>
     <p:extLst>
       <p:ext uri="{BB962C8B-B14F-4D97-AF65-F5344CB8AC3E}">
-        <p14:creationId xmlns:p14="http://schemas.microsoft.com/office/powerpoint/2010/main" val="2072438573"/>
+        <p14:creationId xmlns:p14="http://schemas.microsoft.com/office/powerpoint/2010/main" val="1370093223"/>
       </p:ext>
     </p:extLst>
   </p:cSld>
@@ -1651,33 +1565,6 @@
           <a:bodyPr/>
           <a:lstStyle/>
           <a:p>
-            <a:r>
-              <a:rPr lang="en-US" altLang="ja-JP" sz="1200" b="1">
-                <a:solidFill>
-                  <a:srgbClr val="FF0000"/>
-                </a:solidFill>
-                <a:latin typeface="メイリオ"/>
-                <a:ea typeface="メイリオ"/>
-                <a:cs typeface="メイリオ"/>
-              </a:rPr>
-              <a:t>N</a:t>
-            </a:r>
-            <a:r>
-              <a:rPr lang="en-US" altLang="ja-JP" sz="1200">
-                <a:latin typeface="メイリオ"/>
-                <a:ea typeface="メイリオ"/>
-                <a:cs typeface="メイリオ"/>
-              </a:rPr>
-              <a:t>otation</a:t>
-            </a:r>
-            <a:r>
-              <a:rPr lang="ja-JP" altLang="en-US" sz="1200">
-                <a:latin typeface="メイリオ"/>
-                <a:ea typeface="メイリオ"/>
-                <a:cs typeface="メイリオ"/>
-              </a:rPr>
-              <a:t>＝記法</a:t>
-            </a:r>
             <a:endParaRPr kumimoji="1" lang="ja-JP" altLang="en-US"/>
           </a:p>
         </p:txBody>
@@ -1699,7 +1586,7 @@
           <a:p>
             <a:fld id="{68BBE79A-CCF6-4249-B583-4165A3BBCEF8}" type="slidenum">
               <a:rPr kumimoji="1" lang="ja-JP" altLang="en-US" smtClean="0"/>
-              <a:t>21</a:t>
+              <a:t>20</a:t>
             </a:fld>
             <a:endParaRPr kumimoji="1" lang="ja-JP" altLang="en-US"/>
           </a:p>
@@ -1762,6 +1649,31 @@
           <a:bodyPr/>
           <a:lstStyle/>
           <a:p>
+            <a:r>
+              <a:rPr kumimoji="1" lang="ja-JP" altLang="en-US"/>
+              <a:t>・文字列はダブルコーテーション</a:t>
+            </a:r>
+            <a:endParaRPr kumimoji="1" lang="en-US" altLang="ja-JP"/>
+          </a:p>
+          <a:p>
+            <a:r>
+              <a:rPr kumimoji="1" lang="ja-JP" altLang="en-US"/>
+              <a:t>・名前は囲わなくて良い</a:t>
+            </a:r>
+            <a:r>
+              <a:rPr kumimoji="1" lang="en-US" altLang="ja-JP"/>
+              <a:t>(</a:t>
+            </a:r>
+            <a:r>
+              <a:rPr kumimoji="1" lang="ja-JP" altLang="en-US"/>
+              <a:t>半角英数字の場合</a:t>
+            </a:r>
+            <a:r>
+              <a:rPr kumimoji="1" lang="en-US" altLang="ja-JP"/>
+              <a:t>)</a:t>
+            </a:r>
+          </a:p>
+          <a:p>
             <a:endParaRPr kumimoji="1" lang="ja-JP" altLang="en-US"/>
           </a:p>
         </p:txBody>
@@ -1783,7 +1695,7 @@
           <a:p>
             <a:fld id="{68BBE79A-CCF6-4249-B583-4165A3BBCEF8}" type="slidenum">
               <a:rPr kumimoji="1" lang="ja-JP" altLang="en-US" smtClean="0"/>
-              <a:t>22</a:t>
+              <a:t>21</a:t>
             </a:fld>
             <a:endParaRPr kumimoji="1" lang="ja-JP" altLang="en-US"/>
           </a:p>
@@ -2002,7 +1914,7 @@
           <a:p>
             <a:fld id="{DA188784-5B0E-4B92-B3B5-33ACF578010C}" type="datetimeFigureOut">
               <a:rPr kumimoji="1" lang="ja-JP" altLang="en-US" smtClean="0"/>
-              <a:t>17/01/13</a:t>
+              <a:t>17/01/15</a:t>
             </a:fld>
             <a:endParaRPr kumimoji="1" lang="ja-JP" altLang="en-US"/>
           </a:p>
@@ -2262,7 +2174,7 @@
           <a:p>
             <a:fld id="{DA188784-5B0E-4B92-B3B5-33ACF578010C}" type="datetimeFigureOut">
               <a:rPr kumimoji="1" lang="ja-JP" altLang="en-US" smtClean="0"/>
-              <a:t>17/01/13</a:t>
+              <a:t>17/01/15</a:t>
             </a:fld>
             <a:endParaRPr kumimoji="1" lang="ja-JP" altLang="en-US"/>
           </a:p>
@@ -2464,7 +2376,7 @@
           <a:p>
             <a:fld id="{DA188784-5B0E-4B92-B3B5-33ACF578010C}" type="datetimeFigureOut">
               <a:rPr kumimoji="1" lang="ja-JP" altLang="en-US" smtClean="0"/>
-              <a:t>17/01/13</a:t>
+              <a:t>17/01/15</a:t>
             </a:fld>
             <a:endParaRPr kumimoji="1" lang="ja-JP" altLang="en-US"/>
           </a:p>
@@ -2676,7 +2588,7 @@
           <a:p>
             <a:fld id="{DA188784-5B0E-4B92-B3B5-33ACF578010C}" type="datetimeFigureOut">
               <a:rPr kumimoji="1" lang="ja-JP" altLang="en-US" smtClean="0"/>
-              <a:t>17/01/13</a:t>
+              <a:t>17/01/15</a:t>
             </a:fld>
             <a:endParaRPr kumimoji="1" lang="ja-JP" altLang="en-US"/>
           </a:p>
@@ -2951,7 +2863,7 @@
           <a:p>
             <a:fld id="{DA188784-5B0E-4B92-B3B5-33ACF578010C}" type="datetimeFigureOut">
               <a:rPr kumimoji="1" lang="ja-JP" altLang="en-US" smtClean="0"/>
-              <a:t>17/01/13</a:t>
+              <a:t>17/01/15</a:t>
             </a:fld>
             <a:endParaRPr kumimoji="1" lang="ja-JP" altLang="en-US"/>
           </a:p>
@@ -3204,7 +3116,7 @@
           <a:p>
             <a:fld id="{DA188784-5B0E-4B92-B3B5-33ACF578010C}" type="datetimeFigureOut">
               <a:rPr kumimoji="1" lang="ja-JP" altLang="en-US" smtClean="0"/>
-              <a:t>17/01/13</a:t>
+              <a:t>17/01/15</a:t>
             </a:fld>
             <a:endParaRPr kumimoji="1" lang="ja-JP" altLang="en-US"/>
           </a:p>
@@ -3457,7 +3369,7 @@
           <a:p>
             <a:fld id="{DA188784-5B0E-4B92-B3B5-33ACF578010C}" type="datetimeFigureOut">
               <a:rPr kumimoji="1" lang="ja-JP" altLang="en-US" smtClean="0"/>
-              <a:t>17/01/13</a:t>
+              <a:t>17/01/15</a:t>
             </a:fld>
             <a:endParaRPr kumimoji="1" lang="ja-JP" altLang="en-US"/>
           </a:p>
@@ -3816,7 +3728,7 @@
           <a:p>
             <a:fld id="{DA188784-5B0E-4B92-B3B5-33ACF578010C}" type="datetimeFigureOut">
               <a:rPr kumimoji="1" lang="ja-JP" altLang="en-US" smtClean="0"/>
-              <a:t>17/01/13</a:t>
+              <a:t>17/01/15</a:t>
             </a:fld>
             <a:endParaRPr kumimoji="1" lang="ja-JP" altLang="en-US"/>
           </a:p>
@@ -4309,7 +4221,7 @@
           <a:p>
             <a:fld id="{DA188784-5B0E-4B92-B3B5-33ACF578010C}" type="datetimeFigureOut">
               <a:rPr kumimoji="1" lang="ja-JP" altLang="en-US" smtClean="0"/>
-              <a:t>17/01/13</a:t>
+              <a:t>17/01/15</a:t>
             </a:fld>
             <a:endParaRPr kumimoji="1" lang="ja-JP" altLang="en-US"/>
           </a:p>
@@ -4434,7 +4346,7 @@
           <a:p>
             <a:fld id="{DA188784-5B0E-4B92-B3B5-33ACF578010C}" type="datetimeFigureOut">
               <a:rPr kumimoji="1" lang="ja-JP" altLang="en-US" smtClean="0"/>
-              <a:t>17/01/13</a:t>
+              <a:t>17/01/15</a:t>
             </a:fld>
             <a:endParaRPr kumimoji="1" lang="ja-JP" altLang="en-US"/>
           </a:p>
@@ -4536,7 +4448,7 @@
           <a:p>
             <a:fld id="{DA188784-5B0E-4B92-B3B5-33ACF578010C}" type="datetimeFigureOut">
               <a:rPr kumimoji="1" lang="ja-JP" altLang="en-US" smtClean="0"/>
-              <a:t>17/01/13</a:t>
+              <a:t>17/01/15</a:t>
             </a:fld>
             <a:endParaRPr kumimoji="1" lang="ja-JP" altLang="en-US"/>
           </a:p>
@@ -4804,7 +4716,7 @@
           <a:p>
             <a:fld id="{DA188784-5B0E-4B92-B3B5-33ACF578010C}" type="datetimeFigureOut">
               <a:rPr kumimoji="1" lang="ja-JP" altLang="en-US" smtClean="0"/>
-              <a:t>17/01/13</a:t>
+              <a:t>17/01/15</a:t>
             </a:fld>
             <a:endParaRPr kumimoji="1" lang="ja-JP" altLang="en-US"/>
           </a:p>
@@ -5120,7 +5032,7 @@
           <a:p>
             <a:fld id="{DA188784-5B0E-4B92-B3B5-33ACF578010C}" type="datetimeFigureOut">
               <a:rPr kumimoji="1" lang="ja-JP" altLang="en-US" smtClean="0"/>
-              <a:t>17/01/13</a:t>
+              <a:t>17/01/15</a:t>
             </a:fld>
             <a:endParaRPr kumimoji="1" lang="ja-JP" altLang="en-US"/>
           </a:p>
@@ -5380,7 +5292,7 @@
           <a:p>
             <a:fld id="{DA188784-5B0E-4B92-B3B5-33ACF578010C}" type="datetimeFigureOut">
               <a:rPr kumimoji="1" lang="ja-JP" altLang="en-US" smtClean="0"/>
-              <a:t>17/01/13</a:t>
+              <a:t>17/01/15</a:t>
             </a:fld>
             <a:endParaRPr kumimoji="1" lang="ja-JP" altLang="en-US"/>
           </a:p>
@@ -5582,7 +5494,7 @@
           <a:p>
             <a:fld id="{DA188784-5B0E-4B92-B3B5-33ACF578010C}" type="datetimeFigureOut">
               <a:rPr kumimoji="1" lang="ja-JP" altLang="en-US" smtClean="0"/>
-              <a:t>17/01/13</a:t>
+              <a:t>17/01/15</a:t>
             </a:fld>
             <a:endParaRPr kumimoji="1" lang="ja-JP" altLang="en-US"/>
           </a:p>
@@ -5794,7 +5706,7 @@
           <a:p>
             <a:fld id="{DA188784-5B0E-4B92-B3B5-33ACF578010C}" type="datetimeFigureOut">
               <a:rPr kumimoji="1" lang="ja-JP" altLang="en-US" smtClean="0"/>
-              <a:t>17/01/13</a:t>
+              <a:t>17/01/15</a:t>
             </a:fld>
             <a:endParaRPr kumimoji="1" lang="ja-JP" altLang="en-US"/>
           </a:p>
@@ -6069,7 +5981,7 @@
           <a:p>
             <a:fld id="{DA188784-5B0E-4B92-B3B5-33ACF578010C}" type="datetimeFigureOut">
               <a:rPr kumimoji="1" lang="ja-JP" altLang="en-US" smtClean="0"/>
-              <a:t>17/01/13</a:t>
+              <a:t>17/01/15</a:t>
             </a:fld>
             <a:endParaRPr kumimoji="1" lang="ja-JP" altLang="en-US"/>
           </a:p>
@@ -6322,7 +6234,7 @@
           <a:p>
             <a:fld id="{DA188784-5B0E-4B92-B3B5-33ACF578010C}" type="datetimeFigureOut">
               <a:rPr kumimoji="1" lang="ja-JP" altLang="en-US" smtClean="0"/>
-              <a:t>17/01/13</a:t>
+              <a:t>17/01/15</a:t>
             </a:fld>
             <a:endParaRPr kumimoji="1" lang="ja-JP" altLang="en-US"/>
           </a:p>
@@ -6575,7 +6487,7 @@
           <a:p>
             <a:fld id="{DA188784-5B0E-4B92-B3B5-33ACF578010C}" type="datetimeFigureOut">
               <a:rPr kumimoji="1" lang="ja-JP" altLang="en-US" smtClean="0"/>
-              <a:t>17/01/13</a:t>
+              <a:t>17/01/15</a:t>
             </a:fld>
             <a:endParaRPr kumimoji="1" lang="ja-JP" altLang="en-US"/>
           </a:p>
@@ -6934,7 +6846,7 @@
           <a:p>
             <a:fld id="{DA188784-5B0E-4B92-B3B5-33ACF578010C}" type="datetimeFigureOut">
               <a:rPr kumimoji="1" lang="ja-JP" altLang="en-US" smtClean="0"/>
-              <a:t>17/01/13</a:t>
+              <a:t>17/01/15</a:t>
             </a:fld>
             <a:endParaRPr kumimoji="1" lang="ja-JP" altLang="en-US"/>
           </a:p>
@@ -7420,7 +7332,7 @@
           <a:p>
             <a:fld id="{DA188784-5B0E-4B92-B3B5-33ACF578010C}" type="datetimeFigureOut">
               <a:rPr kumimoji="1" lang="ja-JP" altLang="en-US" smtClean="0"/>
-              <a:t>17/01/13</a:t>
+              <a:t>17/01/15</a:t>
             </a:fld>
             <a:endParaRPr kumimoji="1" lang="ja-JP" altLang="en-US"/>
           </a:p>
@@ -7545,7 +7457,7 @@
           <a:p>
             <a:fld id="{DA188784-5B0E-4B92-B3B5-33ACF578010C}" type="datetimeFigureOut">
               <a:rPr kumimoji="1" lang="ja-JP" altLang="en-US" smtClean="0"/>
-              <a:t>17/01/13</a:t>
+              <a:t>17/01/15</a:t>
             </a:fld>
             <a:endParaRPr kumimoji="1" lang="ja-JP" altLang="en-US"/>
           </a:p>
@@ -7754,7 +7666,7 @@
           <a:p>
             <a:fld id="{DA188784-5B0E-4B92-B3B5-33ACF578010C}" type="datetimeFigureOut">
               <a:rPr kumimoji="1" lang="ja-JP" altLang="en-US" smtClean="0"/>
-              <a:t>17/01/13</a:t>
+              <a:t>17/01/15</a:t>
             </a:fld>
             <a:endParaRPr kumimoji="1" lang="ja-JP" altLang="en-US"/>
           </a:p>
@@ -7856,7 +7768,7 @@
           <a:p>
             <a:fld id="{DA188784-5B0E-4B92-B3B5-33ACF578010C}" type="datetimeFigureOut">
               <a:rPr kumimoji="1" lang="ja-JP" altLang="en-US" smtClean="0"/>
-              <a:t>17/01/13</a:t>
+              <a:t>17/01/15</a:t>
             </a:fld>
             <a:endParaRPr kumimoji="1" lang="ja-JP" altLang="en-US"/>
           </a:p>
@@ -8172,7 +8084,7 @@
           <a:p>
             <a:fld id="{DA188784-5B0E-4B92-B3B5-33ACF578010C}" type="datetimeFigureOut">
               <a:rPr kumimoji="1" lang="ja-JP" altLang="en-US" smtClean="0"/>
-              <a:t>17/01/13</a:t>
+              <a:t>17/01/15</a:t>
             </a:fld>
             <a:endParaRPr kumimoji="1" lang="ja-JP" altLang="en-US"/>
           </a:p>
@@ -8432,7 +8344,7 @@
           <a:p>
             <a:fld id="{DA188784-5B0E-4B92-B3B5-33ACF578010C}" type="datetimeFigureOut">
               <a:rPr kumimoji="1" lang="ja-JP" altLang="en-US" smtClean="0"/>
-              <a:t>17/01/13</a:t>
+              <a:t>17/01/15</a:t>
             </a:fld>
             <a:endParaRPr kumimoji="1" lang="ja-JP" altLang="en-US"/>
           </a:p>
@@ -8634,7 +8546,7 @@
           <a:p>
             <a:fld id="{DA188784-5B0E-4B92-B3B5-33ACF578010C}" type="datetimeFigureOut">
               <a:rPr kumimoji="1" lang="ja-JP" altLang="en-US" smtClean="0"/>
-              <a:t>17/01/13</a:t>
+              <a:t>17/01/15</a:t>
             </a:fld>
             <a:endParaRPr kumimoji="1" lang="ja-JP" altLang="en-US"/>
           </a:p>
@@ -8846,7 +8758,7 @@
           <a:p>
             <a:fld id="{DA188784-5B0E-4B92-B3B5-33ACF578010C}" type="datetimeFigureOut">
               <a:rPr kumimoji="1" lang="ja-JP" altLang="en-US" smtClean="0"/>
-              <a:t>17/01/13</a:t>
+              <a:t>17/01/15</a:t>
             </a:fld>
             <a:endParaRPr kumimoji="1" lang="ja-JP" altLang="en-US"/>
           </a:p>
@@ -9099,7 +9011,7 @@
           <a:p>
             <a:fld id="{DA188784-5B0E-4B92-B3B5-33ACF578010C}" type="datetimeFigureOut">
               <a:rPr kumimoji="1" lang="ja-JP" altLang="en-US" smtClean="0"/>
-              <a:t>17/01/13</a:t>
+              <a:t>17/01/15</a:t>
             </a:fld>
             <a:endParaRPr kumimoji="1" lang="ja-JP" altLang="en-US"/>
           </a:p>
@@ -9458,7 +9370,7 @@
           <a:p>
             <a:fld id="{DA188784-5B0E-4B92-B3B5-33ACF578010C}" type="datetimeFigureOut">
               <a:rPr kumimoji="1" lang="ja-JP" altLang="en-US" smtClean="0"/>
-              <a:t>17/01/13</a:t>
+              <a:t>17/01/15</a:t>
             </a:fld>
             <a:endParaRPr kumimoji="1" lang="ja-JP" altLang="en-US"/>
           </a:p>
@@ -9944,7 +9856,7 @@
           <a:p>
             <a:fld id="{DA188784-5B0E-4B92-B3B5-33ACF578010C}" type="datetimeFigureOut">
               <a:rPr kumimoji="1" lang="ja-JP" altLang="en-US" smtClean="0"/>
-              <a:t>17/01/13</a:t>
+              <a:t>17/01/15</a:t>
             </a:fld>
             <a:endParaRPr kumimoji="1" lang="ja-JP" altLang="en-US"/>
           </a:p>
@@ -10069,7 +9981,7 @@
           <a:p>
             <a:fld id="{DA188784-5B0E-4B92-B3B5-33ACF578010C}" type="datetimeFigureOut">
               <a:rPr kumimoji="1" lang="ja-JP" altLang="en-US" smtClean="0"/>
-              <a:t>17/01/13</a:t>
+              <a:t>17/01/15</a:t>
             </a:fld>
             <a:endParaRPr kumimoji="1" lang="ja-JP" altLang="en-US"/>
           </a:p>
@@ -10171,7 +10083,7 @@
           <a:p>
             <a:fld id="{DA188784-5B0E-4B92-B3B5-33ACF578010C}" type="datetimeFigureOut">
               <a:rPr kumimoji="1" lang="ja-JP" altLang="en-US" smtClean="0"/>
-              <a:t>17/01/13</a:t>
+              <a:t>17/01/15</a:t>
             </a:fld>
             <a:endParaRPr kumimoji="1" lang="ja-JP" altLang="en-US"/>
           </a:p>
@@ -10487,7 +10399,7 @@
           <a:p>
             <a:fld id="{DA188784-5B0E-4B92-B3B5-33ACF578010C}" type="datetimeFigureOut">
               <a:rPr kumimoji="1" lang="ja-JP" altLang="en-US" smtClean="0"/>
-              <a:t>17/01/13</a:t>
+              <a:t>17/01/15</a:t>
             </a:fld>
             <a:endParaRPr kumimoji="1" lang="ja-JP" altLang="en-US"/>
           </a:p>
@@ -10735,7 +10647,7 @@
           <a:p>
             <a:fld id="{DA188784-5B0E-4B92-B3B5-33ACF578010C}" type="datetimeFigureOut">
               <a:rPr kumimoji="1" lang="ja-JP" altLang="en-US" smtClean="0"/>
-              <a:t>17/01/13</a:t>
+              <a:t>17/01/15</a:t>
             </a:fld>
             <a:endParaRPr kumimoji="1" lang="ja-JP" altLang="en-US"/>
           </a:p>
@@ -11288,7 +11200,7 @@
           <a:p>
             <a:fld id="{DA188784-5B0E-4B92-B3B5-33ACF578010C}" type="datetimeFigureOut">
               <a:rPr kumimoji="1" lang="ja-JP" altLang="en-US" smtClean="0"/>
-              <a:t>17/01/13</a:t>
+              <a:t>17/01/15</a:t>
             </a:fld>
             <a:endParaRPr kumimoji="1" lang="ja-JP" altLang="en-US"/>
           </a:p>
@@ -11840,7 +11752,7 @@
           <a:p>
             <a:fld id="{DA188784-5B0E-4B92-B3B5-33ACF578010C}" type="datetimeFigureOut">
               <a:rPr kumimoji="1" lang="ja-JP" altLang="en-US" smtClean="0"/>
-              <a:t>17/01/13</a:t>
+              <a:t>17/01/15</a:t>
             </a:fld>
             <a:endParaRPr kumimoji="1" lang="ja-JP" altLang="en-US"/>
           </a:p>
@@ -13266,207 +13178,6 @@
         </p:nvSpPr>
         <p:spPr>
           <a:xfrm>
-            <a:off x="467544" y="1196752"/>
-            <a:ext cx="8229600" cy="4464496"/>
-          </a:xfrm>
-        </p:spPr>
-        <p:txBody>
-          <a:bodyPr>
-            <a:noAutofit/>
-          </a:bodyPr>
-          <a:lstStyle/>
-          <a:p>
-            <a:r>
-              <a:rPr lang="ja-JP" altLang="en-US" sz="8800" dirty="0"/>
-              <a:t>アンケートに</a:t>
-            </a:r>
-            <a:r>
-              <a:rPr lang="en-US" altLang="ja-JP" sz="8800" dirty="0"/>
-              <a:t/>
-            </a:r>
-            <a:br>
-              <a:rPr lang="en-US" altLang="ja-JP" sz="8800" dirty="0"/>
-            </a:br>
-            <a:r>
-              <a:rPr lang="ja-JP" altLang="en-US" sz="8800" dirty="0"/>
-              <a:t>答えるコーナー</a:t>
-            </a:r>
-            <a:endParaRPr kumimoji="1" lang="ja-JP" altLang="en-US" sz="8800" dirty="0"/>
-          </a:p>
-        </p:txBody>
-      </p:sp>
-    </p:spTree>
-    <p:extLst>
-      <p:ext uri="{BB962C8B-B14F-4D97-AF65-F5344CB8AC3E}">
-        <p14:creationId xmlns:p14="http://schemas.microsoft.com/office/powerpoint/2010/main" val="2490311219"/>
-      </p:ext>
-    </p:extLst>
-  </p:cSld>
-  <p:clrMapOvr>
-    <a:masterClrMapping/>
-  </p:clrMapOvr>
-  <p:timing>
-    <p:tnLst>
-      <p:par>
-        <p:cTn xmlns:p14="http://schemas.microsoft.com/office/powerpoint/2010/main" id="1" dur="indefinite" restart="never" nodeType="tmRoot"/>
-      </p:par>
-    </p:tnLst>
-  </p:timing>
-</p:sld>
-</file>
-
-<file path=ppt/slides/slide15.xml><?xml version="1.0" encoding="utf-8"?>
-<p:sld xmlns:a="http://schemas.openxmlformats.org/drawingml/2006/main" xmlns:r="http://schemas.openxmlformats.org/officeDocument/2006/relationships" xmlns:p="http://schemas.openxmlformats.org/presentationml/2006/main">
-  <p:cSld>
-    <p:spTree>
-      <p:nvGrpSpPr>
-        <p:cNvPr id="1" name=""/>
-        <p:cNvGrpSpPr/>
-        <p:nvPr/>
-      </p:nvGrpSpPr>
-      <p:grpSpPr>
-        <a:xfrm>
-          <a:off x="0" y="0"/>
-          <a:ext cx="0" cy="0"/>
-          <a:chOff x="0" y="0"/>
-          <a:chExt cx="0" cy="0"/>
-        </a:xfrm>
-      </p:grpSpPr>
-      <p:sp>
-        <p:nvSpPr>
-          <p:cNvPr id="2" name="タイトル 1"/>
-          <p:cNvSpPr>
-            <a:spLocks noGrp="1"/>
-          </p:cNvSpPr>
-          <p:nvPr>
-            <p:ph type="title"/>
-          </p:nvPr>
-        </p:nvSpPr>
-        <p:spPr>
-          <a:xfrm>
-            <a:off x="457200" y="53752"/>
-            <a:ext cx="8229600" cy="1143000"/>
-          </a:xfrm>
-        </p:spPr>
-        <p:txBody>
-          <a:bodyPr>
-            <a:normAutofit/>
-          </a:bodyPr>
-          <a:lstStyle/>
-          <a:p>
-            <a:r>
-              <a:rPr kumimoji="1" lang="ja-JP" altLang="en-US" sz="6000" dirty="0"/>
-              <a:t>質問</a:t>
-            </a:r>
-          </a:p>
-        </p:txBody>
-      </p:sp>
-      <p:sp>
-        <p:nvSpPr>
-          <p:cNvPr id="3" name="コンテンツ プレースホルダー 2"/>
-          <p:cNvSpPr>
-            <a:spLocks noGrp="1"/>
-          </p:cNvSpPr>
-          <p:nvPr>
-            <p:ph idx="1"/>
-          </p:nvPr>
-        </p:nvSpPr>
-        <p:spPr>
-          <a:xfrm>
-            <a:off x="251520" y="1412776"/>
-            <a:ext cx="8686800" cy="3240360"/>
-          </a:xfrm>
-        </p:spPr>
-        <p:txBody>
-          <a:bodyPr>
-            <a:noAutofit/>
-          </a:bodyPr>
-          <a:lstStyle/>
-          <a:p>
-            <a:pPr marL="514350" indent="-514350">
-              <a:buFont typeface="+mj-lt"/>
-              <a:buAutoNum type="arabicPeriod"/>
-            </a:pPr>
-            <a:r>
-              <a:rPr lang="en-US" altLang="ja-JP" dirty="0" smtClean="0"/>
-              <a:t>(SQL</a:t>
-            </a:r>
-            <a:r>
-              <a:rPr lang="ja-JP" altLang="en-US" dirty="0" smtClean="0"/>
-              <a:t>の</a:t>
-            </a:r>
-            <a:r>
-              <a:rPr lang="en-US" altLang="ja-JP" dirty="0" smtClean="0"/>
-              <a:t>)</a:t>
-            </a:r>
-            <a:r>
-              <a:rPr lang="ja-JP" altLang="en-US" dirty="0" smtClean="0"/>
-              <a:t>結合が理解できなかったので問題集などがあれば教えてほしい</a:t>
-            </a:r>
-            <a:endParaRPr lang="en-US" altLang="ja-JP" dirty="0" smtClean="0"/>
-          </a:p>
-          <a:p>
-            <a:pPr marL="514350" indent="-514350">
-              <a:buFont typeface="+mj-lt"/>
-              <a:buAutoNum type="arabicPeriod"/>
-            </a:pPr>
-            <a:r>
-              <a:rPr lang="ja-JP" altLang="en-US" dirty="0"/>
-              <a:t>プルリクについて知りたい</a:t>
-            </a:r>
-            <a:endParaRPr lang="ja-JP" altLang="en-US" dirty="0" smtClean="0"/>
-          </a:p>
-        </p:txBody>
-      </p:sp>
-    </p:spTree>
-    <p:extLst>
-      <p:ext uri="{BB962C8B-B14F-4D97-AF65-F5344CB8AC3E}">
-        <p14:creationId xmlns:p14="http://schemas.microsoft.com/office/powerpoint/2010/main" val="1487265842"/>
-      </p:ext>
-    </p:extLst>
-  </p:cSld>
-  <p:clrMapOvr>
-    <a:masterClrMapping/>
-  </p:clrMapOvr>
-  <p:timing>
-    <p:tnLst>
-      <p:par>
-        <p:cTn xmlns:p14="http://schemas.microsoft.com/office/powerpoint/2010/main" id="1" dur="indefinite" restart="never" nodeType="tmRoot"/>
-      </p:par>
-    </p:tnLst>
-  </p:timing>
-</p:sld>
-</file>
-
-<file path=ppt/slides/slide16.xml><?xml version="1.0" encoding="utf-8"?>
-<p:sld xmlns:a="http://schemas.openxmlformats.org/drawingml/2006/main" xmlns:r="http://schemas.openxmlformats.org/officeDocument/2006/relationships" xmlns:p="http://schemas.openxmlformats.org/presentationml/2006/main">
-  <p:cSld>
-    <p:spTree>
-      <p:nvGrpSpPr>
-        <p:cNvPr id="1" name=""/>
-        <p:cNvGrpSpPr/>
-        <p:nvPr/>
-      </p:nvGrpSpPr>
-      <p:grpSpPr>
-        <a:xfrm>
-          <a:off x="0" y="0"/>
-          <a:ext cx="0" cy="0"/>
-          <a:chOff x="0" y="0"/>
-          <a:chExt cx="0" cy="0"/>
-        </a:xfrm>
-      </p:grpSpPr>
-      <p:sp>
-        <p:nvSpPr>
-          <p:cNvPr id="2" name="タイトル 1"/>
-          <p:cNvSpPr>
-            <a:spLocks noGrp="1"/>
-          </p:cNvSpPr>
-          <p:nvPr>
-            <p:ph type="title"/>
-          </p:nvPr>
-        </p:nvSpPr>
-        <p:spPr>
-          <a:xfrm>
             <a:off x="467544" y="692696"/>
             <a:ext cx="8229600" cy="4464496"/>
           </a:xfrm>
@@ -13577,7 +13288,7 @@
 </p:sld>
 </file>
 
-<file path=ppt/slides/slide17.xml><?xml version="1.0" encoding="utf-8"?>
+<file path=ppt/slides/slide15.xml><?xml version="1.0" encoding="utf-8"?>
 <p:sld xmlns:a="http://schemas.openxmlformats.org/drawingml/2006/main" xmlns:r="http://schemas.openxmlformats.org/officeDocument/2006/relationships" xmlns:p="http://schemas.openxmlformats.org/presentationml/2006/main">
   <p:cSld>
     <p:spTree>
@@ -13919,7 +13630,7 @@
 </p:sld>
 </file>
 
-<file path=ppt/slides/slide18.xml><?xml version="1.0" encoding="utf-8"?>
+<file path=ppt/slides/slide16.xml><?xml version="1.0" encoding="utf-8"?>
 <p:sld xmlns:a="http://schemas.openxmlformats.org/drawingml/2006/main" xmlns:r="http://schemas.openxmlformats.org/officeDocument/2006/relationships" xmlns:p="http://schemas.openxmlformats.org/presentationml/2006/main">
   <p:cSld>
     <p:spTree>
@@ -14059,7 +13770,7 @@
 </p:sld>
 </file>
 
-<file path=ppt/slides/slide19.xml><?xml version="1.0" encoding="utf-8"?>
+<file path=ppt/slides/slide17.xml><?xml version="1.0" encoding="utf-8"?>
 <p:sld xmlns:a="http://schemas.openxmlformats.org/drawingml/2006/main" xmlns:r="http://schemas.openxmlformats.org/officeDocument/2006/relationships" xmlns:p="http://schemas.openxmlformats.org/presentationml/2006/main">
   <p:cSld>
     <p:spTree>
@@ -14471,156 +14182,7 @@
 </p:sld>
 </file>
 
-<file path=ppt/slides/slide2.xml><?xml version="1.0" encoding="utf-8"?>
-<p:sld xmlns:a="http://schemas.openxmlformats.org/drawingml/2006/main" xmlns:r="http://schemas.openxmlformats.org/officeDocument/2006/relationships" xmlns:p="http://schemas.openxmlformats.org/presentationml/2006/main">
-  <p:cSld>
-    <p:spTree>
-      <p:nvGrpSpPr>
-        <p:cNvPr id="1" name=""/>
-        <p:cNvGrpSpPr/>
-        <p:nvPr/>
-      </p:nvGrpSpPr>
-      <p:grpSpPr>
-        <a:xfrm>
-          <a:off x="0" y="0"/>
-          <a:ext cx="0" cy="0"/>
-          <a:chOff x="0" y="0"/>
-          <a:chExt cx="0" cy="0"/>
-        </a:xfrm>
-      </p:grpSpPr>
-      <p:sp>
-        <p:nvSpPr>
-          <p:cNvPr id="2" name="タイトル 1"/>
-          <p:cNvSpPr>
-            <a:spLocks noGrp="1"/>
-          </p:cNvSpPr>
-          <p:nvPr>
-            <p:ph type="title"/>
-          </p:nvPr>
-        </p:nvSpPr>
-        <p:spPr>
-          <a:xfrm>
-            <a:off x="467544" y="845840"/>
-            <a:ext cx="8229600" cy="1143000"/>
-          </a:xfrm>
-        </p:spPr>
-        <p:txBody>
-          <a:bodyPr>
-            <a:normAutofit/>
-          </a:bodyPr>
-          <a:lstStyle/>
-          <a:p>
-            <a:r>
-              <a:rPr kumimoji="1" lang="ja-JP" altLang="en-US" sz="6000"/>
-              <a:t>教材を</a:t>
-            </a:r>
-            <a:r>
-              <a:rPr kumimoji="1" lang="en-US" altLang="ja-JP" sz="6000"/>
-              <a:t>DL</a:t>
-            </a:r>
-            <a:r>
-              <a:rPr kumimoji="1" lang="ja-JP" altLang="en-US" sz="6000"/>
-              <a:t>してください</a:t>
-            </a:r>
-          </a:p>
-        </p:txBody>
-      </p:sp>
-      <p:sp>
-        <p:nvSpPr>
-          <p:cNvPr id="3" name="コンテンツ プレースホルダー 2"/>
-          <p:cNvSpPr>
-            <a:spLocks noGrp="1"/>
-          </p:cNvSpPr>
-          <p:nvPr>
-            <p:ph idx="1"/>
-          </p:nvPr>
-        </p:nvSpPr>
-        <p:spPr>
-          <a:xfrm>
-            <a:off x="467544" y="2896344"/>
-            <a:ext cx="8229600" cy="892696"/>
-          </a:xfrm>
-        </p:spPr>
-        <p:txBody>
-          <a:bodyPr>
-            <a:noAutofit/>
-          </a:bodyPr>
-          <a:lstStyle/>
-          <a:p>
-            <a:pPr marL="0" indent="0">
-              <a:buNone/>
-            </a:pPr>
-            <a:r>
-              <a:rPr lang="en-US" altLang="ja-JP" sz="6000"/>
-              <a:t>https://git.io/vMZ5H</a:t>
-            </a:r>
-            <a:endParaRPr kumimoji="1" lang="ja-JP" altLang="en-US" sz="6000"/>
-          </a:p>
-        </p:txBody>
-      </p:sp>
-      <p:sp>
-        <p:nvSpPr>
-          <p:cNvPr id="4" name="テキスト ボックス 3"/>
-          <p:cNvSpPr txBox="1"/>
-          <p:nvPr/>
-        </p:nvSpPr>
-        <p:spPr>
-          <a:xfrm>
-            <a:off x="395536" y="4293096"/>
-            <a:ext cx="8441659" cy="646331"/>
-          </a:xfrm>
-          <a:prstGeom prst="rect">
-            <a:avLst/>
-          </a:prstGeom>
-          <a:noFill/>
-        </p:spPr>
-        <p:txBody>
-          <a:bodyPr wrap="none" rtlCol="0">
-            <a:spAutoFit/>
-          </a:bodyPr>
-          <a:lstStyle/>
-          <a:p>
-            <a:r>
-              <a:rPr lang="en-US" altLang="ja-JP"/>
-              <a:t>※</a:t>
-            </a:r>
-            <a:r>
-              <a:rPr lang="ja-JP" altLang="en-US"/>
-              <a:t>以下の</a:t>
-            </a:r>
-            <a:r>
-              <a:rPr lang="en-US" altLang="ja-JP"/>
-              <a:t>URL</a:t>
-            </a:r>
-            <a:r>
-              <a:rPr lang="ja-JP" altLang="en-US"/>
-              <a:t>へリダイレクトします。</a:t>
-            </a:r>
-            <a:endParaRPr lang="en-US" altLang="ja-JP"/>
-          </a:p>
-          <a:p>
-            <a:r>
-              <a:rPr lang="en-US" altLang="ja-JP"/>
-              <a:t>https://github.com/katsube/neec/blob/master/mobileprogramming2/20170116/api.zip</a:t>
-            </a:r>
-            <a:endParaRPr kumimoji="1" lang="ja-JP" altLang="en-US"/>
-          </a:p>
-        </p:txBody>
-      </p:sp>
-    </p:spTree>
-    <p:extLst>
-      <p:ext uri="{BB962C8B-B14F-4D97-AF65-F5344CB8AC3E}">
-        <p14:creationId xmlns:p14="http://schemas.microsoft.com/office/powerpoint/2010/main" val="1058441083"/>
-      </p:ext>
-    </p:extLst>
-  </p:cSld>
-  <p:clrMapOvr>
-    <a:masterClrMapping/>
-  </p:clrMapOvr>
-</p:sld>
-</file>
-
-<file path=ppt/slides/slide20.xml><?xml version="1.0" encoding="utf-8"?>
+<file path=ppt/slides/slide18.xml><?xml version="1.0" encoding="utf-8"?>
 <p:sld xmlns:a="http://schemas.openxmlformats.org/drawingml/2006/main" xmlns:r="http://schemas.openxmlformats.org/officeDocument/2006/relationships" xmlns:p="http://schemas.openxmlformats.org/presentationml/2006/main">
   <p:cSld>
     <p:spTree>
@@ -14949,14 +14511,6 @@
               </a:rPr>
               <a:t>URL (EndPoint)</a:t>
             </a:r>
-            <a:endParaRPr lang="en-US" altLang="ja-JP" sz="5400" b="1">
-              <a:solidFill>
-                <a:srgbClr val="FF0000"/>
-              </a:solidFill>
-              <a:latin typeface="メイリオ"/>
-              <a:ea typeface="メイリオ"/>
-              <a:cs typeface="メイリオ"/>
-            </a:endParaRPr>
           </a:p>
           <a:p>
             <a:r>
@@ -15058,7 +14612,6 @@
               <a:rPr kumimoji="1" lang="ja-JP" altLang="en-US"/>
               <a:t>や他のデータフォーマットの場合もあります。</a:t>
             </a:r>
-            <a:endParaRPr kumimoji="1" lang="ja-JP" altLang="en-US"/>
           </a:p>
         </p:txBody>
       </p:sp>
@@ -15066,6 +14619,1125 @@
     <p:extLst>
       <p:ext uri="{BB962C8B-B14F-4D97-AF65-F5344CB8AC3E}">
         <p14:creationId xmlns:p14="http://schemas.microsoft.com/office/powerpoint/2010/main" val="3009251963"/>
+      </p:ext>
+    </p:extLst>
+  </p:cSld>
+  <p:clrMapOvr>
+    <a:masterClrMapping/>
+  </p:clrMapOvr>
+</p:sld>
+</file>
+
+<file path=ppt/slides/slide19.xml><?xml version="1.0" encoding="utf-8"?>
+<p:sld xmlns:a="http://schemas.openxmlformats.org/drawingml/2006/main" xmlns:r="http://schemas.openxmlformats.org/officeDocument/2006/relationships" xmlns:p="http://schemas.openxmlformats.org/presentationml/2006/main">
+  <p:cSld>
+    <p:spTree>
+      <p:nvGrpSpPr>
+        <p:cNvPr id="1" name=""/>
+        <p:cNvGrpSpPr/>
+        <p:nvPr/>
+      </p:nvGrpSpPr>
+      <p:grpSpPr>
+        <a:xfrm>
+          <a:off x="0" y="0"/>
+          <a:ext cx="0" cy="0"/>
+          <a:chOff x="0" y="0"/>
+          <a:chExt cx="0" cy="0"/>
+        </a:xfrm>
+      </p:grpSpPr>
+      <p:sp>
+        <p:nvSpPr>
+          <p:cNvPr id="2" name="タイトル 1"/>
+          <p:cNvSpPr>
+            <a:spLocks noGrp="1"/>
+          </p:cNvSpPr>
+          <p:nvPr>
+            <p:ph type="title"/>
+          </p:nvPr>
+        </p:nvSpPr>
+        <p:spPr>
+          <a:xfrm>
+            <a:off x="457200" y="116632"/>
+            <a:ext cx="8229600" cy="922114"/>
+          </a:xfrm>
+        </p:spPr>
+        <p:txBody>
+          <a:bodyPr/>
+          <a:lstStyle/>
+          <a:p>
+            <a:r>
+              <a:rPr kumimoji="1" lang="en-US" altLang="ja-JP"/>
+              <a:t>JSON</a:t>
+            </a:r>
+            <a:endParaRPr kumimoji="1" lang="ja-JP" altLang="en-US"/>
+          </a:p>
+        </p:txBody>
+      </p:sp>
+      <p:sp>
+        <p:nvSpPr>
+          <p:cNvPr id="13" name="テキスト ボックス 12"/>
+          <p:cNvSpPr txBox="1"/>
+          <p:nvPr/>
+        </p:nvSpPr>
+        <p:spPr>
+          <a:xfrm>
+            <a:off x="339734" y="1052736"/>
+            <a:ext cx="8696762" cy="1015663"/>
+          </a:xfrm>
+          <a:prstGeom prst="rect">
+            <a:avLst/>
+          </a:prstGeom>
+          <a:noFill/>
+        </p:spPr>
+        <p:txBody>
+          <a:bodyPr wrap="none" rtlCol="0">
+            <a:spAutoFit/>
+          </a:bodyPr>
+          <a:lstStyle/>
+          <a:p>
+            <a:r>
+              <a:rPr lang="en-US" altLang="ja-JP" sz="6000" b="1" u="sng">
+                <a:solidFill>
+                  <a:srgbClr val="FF0000"/>
+                </a:solidFill>
+                <a:latin typeface="メイリオ"/>
+                <a:ea typeface="メイリオ"/>
+                <a:cs typeface="メイリオ"/>
+              </a:rPr>
+              <a:t>J</a:t>
+            </a:r>
+            <a:r>
+              <a:rPr lang="en-US" altLang="ja-JP" sz="4800" u="sng">
+                <a:latin typeface="メイリオ"/>
+                <a:ea typeface="メイリオ"/>
+                <a:cs typeface="メイリオ"/>
+              </a:rPr>
+              <a:t>ava</a:t>
+            </a:r>
+            <a:r>
+              <a:rPr lang="en-US" altLang="ja-JP" sz="6000" b="1" u="sng">
+                <a:solidFill>
+                  <a:srgbClr val="FF0000"/>
+                </a:solidFill>
+                <a:latin typeface="メイリオ"/>
+                <a:ea typeface="メイリオ"/>
+                <a:cs typeface="メイリオ"/>
+              </a:rPr>
+              <a:t>S</a:t>
+            </a:r>
+            <a:r>
+              <a:rPr lang="en-US" altLang="ja-JP" sz="4800" u="sng">
+                <a:latin typeface="メイリオ"/>
+                <a:ea typeface="メイリオ"/>
+                <a:cs typeface="メイリオ"/>
+              </a:rPr>
+              <a:t>cript </a:t>
+            </a:r>
+            <a:r>
+              <a:rPr lang="en-US" altLang="ja-JP" sz="6000" b="1" u="sng">
+                <a:solidFill>
+                  <a:srgbClr val="FF0000"/>
+                </a:solidFill>
+                <a:latin typeface="メイリオ"/>
+                <a:ea typeface="メイリオ"/>
+                <a:cs typeface="メイリオ"/>
+              </a:rPr>
+              <a:t>O</a:t>
+            </a:r>
+            <a:r>
+              <a:rPr lang="en-US" altLang="ja-JP" sz="4800" u="sng">
+                <a:latin typeface="メイリオ"/>
+                <a:ea typeface="メイリオ"/>
+                <a:cs typeface="メイリオ"/>
+              </a:rPr>
+              <a:t>bject </a:t>
+            </a:r>
+            <a:r>
+              <a:rPr lang="en-US" altLang="ja-JP" sz="6000" b="1" u="sng">
+                <a:solidFill>
+                  <a:srgbClr val="FF0000"/>
+                </a:solidFill>
+                <a:latin typeface="メイリオ"/>
+                <a:ea typeface="メイリオ"/>
+                <a:cs typeface="メイリオ"/>
+              </a:rPr>
+              <a:t>N</a:t>
+            </a:r>
+            <a:r>
+              <a:rPr lang="en-US" altLang="ja-JP" sz="4800" u="sng">
+                <a:latin typeface="メイリオ"/>
+                <a:ea typeface="メイリオ"/>
+                <a:cs typeface="メイリオ"/>
+              </a:rPr>
+              <a:t>otation</a:t>
+            </a:r>
+            <a:endParaRPr kumimoji="1" lang="ja-JP" altLang="en-US" sz="4800" u="sng">
+              <a:latin typeface="メイリオ"/>
+              <a:ea typeface="メイリオ"/>
+              <a:cs typeface="メイリオ"/>
+            </a:endParaRPr>
+          </a:p>
+        </p:txBody>
+      </p:sp>
+      <p:sp>
+        <p:nvSpPr>
+          <p:cNvPr id="14" name="テキスト ボックス 13"/>
+          <p:cNvSpPr txBox="1"/>
+          <p:nvPr/>
+        </p:nvSpPr>
+        <p:spPr>
+          <a:xfrm>
+            <a:off x="395536" y="2276872"/>
+            <a:ext cx="8568952" cy="4462760"/>
+          </a:xfrm>
+          <a:prstGeom prst="rect">
+            <a:avLst/>
+          </a:prstGeom>
+          <a:noFill/>
+        </p:spPr>
+        <p:txBody>
+          <a:bodyPr wrap="square" rtlCol="0">
+            <a:spAutoFit/>
+          </a:bodyPr>
+          <a:lstStyle/>
+          <a:p>
+            <a:r>
+              <a:rPr lang="ja-JP" altLang="ja-JP" sz="2800">
+                <a:latin typeface="メイリオ"/>
+                <a:ea typeface="メイリオ"/>
+                <a:cs typeface="メイリオ"/>
+              </a:rPr>
+              <a:t>J</a:t>
+            </a:r>
+            <a:r>
+              <a:rPr lang="en-US" altLang="ja-JP" sz="2800">
+                <a:latin typeface="メイリオ"/>
+                <a:ea typeface="メイリオ"/>
+                <a:cs typeface="メイリオ"/>
+              </a:rPr>
+              <a:t>avaScript</a:t>
+            </a:r>
+            <a:r>
+              <a:rPr lang="ja-JP" altLang="en-US" sz="2800">
+                <a:latin typeface="メイリオ"/>
+                <a:ea typeface="メイリオ"/>
+                <a:cs typeface="メイリオ"/>
+              </a:rPr>
+              <a:t>の定数、変数、配列等の記述方法を元にしたデータフォーマットの一種。昨今ではデファクトと呼べるほど広く普及している。</a:t>
+            </a:r>
+            <a:endParaRPr lang="en-US" altLang="ja-JP" sz="2800">
+              <a:latin typeface="メイリオ"/>
+              <a:ea typeface="メイリオ"/>
+              <a:cs typeface="メイリオ"/>
+            </a:endParaRPr>
+          </a:p>
+          <a:p>
+            <a:endParaRPr lang="en-US" altLang="ja-JP" sz="2800">
+              <a:latin typeface="メイリオ"/>
+              <a:ea typeface="メイリオ"/>
+              <a:cs typeface="メイリオ"/>
+            </a:endParaRPr>
+          </a:p>
+          <a:p>
+            <a:r>
+              <a:rPr lang="en-US" altLang="ja-JP" sz="2800">
+                <a:latin typeface="メイリオ"/>
+                <a:ea typeface="メイリオ"/>
+                <a:cs typeface="メイリオ"/>
+              </a:rPr>
+              <a:t>JavaScript</a:t>
+            </a:r>
+            <a:r>
+              <a:rPr lang="ja-JP" altLang="en-US" sz="2800">
+                <a:latin typeface="メイリオ"/>
+                <a:ea typeface="メイリオ"/>
+                <a:cs typeface="メイリオ"/>
+              </a:rPr>
+              <a:t>以外にも多数の言語にライブラリが用意されており、大抵の場合かんたんに扱うことができる。</a:t>
+            </a:r>
+            <a:endParaRPr lang="en-US" altLang="ja-JP" sz="2800">
+              <a:latin typeface="メイリオ"/>
+              <a:ea typeface="メイリオ"/>
+              <a:cs typeface="メイリオ"/>
+            </a:endParaRPr>
+          </a:p>
+          <a:p>
+            <a:endParaRPr lang="en-US" altLang="ja-JP" sz="2800">
+              <a:latin typeface="メイリオ"/>
+              <a:ea typeface="メイリオ"/>
+              <a:cs typeface="メイリオ"/>
+            </a:endParaRPr>
+          </a:p>
+          <a:p>
+            <a:r>
+              <a:rPr lang="en-US" altLang="ja-JP" sz="2000" u="sng">
+                <a:solidFill>
+                  <a:srgbClr val="0000FF"/>
+                </a:solidFill>
+                <a:latin typeface="メイリオ"/>
+                <a:ea typeface="メイリオ"/>
+                <a:cs typeface="メイリオ"/>
+              </a:rPr>
+              <a:t>http://www.json.org/</a:t>
+            </a:r>
+          </a:p>
+          <a:p>
+            <a:r>
+              <a:rPr lang="en-US" altLang="ja-JP" sz="2000" u="sng">
+                <a:solidFill>
+                  <a:srgbClr val="0000FF"/>
+                </a:solidFill>
+                <a:latin typeface="メイリオ"/>
+                <a:ea typeface="メイリオ"/>
+                <a:cs typeface="メイリオ"/>
+              </a:rPr>
+              <a:t>http://www.ecma-international.org/publications/files/ECMA-ST/ECMA-404.pdf</a:t>
+            </a:r>
+          </a:p>
+        </p:txBody>
+      </p:sp>
+    </p:spTree>
+    <p:extLst>
+      <p:ext uri="{BB962C8B-B14F-4D97-AF65-F5344CB8AC3E}">
+        <p14:creationId xmlns:p14="http://schemas.microsoft.com/office/powerpoint/2010/main" val="3135136823"/>
+      </p:ext>
+    </p:extLst>
+  </p:cSld>
+  <p:clrMapOvr>
+    <a:masterClrMapping/>
+  </p:clrMapOvr>
+</p:sld>
+</file>
+
+<file path=ppt/slides/slide2.xml><?xml version="1.0" encoding="utf-8"?>
+<p:sld xmlns:a="http://schemas.openxmlformats.org/drawingml/2006/main" xmlns:r="http://schemas.openxmlformats.org/officeDocument/2006/relationships" xmlns:p="http://schemas.openxmlformats.org/presentationml/2006/main">
+  <p:cSld>
+    <p:spTree>
+      <p:nvGrpSpPr>
+        <p:cNvPr id="1" name=""/>
+        <p:cNvGrpSpPr/>
+        <p:nvPr/>
+      </p:nvGrpSpPr>
+      <p:grpSpPr>
+        <a:xfrm>
+          <a:off x="0" y="0"/>
+          <a:ext cx="0" cy="0"/>
+          <a:chOff x="0" y="0"/>
+          <a:chExt cx="0" cy="0"/>
+        </a:xfrm>
+      </p:grpSpPr>
+      <p:sp>
+        <p:nvSpPr>
+          <p:cNvPr id="2" name="タイトル 1"/>
+          <p:cNvSpPr>
+            <a:spLocks noGrp="1"/>
+          </p:cNvSpPr>
+          <p:nvPr>
+            <p:ph type="title"/>
+          </p:nvPr>
+        </p:nvSpPr>
+        <p:spPr>
+          <a:xfrm>
+            <a:off x="467544" y="845840"/>
+            <a:ext cx="8229600" cy="1143000"/>
+          </a:xfrm>
+        </p:spPr>
+        <p:txBody>
+          <a:bodyPr>
+            <a:normAutofit/>
+          </a:bodyPr>
+          <a:lstStyle/>
+          <a:p>
+            <a:r>
+              <a:rPr kumimoji="1" lang="ja-JP" altLang="en-US" sz="6000"/>
+              <a:t>教材を</a:t>
+            </a:r>
+            <a:r>
+              <a:rPr kumimoji="1" lang="en-US" altLang="ja-JP" sz="6000"/>
+              <a:t>DL</a:t>
+            </a:r>
+            <a:r>
+              <a:rPr kumimoji="1" lang="ja-JP" altLang="en-US" sz="6000"/>
+              <a:t>してください</a:t>
+            </a:r>
+          </a:p>
+        </p:txBody>
+      </p:sp>
+      <p:sp>
+        <p:nvSpPr>
+          <p:cNvPr id="3" name="コンテンツ プレースホルダー 2"/>
+          <p:cNvSpPr>
+            <a:spLocks noGrp="1"/>
+          </p:cNvSpPr>
+          <p:nvPr>
+            <p:ph idx="1"/>
+          </p:nvPr>
+        </p:nvSpPr>
+        <p:spPr>
+          <a:xfrm>
+            <a:off x="467544" y="2896344"/>
+            <a:ext cx="8229600" cy="892696"/>
+          </a:xfrm>
+        </p:spPr>
+        <p:txBody>
+          <a:bodyPr>
+            <a:noAutofit/>
+          </a:bodyPr>
+          <a:lstStyle/>
+          <a:p>
+            <a:pPr marL="0" indent="0">
+              <a:buNone/>
+            </a:pPr>
+            <a:r>
+              <a:rPr lang="en-US" altLang="ja-JP" sz="6000"/>
+              <a:t>https://git.io/vMZ5H</a:t>
+            </a:r>
+            <a:endParaRPr kumimoji="1" lang="ja-JP" altLang="en-US" sz="6000"/>
+          </a:p>
+        </p:txBody>
+      </p:sp>
+      <p:sp>
+        <p:nvSpPr>
+          <p:cNvPr id="4" name="テキスト ボックス 3"/>
+          <p:cNvSpPr txBox="1"/>
+          <p:nvPr/>
+        </p:nvSpPr>
+        <p:spPr>
+          <a:xfrm>
+            <a:off x="395536" y="4293096"/>
+            <a:ext cx="8441659" cy="646331"/>
+          </a:xfrm>
+          <a:prstGeom prst="rect">
+            <a:avLst/>
+          </a:prstGeom>
+          <a:noFill/>
+        </p:spPr>
+        <p:txBody>
+          <a:bodyPr wrap="none" rtlCol="0">
+            <a:spAutoFit/>
+          </a:bodyPr>
+          <a:lstStyle/>
+          <a:p>
+            <a:r>
+              <a:rPr lang="en-US" altLang="ja-JP"/>
+              <a:t>※</a:t>
+            </a:r>
+            <a:r>
+              <a:rPr lang="ja-JP" altLang="en-US"/>
+              <a:t>以下の</a:t>
+            </a:r>
+            <a:r>
+              <a:rPr lang="en-US" altLang="ja-JP"/>
+              <a:t>URL</a:t>
+            </a:r>
+            <a:r>
+              <a:rPr lang="ja-JP" altLang="en-US"/>
+              <a:t>へリダイレクトします。</a:t>
+            </a:r>
+            <a:endParaRPr lang="en-US" altLang="ja-JP"/>
+          </a:p>
+          <a:p>
+            <a:r>
+              <a:rPr lang="en-US" altLang="ja-JP"/>
+              <a:t>https://github.com/katsube/neec/blob/master/mobileprogramming2/20170116/api.zip</a:t>
+            </a:r>
+            <a:endParaRPr kumimoji="1" lang="ja-JP" altLang="en-US"/>
+          </a:p>
+        </p:txBody>
+      </p:sp>
+    </p:spTree>
+    <p:extLst>
+      <p:ext uri="{BB962C8B-B14F-4D97-AF65-F5344CB8AC3E}">
+        <p14:creationId xmlns:p14="http://schemas.microsoft.com/office/powerpoint/2010/main" val="1058441083"/>
+      </p:ext>
+    </p:extLst>
+  </p:cSld>
+  <p:clrMapOvr>
+    <a:masterClrMapping/>
+  </p:clrMapOvr>
+</p:sld>
+</file>
+
+<file path=ppt/slides/slide20.xml><?xml version="1.0" encoding="utf-8"?>
+<p:sld xmlns:a="http://schemas.openxmlformats.org/drawingml/2006/main" xmlns:r="http://schemas.openxmlformats.org/officeDocument/2006/relationships" xmlns:p="http://schemas.openxmlformats.org/presentationml/2006/main">
+  <p:cSld>
+    <p:spTree>
+      <p:nvGrpSpPr>
+        <p:cNvPr id="1" name=""/>
+        <p:cNvGrpSpPr/>
+        <p:nvPr/>
+      </p:nvGrpSpPr>
+      <p:grpSpPr>
+        <a:xfrm>
+          <a:off x="0" y="0"/>
+          <a:ext cx="0" cy="0"/>
+          <a:chOff x="0" y="0"/>
+          <a:chExt cx="0" cy="0"/>
+        </a:xfrm>
+      </p:grpSpPr>
+      <p:sp>
+        <p:nvSpPr>
+          <p:cNvPr id="2" name="タイトル 1"/>
+          <p:cNvSpPr>
+            <a:spLocks noGrp="1"/>
+          </p:cNvSpPr>
+          <p:nvPr>
+            <p:ph type="title"/>
+          </p:nvPr>
+        </p:nvSpPr>
+        <p:spPr>
+          <a:xfrm>
+            <a:off x="457200" y="116632"/>
+            <a:ext cx="8229600" cy="922114"/>
+          </a:xfrm>
+        </p:spPr>
+        <p:txBody>
+          <a:bodyPr>
+            <a:normAutofit fontScale="90000"/>
+          </a:bodyPr>
+          <a:lstStyle/>
+          <a:p>
+            <a:r>
+              <a:rPr kumimoji="1" lang="en-US" altLang="ja-JP"/>
+              <a:t>JavaScript</a:t>
+            </a:r>
+            <a:r>
+              <a:rPr kumimoji="1" lang="ja-JP" altLang="en-US"/>
+              <a:t>の</a:t>
+            </a:r>
+            <a:r>
+              <a:rPr lang="ja-JP" altLang="en-US"/>
+              <a:t>記述方法</a:t>
+            </a:r>
+            <a:r>
+              <a:rPr kumimoji="1" lang="ja-JP" altLang="en-US"/>
+              <a:t>のおさらい</a:t>
+            </a:r>
+          </a:p>
+        </p:txBody>
+      </p:sp>
+      <p:sp>
+        <p:nvSpPr>
+          <p:cNvPr id="14" name="テキスト ボックス 13"/>
+          <p:cNvSpPr txBox="1"/>
+          <p:nvPr/>
+        </p:nvSpPr>
+        <p:spPr>
+          <a:xfrm>
+            <a:off x="395536" y="1052736"/>
+            <a:ext cx="4104456" cy="5693867"/>
+          </a:xfrm>
+          <a:prstGeom prst="rect">
+            <a:avLst/>
+          </a:prstGeom>
+          <a:noFill/>
+        </p:spPr>
+        <p:txBody>
+          <a:bodyPr wrap="square" rtlCol="0">
+            <a:spAutoFit/>
+          </a:bodyPr>
+          <a:lstStyle/>
+          <a:p>
+            <a:pPr marL="457200" indent="-457200">
+              <a:buFont typeface="Arial"/>
+              <a:buChar char="•"/>
+            </a:pPr>
+            <a:r>
+              <a:rPr lang="ja-JP" altLang="en-US" sz="2800" b="1">
+                <a:solidFill>
+                  <a:schemeClr val="accent6">
+                    <a:lumMod val="75000"/>
+                  </a:schemeClr>
+                </a:solidFill>
+                <a:latin typeface="メイリオ"/>
+                <a:ea typeface="メイリオ"/>
+                <a:cs typeface="メイリオ"/>
+              </a:rPr>
+              <a:t>数字</a:t>
+            </a:r>
+            <a:r>
+              <a:rPr lang="en-US" altLang="ja-JP" sz="2800">
+                <a:latin typeface="メイリオ"/>
+                <a:ea typeface="メイリオ"/>
+                <a:cs typeface="メイリオ"/>
+              </a:rPr>
+              <a:t/>
+            </a:r>
+            <a:br>
+              <a:rPr lang="en-US" altLang="ja-JP" sz="2800">
+                <a:latin typeface="メイリオ"/>
+                <a:ea typeface="メイリオ"/>
+                <a:cs typeface="メイリオ"/>
+              </a:rPr>
+            </a:br>
+            <a:r>
+              <a:rPr lang="en-US" altLang="ja-JP" sz="2800">
+                <a:latin typeface="メイリオ"/>
+                <a:ea typeface="メイリオ"/>
+                <a:cs typeface="メイリオ"/>
+              </a:rPr>
+              <a:t>1,</a:t>
+            </a:r>
+            <a:r>
+              <a:rPr lang="ja-JP" altLang="en-US" sz="2800">
+                <a:latin typeface="メイリオ"/>
+                <a:ea typeface="メイリオ"/>
+                <a:cs typeface="メイリオ"/>
+              </a:rPr>
+              <a:t> </a:t>
+            </a:r>
+            <a:r>
+              <a:rPr lang="en-US" altLang="ja-JP" sz="2800">
+                <a:latin typeface="メイリオ"/>
+                <a:ea typeface="メイリオ"/>
+                <a:cs typeface="メイリオ"/>
+              </a:rPr>
+              <a:t>2,</a:t>
+            </a:r>
+            <a:r>
+              <a:rPr lang="ja-JP" altLang="en-US" sz="2800">
+                <a:latin typeface="メイリオ"/>
+                <a:ea typeface="メイリオ"/>
+                <a:cs typeface="メイリオ"/>
+              </a:rPr>
+              <a:t> </a:t>
+            </a:r>
+            <a:r>
+              <a:rPr lang="en-US" altLang="ja-JP" sz="2800">
+                <a:latin typeface="メイリオ"/>
+                <a:ea typeface="メイリオ"/>
+                <a:cs typeface="メイリオ"/>
+              </a:rPr>
+              <a:t>3</a:t>
+            </a:r>
+            <a:r>
+              <a:rPr lang="ja-JP" altLang="en-US" sz="2800">
+                <a:latin typeface="メイリオ"/>
+                <a:ea typeface="メイリオ"/>
+                <a:cs typeface="メイリオ"/>
+              </a:rPr>
+              <a:t> </a:t>
+            </a:r>
+            <a:r>
+              <a:rPr lang="en-US" altLang="ja-JP" sz="2800">
+                <a:latin typeface="メイリオ"/>
+                <a:ea typeface="メイリオ"/>
+                <a:cs typeface="メイリオ"/>
+              </a:rPr>
+              <a:t>...</a:t>
+            </a:r>
+            <a:br>
+              <a:rPr lang="en-US" altLang="ja-JP" sz="2800">
+                <a:latin typeface="メイリオ"/>
+                <a:ea typeface="メイリオ"/>
+                <a:cs typeface="メイリオ"/>
+              </a:rPr>
+            </a:br>
+            <a:endParaRPr lang="en-US" altLang="ja-JP" sz="2800">
+              <a:latin typeface="メイリオ"/>
+              <a:ea typeface="メイリオ"/>
+              <a:cs typeface="メイリオ"/>
+            </a:endParaRPr>
+          </a:p>
+          <a:p>
+            <a:pPr marL="457200" indent="-457200">
+              <a:buFont typeface="Arial"/>
+              <a:buChar char="•"/>
+            </a:pPr>
+            <a:r>
+              <a:rPr lang="ja-JP" altLang="en-US" sz="2800" b="1">
+                <a:solidFill>
+                  <a:srgbClr val="E46C0A"/>
+                </a:solidFill>
+                <a:latin typeface="メイリオ"/>
+                <a:ea typeface="メイリオ"/>
+                <a:cs typeface="メイリオ"/>
+              </a:rPr>
+              <a:t>文字列</a:t>
+            </a:r>
+            <a:r>
+              <a:rPr lang="en-US" altLang="ja-JP" sz="2800">
+                <a:latin typeface="メイリオ"/>
+                <a:ea typeface="メイリオ"/>
+                <a:cs typeface="メイリオ"/>
+              </a:rPr>
+              <a:t/>
+            </a:r>
+            <a:br>
+              <a:rPr lang="en-US" altLang="ja-JP" sz="2800">
+                <a:latin typeface="メイリオ"/>
+                <a:ea typeface="メイリオ"/>
+                <a:cs typeface="メイリオ"/>
+              </a:rPr>
+            </a:br>
+            <a:r>
+              <a:rPr lang="en-US" altLang="ja-JP" sz="2800">
+                <a:latin typeface="メイリオ"/>
+                <a:ea typeface="メイリオ"/>
+                <a:cs typeface="メイリオ"/>
+              </a:rPr>
+              <a:t>"Hello"</a:t>
+            </a:r>
+            <a:br>
+              <a:rPr lang="en-US" altLang="ja-JP" sz="2800">
+                <a:latin typeface="メイリオ"/>
+                <a:ea typeface="メイリオ"/>
+                <a:cs typeface="メイリオ"/>
+              </a:rPr>
+            </a:br>
+            <a:r>
+              <a:rPr lang="en-US" altLang="ja-JP" sz="2800">
+                <a:latin typeface="メイリオ"/>
+                <a:ea typeface="メイリオ"/>
+                <a:cs typeface="メイリオ"/>
+              </a:rPr>
+              <a:t>'World'</a:t>
+            </a:r>
+            <a:br>
+              <a:rPr lang="en-US" altLang="ja-JP" sz="2800">
+                <a:latin typeface="メイリオ"/>
+                <a:ea typeface="メイリオ"/>
+                <a:cs typeface="メイリオ"/>
+              </a:rPr>
+            </a:br>
+            <a:endParaRPr lang="en-US" altLang="ja-JP" sz="2800" b="1">
+              <a:solidFill>
+                <a:srgbClr val="E46C0A"/>
+              </a:solidFill>
+              <a:latin typeface="メイリオ"/>
+              <a:ea typeface="メイリオ"/>
+              <a:cs typeface="メイリオ"/>
+            </a:endParaRPr>
+          </a:p>
+          <a:p>
+            <a:pPr marL="457200" indent="-457200">
+              <a:buFont typeface="Arial"/>
+              <a:buChar char="•"/>
+            </a:pPr>
+            <a:r>
+              <a:rPr lang="ja-JP" altLang="en-US" sz="2800" b="1">
+                <a:solidFill>
+                  <a:srgbClr val="E46C0A"/>
+                </a:solidFill>
+                <a:latin typeface="メイリオ"/>
+                <a:ea typeface="メイリオ"/>
+                <a:cs typeface="メイリオ"/>
+              </a:rPr>
+              <a:t>真偽値</a:t>
+            </a:r>
+            <a:r>
+              <a:rPr lang="en-US" altLang="ja-JP" sz="2800">
+                <a:latin typeface="メイリオ"/>
+                <a:ea typeface="メイリオ"/>
+                <a:cs typeface="メイリオ"/>
+              </a:rPr>
+              <a:t/>
+            </a:r>
+            <a:br>
+              <a:rPr lang="en-US" altLang="ja-JP" sz="2800">
+                <a:latin typeface="メイリオ"/>
+                <a:ea typeface="メイリオ"/>
+                <a:cs typeface="メイリオ"/>
+              </a:rPr>
+            </a:br>
+            <a:r>
+              <a:rPr lang="en-US" altLang="ja-JP" sz="2800">
+                <a:latin typeface="メイリオ"/>
+                <a:ea typeface="メイリオ"/>
+                <a:cs typeface="メイリオ"/>
+              </a:rPr>
+              <a:t>true</a:t>
+            </a:r>
+            <a:r>
+              <a:rPr lang="ja-JP" altLang="en-US" sz="2800">
+                <a:latin typeface="メイリオ"/>
+                <a:ea typeface="メイリオ"/>
+                <a:cs typeface="メイリオ"/>
+              </a:rPr>
+              <a:t>, </a:t>
+            </a:r>
+            <a:r>
+              <a:rPr lang="en-US" altLang="ja-JP" sz="2800">
+                <a:latin typeface="メイリオ"/>
+                <a:ea typeface="メイリオ"/>
+                <a:cs typeface="メイリオ"/>
+              </a:rPr>
+              <a:t>false</a:t>
+            </a:r>
+          </a:p>
+          <a:p>
+            <a:pPr marL="457200" indent="-457200">
+              <a:buFont typeface="Arial"/>
+              <a:buChar char="•"/>
+            </a:pPr>
+            <a:endParaRPr lang="en-US" altLang="ja-JP" sz="2800">
+              <a:latin typeface="メイリオ"/>
+              <a:ea typeface="メイリオ"/>
+              <a:cs typeface="メイリオ"/>
+            </a:endParaRPr>
+          </a:p>
+          <a:p>
+            <a:pPr marL="457200" indent="-457200">
+              <a:buFont typeface="Arial"/>
+              <a:buChar char="•"/>
+            </a:pPr>
+            <a:r>
+              <a:rPr lang="en-US" altLang="ja-JP" sz="2800" b="1">
+                <a:solidFill>
+                  <a:srgbClr val="E46C0A"/>
+                </a:solidFill>
+                <a:latin typeface="メイリオ"/>
+                <a:ea typeface="メイリオ"/>
+                <a:cs typeface="メイリオ"/>
+              </a:rPr>
+              <a:t>null</a:t>
+            </a:r>
+            <a:r>
+              <a:rPr lang="en-US" altLang="ja-JP" sz="2800">
+                <a:latin typeface="メイリオ"/>
+                <a:ea typeface="メイリオ"/>
+                <a:cs typeface="メイリオ"/>
+              </a:rPr>
+              <a:t/>
+            </a:r>
+            <a:br>
+              <a:rPr lang="en-US" altLang="ja-JP" sz="2800">
+                <a:latin typeface="メイリオ"/>
+                <a:ea typeface="メイリオ"/>
+                <a:cs typeface="メイリオ"/>
+              </a:rPr>
+            </a:br>
+            <a:r>
+              <a:rPr lang="en-US" altLang="ja-JP" sz="2800">
+                <a:latin typeface="メイリオ"/>
+                <a:ea typeface="メイリオ"/>
+                <a:cs typeface="メイリオ"/>
+              </a:rPr>
+              <a:t>null</a:t>
+            </a:r>
+          </a:p>
+          <a:p>
+            <a:pPr marL="457200" indent="-457200">
+              <a:buFont typeface="Arial"/>
+              <a:buChar char="•"/>
+            </a:pPr>
+            <a:endParaRPr lang="en-US" altLang="ja-JP" sz="2800">
+              <a:latin typeface="メイリオ"/>
+              <a:ea typeface="メイリオ"/>
+              <a:cs typeface="メイリオ"/>
+            </a:endParaRPr>
+          </a:p>
+        </p:txBody>
+      </p:sp>
+      <p:sp>
+        <p:nvSpPr>
+          <p:cNvPr id="5" name="テキスト ボックス 4"/>
+          <p:cNvSpPr txBox="1"/>
+          <p:nvPr/>
+        </p:nvSpPr>
+        <p:spPr>
+          <a:xfrm>
+            <a:off x="4860032" y="1052736"/>
+            <a:ext cx="4104456" cy="6555642"/>
+          </a:xfrm>
+          <a:prstGeom prst="rect">
+            <a:avLst/>
+          </a:prstGeom>
+          <a:noFill/>
+        </p:spPr>
+        <p:txBody>
+          <a:bodyPr wrap="square" rtlCol="0">
+            <a:spAutoFit/>
+          </a:bodyPr>
+          <a:lstStyle/>
+          <a:p>
+            <a:pPr marL="457200" indent="-457200">
+              <a:buFont typeface="Arial"/>
+              <a:buChar char="•"/>
+            </a:pPr>
+            <a:r>
+              <a:rPr lang="ja-JP" altLang="en-US" sz="2800" b="1">
+                <a:solidFill>
+                  <a:srgbClr val="E46C0A"/>
+                </a:solidFill>
+                <a:latin typeface="メイリオ"/>
+                <a:ea typeface="メイリオ"/>
+                <a:cs typeface="メイリオ"/>
+              </a:rPr>
+              <a:t>配列</a:t>
+            </a:r>
+            <a:r>
+              <a:rPr lang="en-US" altLang="ja-JP" sz="2800">
+                <a:latin typeface="メイリオ"/>
+                <a:ea typeface="メイリオ"/>
+                <a:cs typeface="メイリオ"/>
+              </a:rPr>
+              <a:t/>
+            </a:r>
+            <a:br>
+              <a:rPr lang="en-US" altLang="ja-JP" sz="2800">
+                <a:latin typeface="メイリオ"/>
+                <a:ea typeface="メイリオ"/>
+                <a:cs typeface="メイリオ"/>
+              </a:rPr>
+            </a:br>
+            <a:r>
+              <a:rPr lang="en-US" altLang="ja-JP" sz="2800">
+                <a:latin typeface="メイリオ"/>
+                <a:ea typeface="メイリオ"/>
+                <a:cs typeface="メイリオ"/>
+              </a:rPr>
+              <a:t>[1, 2, 3, "Foobar"]</a:t>
+            </a:r>
+            <a:br>
+              <a:rPr lang="en-US" altLang="ja-JP" sz="2800">
+                <a:latin typeface="メイリオ"/>
+                <a:ea typeface="メイリオ"/>
+                <a:cs typeface="メイリオ"/>
+              </a:rPr>
+            </a:br>
+            <a:endParaRPr lang="en-US" altLang="ja-JP" sz="2800" b="1">
+              <a:solidFill>
+                <a:srgbClr val="E46C0A"/>
+              </a:solidFill>
+              <a:latin typeface="メイリオ"/>
+              <a:ea typeface="メイリオ"/>
+              <a:cs typeface="メイリオ"/>
+            </a:endParaRPr>
+          </a:p>
+          <a:p>
+            <a:pPr marL="457200" indent="-457200">
+              <a:buFont typeface="Arial"/>
+              <a:buChar char="•"/>
+            </a:pPr>
+            <a:r>
+              <a:rPr lang="ja-JP" altLang="en-US" sz="2800" b="1">
+                <a:solidFill>
+                  <a:srgbClr val="E46C0A"/>
+                </a:solidFill>
+                <a:latin typeface="メイリオ"/>
+                <a:ea typeface="メイリオ"/>
+                <a:cs typeface="メイリオ"/>
+              </a:rPr>
+              <a:t>連想配列</a:t>
+            </a:r>
+            <a:r>
+              <a:rPr lang="en-US" altLang="ja-JP" sz="2800">
+                <a:latin typeface="メイリオ"/>
+                <a:ea typeface="メイリオ"/>
+                <a:cs typeface="メイリオ"/>
+              </a:rPr>
+              <a:t/>
+            </a:r>
+            <a:br>
+              <a:rPr lang="en-US" altLang="ja-JP" sz="2800">
+                <a:latin typeface="メイリオ"/>
+                <a:ea typeface="メイリオ"/>
+                <a:cs typeface="メイリオ"/>
+              </a:rPr>
+            </a:br>
+            <a:r>
+              <a:rPr lang="en-US" altLang="ja-JP" sz="2800">
+                <a:latin typeface="メイリオ"/>
+                <a:ea typeface="メイリオ"/>
+                <a:cs typeface="メイリオ"/>
+              </a:rPr>
+              <a:t>{"foo":1, "bar":2}</a:t>
+            </a:r>
+          </a:p>
+          <a:p>
+            <a:pPr marL="457200" indent="-457200">
+              <a:buFont typeface="Arial"/>
+              <a:buChar char="•"/>
+            </a:pPr>
+            <a:endParaRPr lang="en-US" altLang="ja-JP" sz="2800" b="1">
+              <a:solidFill>
+                <a:schemeClr val="accent6">
+                  <a:lumMod val="75000"/>
+                </a:schemeClr>
+              </a:solidFill>
+              <a:latin typeface="メイリオ"/>
+              <a:ea typeface="メイリオ"/>
+              <a:cs typeface="メイリオ"/>
+            </a:endParaRPr>
+          </a:p>
+          <a:p>
+            <a:pPr marL="457200" indent="-457200">
+              <a:buFont typeface="Arial"/>
+              <a:buChar char="•"/>
+            </a:pPr>
+            <a:r>
+              <a:rPr lang="ja-JP" altLang="en-US" sz="2800" b="1">
+                <a:solidFill>
+                  <a:schemeClr val="accent6">
+                    <a:lumMod val="75000"/>
+                  </a:schemeClr>
+                </a:solidFill>
+                <a:latin typeface="メイリオ"/>
+                <a:ea typeface="メイリオ"/>
+                <a:cs typeface="メイリオ"/>
+              </a:rPr>
+              <a:t>関数</a:t>
+            </a:r>
+            <a:r>
+              <a:rPr lang="en-US" altLang="ja-JP" sz="2800">
+                <a:latin typeface="メイリオ"/>
+                <a:ea typeface="メイリオ"/>
+                <a:cs typeface="メイリオ"/>
+              </a:rPr>
+              <a:t/>
+            </a:r>
+            <a:br>
+              <a:rPr lang="en-US" altLang="ja-JP" sz="2800">
+                <a:latin typeface="メイリオ"/>
+                <a:ea typeface="メイリオ"/>
+                <a:cs typeface="メイリオ"/>
+              </a:rPr>
+            </a:br>
+            <a:r>
+              <a:rPr lang="en-US" altLang="ja-JP" sz="2800">
+                <a:latin typeface="メイリオ"/>
+                <a:ea typeface="メイリオ"/>
+                <a:cs typeface="メイリオ"/>
+              </a:rPr>
+              <a:t>function</a:t>
+            </a:r>
+            <a:r>
+              <a:rPr lang="ja-JP" altLang="en-US" sz="2800">
+                <a:latin typeface="メイリオ"/>
+                <a:ea typeface="メイリオ"/>
+                <a:cs typeface="メイリオ"/>
+              </a:rPr>
+              <a:t> </a:t>
+            </a:r>
+            <a:r>
+              <a:rPr lang="en-US" altLang="ja-JP" sz="2800">
+                <a:latin typeface="メイリオ"/>
+                <a:ea typeface="メイリオ"/>
+                <a:cs typeface="メイリオ"/>
+              </a:rPr>
+              <a:t>foo(arg){</a:t>
+            </a:r>
+            <a:br>
+              <a:rPr lang="en-US" altLang="ja-JP" sz="2800">
+                <a:latin typeface="メイリオ"/>
+                <a:ea typeface="メイリオ"/>
+                <a:cs typeface="メイリオ"/>
+              </a:rPr>
+            </a:br>
+            <a:r>
+              <a:rPr lang="en-US" altLang="ja-JP" sz="2800">
+                <a:latin typeface="メイリオ"/>
+                <a:ea typeface="メイリオ"/>
+                <a:cs typeface="メイリオ"/>
+              </a:rPr>
+              <a:t>   ...</a:t>
+            </a:r>
+            <a:br>
+              <a:rPr lang="en-US" altLang="ja-JP" sz="2800">
+                <a:latin typeface="メイリオ"/>
+                <a:ea typeface="メイリオ"/>
+                <a:cs typeface="メイリオ"/>
+              </a:rPr>
+            </a:br>
+            <a:r>
+              <a:rPr lang="en-US" altLang="ja-JP" sz="2800">
+                <a:latin typeface="メイリオ"/>
+                <a:ea typeface="メイリオ"/>
+                <a:cs typeface="メイリオ"/>
+              </a:rPr>
+              <a:t>}</a:t>
+            </a:r>
+            <a:br>
+              <a:rPr lang="en-US" altLang="ja-JP" sz="2800">
+                <a:latin typeface="メイリオ"/>
+                <a:ea typeface="メイリオ"/>
+                <a:cs typeface="メイリオ"/>
+              </a:rPr>
+            </a:br>
+            <a:r>
+              <a:rPr lang="en-US" altLang="ja-JP" sz="2800">
+                <a:latin typeface="メイリオ"/>
+                <a:ea typeface="メイリオ"/>
+                <a:cs typeface="メイリオ"/>
+              </a:rPr>
+              <a:t>function</a:t>
+            </a:r>
+            <a:r>
+              <a:rPr lang="ja-JP" altLang="en-US" sz="2800">
+                <a:latin typeface="メイリオ"/>
+                <a:ea typeface="メイリオ"/>
+                <a:cs typeface="メイリオ"/>
+              </a:rPr>
+              <a:t> </a:t>
+            </a:r>
+            <a:r>
+              <a:rPr lang="en-US" altLang="ja-JP" sz="2800">
+                <a:latin typeface="メイリオ"/>
+                <a:ea typeface="メイリオ"/>
+                <a:cs typeface="メイリオ"/>
+              </a:rPr>
+              <a:t>(arg){</a:t>
+            </a:r>
+            <a:br>
+              <a:rPr lang="en-US" altLang="ja-JP" sz="2800">
+                <a:latin typeface="メイリオ"/>
+                <a:ea typeface="メイリオ"/>
+                <a:cs typeface="メイリオ"/>
+              </a:rPr>
+            </a:br>
+            <a:r>
+              <a:rPr lang="en-US" altLang="ja-JP" sz="2800">
+                <a:latin typeface="メイリオ"/>
+                <a:ea typeface="メイリオ"/>
+                <a:cs typeface="メイリオ"/>
+              </a:rPr>
+              <a:t>   ...</a:t>
+            </a:r>
+            <a:br>
+              <a:rPr lang="en-US" altLang="ja-JP" sz="2800">
+                <a:latin typeface="メイリオ"/>
+                <a:ea typeface="メイリオ"/>
+                <a:cs typeface="メイリオ"/>
+              </a:rPr>
+            </a:br>
+            <a:r>
+              <a:rPr lang="en-US" altLang="ja-JP" sz="2800">
+                <a:latin typeface="メイリオ"/>
+                <a:ea typeface="メイリオ"/>
+                <a:cs typeface="メイリオ"/>
+              </a:rPr>
+              <a:t>}</a:t>
+            </a:r>
+          </a:p>
+          <a:p>
+            <a:pPr marL="457200" indent="-457200">
+              <a:buFont typeface="Arial"/>
+              <a:buChar char="•"/>
+            </a:pPr>
+            <a:endParaRPr lang="en-US" altLang="ja-JP" sz="2800">
+              <a:latin typeface="メイリオ"/>
+              <a:ea typeface="メイリオ"/>
+              <a:cs typeface="メイリオ"/>
+            </a:endParaRPr>
+          </a:p>
+          <a:p>
+            <a:pPr marL="457200" indent="-457200">
+              <a:buFont typeface="Arial"/>
+              <a:buChar char="•"/>
+            </a:pPr>
+            <a:endParaRPr lang="en-US" altLang="ja-JP" sz="2800">
+              <a:latin typeface="メイリオ"/>
+              <a:ea typeface="メイリオ"/>
+              <a:cs typeface="メイリオ"/>
+            </a:endParaRPr>
+          </a:p>
+        </p:txBody>
+      </p:sp>
+    </p:spTree>
+    <p:extLst>
+      <p:ext uri="{BB962C8B-B14F-4D97-AF65-F5344CB8AC3E}">
+        <p14:creationId xmlns:p14="http://schemas.microsoft.com/office/powerpoint/2010/main" val="1077638038"/>
       </p:ext>
     </p:extLst>
   </p:cSld>
@@ -15104,241 +15776,215 @@
         </p:nvSpPr>
         <p:spPr>
           <a:xfrm>
-            <a:off x="457200" y="116632"/>
+            <a:off x="457200" y="-13394"/>
             <a:ext cx="8229600" cy="922114"/>
           </a:xfrm>
         </p:spPr>
         <p:txBody>
-          <a:bodyPr/>
+          <a:bodyPr>
+            <a:normAutofit/>
+          </a:bodyPr>
           <a:lstStyle/>
           <a:p>
             <a:r>
               <a:rPr kumimoji="1" lang="en-US" altLang="ja-JP"/>
               <a:t>JSON</a:t>
             </a:r>
-            <a:endParaRPr kumimoji="1" lang="ja-JP" altLang="en-US"/>
-          </a:p>
-        </p:txBody>
-      </p:sp>
-      <p:sp>
-        <p:nvSpPr>
-          <p:cNvPr id="13" name="テキスト ボックス 12"/>
-          <p:cNvSpPr txBox="1"/>
+            <a:r>
+              <a:rPr kumimoji="1" lang="ja-JP" altLang="en-US"/>
+              <a:t>例</a:t>
+            </a:r>
+          </a:p>
+        </p:txBody>
+      </p:sp>
+      <p:sp>
+        <p:nvSpPr>
+          <p:cNvPr id="6" name="コンテンツ プレースホルダー 2"/>
+          <p:cNvSpPr txBox="1">
+            <a:spLocks/>
+          </p:cNvSpPr>
           <p:nvPr/>
         </p:nvSpPr>
         <p:spPr>
           <a:xfrm>
-            <a:off x="339734" y="1052736"/>
-            <a:ext cx="8696762" cy="1015663"/>
+            <a:off x="0" y="908720"/>
+            <a:ext cx="9144000" cy="5949280"/>
           </a:xfrm>
           <a:prstGeom prst="rect">
             <a:avLst/>
           </a:prstGeom>
-          <a:noFill/>
+          <a:solidFill>
+            <a:schemeClr val="tx1"/>
+          </a:solidFill>
         </p:spPr>
         <p:txBody>
-          <a:bodyPr wrap="none" rtlCol="0">
-            <a:spAutoFit/>
+          <a:bodyPr vert="horz" lIns="91440" tIns="45720" rIns="91440" bIns="45720" rtlCol="0">
+            <a:noAutofit/>
           </a:bodyPr>
-          <a:lstStyle/>
-          <a:p>
-            <a:r>
-              <a:rPr lang="en-US" altLang="ja-JP" sz="6000" b="1" u="sng">
-                <a:solidFill>
-                  <a:srgbClr val="FF0000"/>
-                </a:solidFill>
-                <a:latin typeface="メイリオ"/>
-                <a:ea typeface="メイリオ"/>
-                <a:cs typeface="メイリオ"/>
-              </a:rPr>
-              <a:t>J</a:t>
-            </a:r>
-            <a:r>
-              <a:rPr lang="en-US" altLang="ja-JP" sz="4800" u="sng">
-                <a:latin typeface="メイリオ"/>
-                <a:ea typeface="メイリオ"/>
-                <a:cs typeface="メイリオ"/>
-              </a:rPr>
-              <a:t>ava</a:t>
-            </a:r>
-            <a:r>
-              <a:rPr lang="en-US" altLang="ja-JP" sz="6000" b="1" u="sng">
-                <a:solidFill>
-                  <a:srgbClr val="FF0000"/>
-                </a:solidFill>
-                <a:latin typeface="メイリオ"/>
-                <a:ea typeface="メイリオ"/>
-                <a:cs typeface="メイリオ"/>
-              </a:rPr>
-              <a:t>S</a:t>
-            </a:r>
-            <a:r>
-              <a:rPr lang="en-US" altLang="ja-JP" sz="4800" u="sng">
-                <a:latin typeface="メイリオ"/>
-                <a:ea typeface="メイリオ"/>
-                <a:cs typeface="メイリオ"/>
-              </a:rPr>
-              <a:t>cript </a:t>
-            </a:r>
-            <a:r>
-              <a:rPr lang="en-US" altLang="ja-JP" sz="6000" b="1" u="sng">
-                <a:solidFill>
-                  <a:srgbClr val="FF0000"/>
-                </a:solidFill>
-                <a:latin typeface="メイリオ"/>
-                <a:ea typeface="メイリオ"/>
-                <a:cs typeface="メイリオ"/>
-              </a:rPr>
-              <a:t>O</a:t>
-            </a:r>
-            <a:r>
-              <a:rPr lang="en-US" altLang="ja-JP" sz="4800" u="sng">
-                <a:latin typeface="メイリオ"/>
-                <a:ea typeface="メイリオ"/>
-                <a:cs typeface="メイリオ"/>
-              </a:rPr>
-              <a:t>bject </a:t>
-            </a:r>
-            <a:r>
-              <a:rPr lang="en-US" altLang="ja-JP" sz="6000" b="1" u="sng">
-                <a:solidFill>
-                  <a:srgbClr val="FF0000"/>
-                </a:solidFill>
-                <a:latin typeface="メイリオ"/>
-                <a:ea typeface="メイリオ"/>
-                <a:cs typeface="メイリオ"/>
-              </a:rPr>
-              <a:t>N</a:t>
-            </a:r>
-            <a:r>
-              <a:rPr lang="en-US" altLang="ja-JP" sz="4800" u="sng">
-                <a:latin typeface="メイリオ"/>
-                <a:ea typeface="メイリオ"/>
-                <a:cs typeface="メイリオ"/>
-              </a:rPr>
-              <a:t>otation</a:t>
-            </a:r>
-            <a:endParaRPr kumimoji="1" lang="ja-JP" altLang="en-US" sz="4800" u="sng">
-              <a:latin typeface="メイリオ"/>
-              <a:ea typeface="メイリオ"/>
-              <a:cs typeface="メイリオ"/>
-            </a:endParaRPr>
-          </a:p>
-        </p:txBody>
-      </p:sp>
-      <p:sp>
-        <p:nvSpPr>
-          <p:cNvPr id="14" name="テキスト ボックス 13"/>
-          <p:cNvSpPr txBox="1"/>
-          <p:nvPr/>
-        </p:nvSpPr>
-        <p:spPr>
-          <a:xfrm>
-            <a:off x="395536" y="2276872"/>
-            <a:ext cx="8568952" cy="4462760"/>
-          </a:xfrm>
-          <a:prstGeom prst="rect">
-            <a:avLst/>
-          </a:prstGeom>
-          <a:noFill/>
-        </p:spPr>
-        <p:txBody>
-          <a:bodyPr wrap="square" rtlCol="0">
-            <a:spAutoFit/>
-          </a:bodyPr>
-          <a:lstStyle/>
-          <a:p>
-            <a:r>
-              <a:rPr lang="ja-JP" altLang="ja-JP" sz="2800">
-                <a:latin typeface="メイリオ"/>
-                <a:ea typeface="メイリオ"/>
-                <a:cs typeface="メイリオ"/>
-              </a:rPr>
-              <a:t>J</a:t>
-            </a:r>
-            <a:r>
-              <a:rPr lang="en-US" altLang="ja-JP" sz="2800">
-                <a:latin typeface="メイリオ"/>
-                <a:ea typeface="メイリオ"/>
-                <a:cs typeface="メイリオ"/>
-              </a:rPr>
-              <a:t>avaScript</a:t>
-            </a:r>
-            <a:r>
-              <a:rPr lang="ja-JP" altLang="en-US" sz="2800">
-                <a:latin typeface="メイリオ"/>
-                <a:ea typeface="メイリオ"/>
-                <a:cs typeface="メイリオ"/>
-              </a:rPr>
-              <a:t>の定数、変数、配列等の記述方法を元にしたデータフォーマットの一種。昨今ではデファクトと呼べるほど広く普及している。</a:t>
-            </a:r>
-            <a:endParaRPr lang="en-US" altLang="ja-JP" sz="2800">
-              <a:latin typeface="メイリオ"/>
-              <a:ea typeface="メイリオ"/>
-              <a:cs typeface="メイリオ"/>
-            </a:endParaRPr>
-          </a:p>
-          <a:p>
-            <a:endParaRPr lang="en-US" altLang="ja-JP" sz="2800">
-              <a:latin typeface="メイリオ"/>
-              <a:ea typeface="メイリオ"/>
-              <a:cs typeface="メイリオ"/>
-            </a:endParaRPr>
-          </a:p>
-          <a:p>
-            <a:r>
-              <a:rPr lang="en-US" altLang="ja-JP" sz="2800">
-                <a:latin typeface="メイリオ"/>
-                <a:ea typeface="メイリオ"/>
-                <a:cs typeface="メイリオ"/>
-              </a:rPr>
-              <a:t>JavaScript</a:t>
-            </a:r>
-            <a:r>
-              <a:rPr lang="ja-JP" altLang="en-US" sz="2800">
-                <a:latin typeface="メイリオ"/>
-                <a:ea typeface="メイリオ"/>
-                <a:cs typeface="メイリオ"/>
-              </a:rPr>
-              <a:t>以外にも多数の言語にライブラリが用意されており、大抵の場合かんたんに扱うことができる。</a:t>
-            </a:r>
-            <a:endParaRPr lang="en-US" altLang="ja-JP" sz="2800">
-              <a:latin typeface="メイリオ"/>
-              <a:ea typeface="メイリオ"/>
-              <a:cs typeface="メイリオ"/>
-            </a:endParaRPr>
-          </a:p>
-          <a:p>
-            <a:endParaRPr lang="en-US" altLang="ja-JP" sz="2800">
-              <a:latin typeface="メイリオ"/>
-              <a:ea typeface="メイリオ"/>
-              <a:cs typeface="メイリオ"/>
-            </a:endParaRPr>
-          </a:p>
-          <a:p>
-            <a:r>
-              <a:rPr lang="en-US" altLang="ja-JP" sz="2000" u="sng">
-                <a:solidFill>
-                  <a:srgbClr val="0000FF"/>
-                </a:solidFill>
-                <a:latin typeface="メイリオ"/>
-                <a:ea typeface="メイリオ"/>
-                <a:cs typeface="メイリオ"/>
-              </a:rPr>
-              <a:t>http://www.json.org/</a:t>
-            </a:r>
-          </a:p>
-          <a:p>
-            <a:r>
-              <a:rPr lang="en-US" altLang="ja-JP" sz="2000" u="sng">
-                <a:solidFill>
-                  <a:srgbClr val="0000FF"/>
-                </a:solidFill>
-                <a:latin typeface="メイリオ"/>
-                <a:ea typeface="メイリオ"/>
-                <a:cs typeface="メイリオ"/>
-              </a:rPr>
-              <a:t>http://www.ecma-international.org/publications/files/ECMA-ST/ECMA-404.pdf</a:t>
+          <a:lstStyle>
+            <a:lvl1pPr marL="342900" indent="-342900" algn="l" defTabSz="914400" rtl="0" eaLnBrk="1" latinLnBrk="0" hangingPunct="1">
+              <a:spcBef>
+                <a:spcPct val="20000"/>
+              </a:spcBef>
+              <a:buFont typeface="Arial" panose="020B0604020202020204" pitchFamily="34" charset="0"/>
+              <a:buChar char="•"/>
+              <a:defRPr kumimoji="1" sz="3200" kern="1200">
+                <a:solidFill>
+                  <a:srgbClr val="3E4057"/>
+                </a:solidFill>
+                <a:latin typeface="メイリオ" panose="020B0604030504040204" pitchFamily="50" charset="-128"/>
+                <a:ea typeface="メイリオ" panose="020B0604030504040204" pitchFamily="50" charset="-128"/>
+                <a:cs typeface="メイリオ" panose="020B0604030504040204" pitchFamily="50" charset="-128"/>
+              </a:defRPr>
+            </a:lvl1pPr>
+            <a:lvl2pPr marL="742950" indent="-285750" algn="l" defTabSz="914400" rtl="0" eaLnBrk="1" latinLnBrk="0" hangingPunct="1">
+              <a:spcBef>
+                <a:spcPct val="20000"/>
+              </a:spcBef>
+              <a:buFont typeface="Arial" panose="020B0604020202020204" pitchFamily="34" charset="0"/>
+              <a:buChar char="–"/>
+              <a:defRPr kumimoji="1" sz="2800" kern="1200">
+                <a:solidFill>
+                  <a:srgbClr val="3E4057"/>
+                </a:solidFill>
+                <a:latin typeface="メイリオ" panose="020B0604030504040204" pitchFamily="50" charset="-128"/>
+                <a:ea typeface="メイリオ" panose="020B0604030504040204" pitchFamily="50" charset="-128"/>
+                <a:cs typeface="メイリオ" panose="020B0604030504040204" pitchFamily="50" charset="-128"/>
+              </a:defRPr>
+            </a:lvl2pPr>
+            <a:lvl3pPr marL="1143000" indent="-228600" algn="l" defTabSz="914400" rtl="0" eaLnBrk="1" latinLnBrk="0" hangingPunct="1">
+              <a:spcBef>
+                <a:spcPct val="20000"/>
+              </a:spcBef>
+              <a:buFont typeface="Arial" panose="020B0604020202020204" pitchFamily="34" charset="0"/>
+              <a:buChar char="•"/>
+              <a:defRPr kumimoji="1" sz="2400" kern="1200">
+                <a:solidFill>
+                  <a:srgbClr val="3E4057"/>
+                </a:solidFill>
+                <a:latin typeface="メイリオ" panose="020B0604030504040204" pitchFamily="50" charset="-128"/>
+                <a:ea typeface="メイリオ" panose="020B0604030504040204" pitchFamily="50" charset="-128"/>
+                <a:cs typeface="メイリオ" panose="020B0604030504040204" pitchFamily="50" charset="-128"/>
+              </a:defRPr>
+            </a:lvl3pPr>
+            <a:lvl4pPr marL="1600200" indent="-228600" algn="l" defTabSz="914400" rtl="0" eaLnBrk="1" latinLnBrk="0" hangingPunct="1">
+              <a:spcBef>
+                <a:spcPct val="20000"/>
+              </a:spcBef>
+              <a:buFont typeface="Arial" panose="020B0604020202020204" pitchFamily="34" charset="0"/>
+              <a:buChar char="–"/>
+              <a:defRPr kumimoji="1" sz="2000" kern="1200">
+                <a:solidFill>
+                  <a:srgbClr val="3E4057"/>
+                </a:solidFill>
+                <a:latin typeface="メイリオ" panose="020B0604030504040204" pitchFamily="50" charset="-128"/>
+                <a:ea typeface="メイリオ" panose="020B0604030504040204" pitchFamily="50" charset="-128"/>
+                <a:cs typeface="メイリオ" panose="020B0604030504040204" pitchFamily="50" charset="-128"/>
+              </a:defRPr>
+            </a:lvl4pPr>
+            <a:lvl5pPr marL="2057400" indent="-228600" algn="l" defTabSz="914400" rtl="0" eaLnBrk="1" latinLnBrk="0" hangingPunct="1">
+              <a:spcBef>
+                <a:spcPct val="20000"/>
+              </a:spcBef>
+              <a:buFont typeface="Arial" panose="020B0604020202020204" pitchFamily="34" charset="0"/>
+              <a:buChar char="»"/>
+              <a:defRPr kumimoji="1" sz="2000" kern="1200">
+                <a:solidFill>
+                  <a:srgbClr val="3E4057"/>
+                </a:solidFill>
+                <a:latin typeface="メイリオ" panose="020B0604030504040204" pitchFamily="50" charset="-128"/>
+                <a:ea typeface="メイリオ" panose="020B0604030504040204" pitchFamily="50" charset="-128"/>
+                <a:cs typeface="メイリオ" panose="020B0604030504040204" pitchFamily="50" charset="-128"/>
+              </a:defRPr>
+            </a:lvl5pPr>
+            <a:lvl6pPr marL="2514600" indent="-228600" algn="l" defTabSz="914400" rtl="0" eaLnBrk="1" latinLnBrk="0" hangingPunct="1">
+              <a:spcBef>
+                <a:spcPct val="20000"/>
+              </a:spcBef>
+              <a:buFont typeface="Arial" panose="020B0604020202020204" pitchFamily="34" charset="0"/>
+              <a:buChar char="•"/>
+              <a:defRPr kumimoji="1" sz="2000" kern="1200">
+                <a:solidFill>
+                  <a:schemeClr val="tx1"/>
+                </a:solidFill>
+                <a:latin typeface="+mn-lt"/>
+                <a:ea typeface="+mn-ea"/>
+                <a:cs typeface="+mn-cs"/>
+              </a:defRPr>
+            </a:lvl6pPr>
+            <a:lvl7pPr marL="2971800" indent="-228600" algn="l" defTabSz="914400" rtl="0" eaLnBrk="1" latinLnBrk="0" hangingPunct="1">
+              <a:spcBef>
+                <a:spcPct val="20000"/>
+              </a:spcBef>
+              <a:buFont typeface="Arial" panose="020B0604020202020204" pitchFamily="34" charset="0"/>
+              <a:buChar char="•"/>
+              <a:defRPr kumimoji="1" sz="2000" kern="1200">
+                <a:solidFill>
+                  <a:schemeClr val="tx1"/>
+                </a:solidFill>
+                <a:latin typeface="+mn-lt"/>
+                <a:ea typeface="+mn-ea"/>
+                <a:cs typeface="+mn-cs"/>
+              </a:defRPr>
+            </a:lvl7pPr>
+            <a:lvl8pPr marL="3429000" indent="-228600" algn="l" defTabSz="914400" rtl="0" eaLnBrk="1" latinLnBrk="0" hangingPunct="1">
+              <a:spcBef>
+                <a:spcPct val="20000"/>
+              </a:spcBef>
+              <a:buFont typeface="Arial" panose="020B0604020202020204" pitchFamily="34" charset="0"/>
+              <a:buChar char="•"/>
+              <a:defRPr kumimoji="1" sz="2000" kern="1200">
+                <a:solidFill>
+                  <a:schemeClr val="tx1"/>
+                </a:solidFill>
+                <a:latin typeface="+mn-lt"/>
+                <a:ea typeface="+mn-ea"/>
+                <a:cs typeface="+mn-cs"/>
+              </a:defRPr>
+            </a:lvl8pPr>
+            <a:lvl9pPr marL="3886200" indent="-228600" algn="l" defTabSz="914400" rtl="0" eaLnBrk="1" latinLnBrk="0" hangingPunct="1">
+              <a:spcBef>
+                <a:spcPct val="20000"/>
+              </a:spcBef>
+              <a:buFont typeface="Arial" panose="020B0604020202020204" pitchFamily="34" charset="0"/>
+              <a:buChar char="•"/>
+              <a:defRPr kumimoji="1" sz="2000" kern="1200">
+                <a:solidFill>
+                  <a:schemeClr val="tx1"/>
+                </a:solidFill>
+                <a:latin typeface="+mn-lt"/>
+                <a:ea typeface="+mn-ea"/>
+                <a:cs typeface="+mn-cs"/>
+              </a:defRPr>
+            </a:lvl9pPr>
+          </a:lstStyle>
+          <a:p>
+            <a:pPr marL="0" indent="0">
+              <a:buNone/>
+            </a:pPr>
+            <a:r>
+              <a:rPr lang="en-US" altLang="ja-JP" dirty="0">
+                <a:solidFill>
+                  <a:schemeClr val="bg1"/>
+                </a:solidFill>
+              </a:rPr>
+              <a:t>{id:1, name:"</a:t>
+            </a:r>
+            <a:r>
+              <a:rPr lang="ja-JP" altLang="en-US" dirty="0">
+                <a:solidFill>
+                  <a:schemeClr val="bg1"/>
+                </a:solidFill>
+              </a:rPr>
+              <a:t>バハムート</a:t>
+            </a:r>
+            <a:r>
+              <a:rPr lang="en-US" altLang="ja-JP" dirty="0">
+                <a:solidFill>
+                  <a:schemeClr val="bg1"/>
+                </a:solidFill>
+              </a:rPr>
+              <a:t>"}   </a:t>
             </a:r>
           </a:p>
         </p:txBody>
@@ -15346,7 +15992,7 @@
     </p:spTree>
     <p:extLst>
       <p:ext uri="{BB962C8B-B14F-4D97-AF65-F5344CB8AC3E}">
-        <p14:creationId xmlns:p14="http://schemas.microsoft.com/office/powerpoint/2010/main" val="3135136823"/>
+        <p14:creationId xmlns:p14="http://schemas.microsoft.com/office/powerpoint/2010/main" val="320040297"/>
       </p:ext>
     </p:extLst>
   </p:cSld>
@@ -15385,657 +16031,307 @@
         </p:nvSpPr>
         <p:spPr>
           <a:xfrm>
-            <a:off x="457200" y="116632"/>
+            <a:off x="457200" y="-13394"/>
             <a:ext cx="8229600" cy="922114"/>
           </a:xfrm>
         </p:spPr>
         <p:txBody>
           <a:bodyPr>
-            <a:normAutofit fontScale="90000"/>
+            <a:normAutofit/>
           </a:bodyPr>
           <a:lstStyle/>
           <a:p>
             <a:r>
               <a:rPr kumimoji="1" lang="en-US" altLang="ja-JP"/>
-              <a:t>JavaScript</a:t>
+              <a:t>JSON</a:t>
             </a:r>
             <a:r>
               <a:rPr kumimoji="1" lang="ja-JP" altLang="en-US"/>
-              <a:t>の</a:t>
-            </a:r>
-            <a:r>
-              <a:rPr lang="ja-JP" altLang="en-US"/>
-              <a:t>記述方法</a:t>
-            </a:r>
-            <a:r>
-              <a:rPr kumimoji="1" lang="ja-JP" altLang="en-US"/>
-              <a:t>のおさらい</a:t>
-            </a:r>
-          </a:p>
-        </p:txBody>
-      </p:sp>
-      <p:sp>
-        <p:nvSpPr>
-          <p:cNvPr id="14" name="テキスト ボックス 13"/>
-          <p:cNvSpPr txBox="1"/>
+              <a:t>例</a:t>
+            </a:r>
+          </a:p>
+        </p:txBody>
+      </p:sp>
+      <p:sp>
+        <p:nvSpPr>
+          <p:cNvPr id="6" name="コンテンツ プレースホルダー 2"/>
+          <p:cNvSpPr txBox="1">
+            <a:spLocks/>
+          </p:cNvSpPr>
           <p:nvPr/>
         </p:nvSpPr>
         <p:spPr>
           <a:xfrm>
-            <a:off x="395536" y="1052736"/>
-            <a:ext cx="4104456" cy="5693867"/>
+            <a:off x="0" y="908720"/>
+            <a:ext cx="9144000" cy="5949280"/>
           </a:xfrm>
           <a:prstGeom prst="rect">
             <a:avLst/>
           </a:prstGeom>
-          <a:noFill/>
+          <a:solidFill>
+            <a:schemeClr val="tx1"/>
+          </a:solidFill>
         </p:spPr>
         <p:txBody>
-          <a:bodyPr wrap="square" rtlCol="0">
-            <a:spAutoFit/>
+          <a:bodyPr vert="horz" lIns="91440" tIns="45720" rIns="91440" bIns="45720" rtlCol="0">
+            <a:noAutofit/>
           </a:bodyPr>
-          <a:lstStyle/>
-          <a:p>
-            <a:pPr marL="457200" indent="-457200">
-              <a:buFont typeface="Arial"/>
+          <a:lstStyle>
+            <a:lvl1pPr marL="342900" indent="-342900" algn="l" defTabSz="914400" rtl="0" eaLnBrk="1" latinLnBrk="0" hangingPunct="1">
+              <a:spcBef>
+                <a:spcPct val="20000"/>
+              </a:spcBef>
+              <a:buFont typeface="Arial" panose="020B0604020202020204" pitchFamily="34" charset="0"/>
               <a:buChar char="•"/>
+              <a:defRPr kumimoji="1" sz="3200" kern="1200">
+                <a:solidFill>
+                  <a:srgbClr val="3E4057"/>
+                </a:solidFill>
+                <a:latin typeface="メイリオ" panose="020B0604030504040204" pitchFamily="50" charset="-128"/>
+                <a:ea typeface="メイリオ" panose="020B0604030504040204" pitchFamily="50" charset="-128"/>
+                <a:cs typeface="メイリオ" panose="020B0604030504040204" pitchFamily="50" charset="-128"/>
+              </a:defRPr>
+            </a:lvl1pPr>
+            <a:lvl2pPr marL="742950" indent="-285750" algn="l" defTabSz="914400" rtl="0" eaLnBrk="1" latinLnBrk="0" hangingPunct="1">
+              <a:spcBef>
+                <a:spcPct val="20000"/>
+              </a:spcBef>
+              <a:buFont typeface="Arial" panose="020B0604020202020204" pitchFamily="34" charset="0"/>
+              <a:buChar char="–"/>
+              <a:defRPr kumimoji="1" sz="2800" kern="1200">
+                <a:solidFill>
+                  <a:srgbClr val="3E4057"/>
+                </a:solidFill>
+                <a:latin typeface="メイリオ" panose="020B0604030504040204" pitchFamily="50" charset="-128"/>
+                <a:ea typeface="メイリオ" panose="020B0604030504040204" pitchFamily="50" charset="-128"/>
+                <a:cs typeface="メイリオ" panose="020B0604030504040204" pitchFamily="50" charset="-128"/>
+              </a:defRPr>
+            </a:lvl2pPr>
+            <a:lvl3pPr marL="1143000" indent="-228600" algn="l" defTabSz="914400" rtl="0" eaLnBrk="1" latinLnBrk="0" hangingPunct="1">
+              <a:spcBef>
+                <a:spcPct val="20000"/>
+              </a:spcBef>
+              <a:buFont typeface="Arial" panose="020B0604020202020204" pitchFamily="34" charset="0"/>
+              <a:buChar char="•"/>
+              <a:defRPr kumimoji="1" sz="2400" kern="1200">
+                <a:solidFill>
+                  <a:srgbClr val="3E4057"/>
+                </a:solidFill>
+                <a:latin typeface="メイリオ" panose="020B0604030504040204" pitchFamily="50" charset="-128"/>
+                <a:ea typeface="メイリオ" panose="020B0604030504040204" pitchFamily="50" charset="-128"/>
+                <a:cs typeface="メイリオ" panose="020B0604030504040204" pitchFamily="50" charset="-128"/>
+              </a:defRPr>
+            </a:lvl3pPr>
+            <a:lvl4pPr marL="1600200" indent="-228600" algn="l" defTabSz="914400" rtl="0" eaLnBrk="1" latinLnBrk="0" hangingPunct="1">
+              <a:spcBef>
+                <a:spcPct val="20000"/>
+              </a:spcBef>
+              <a:buFont typeface="Arial" panose="020B0604020202020204" pitchFamily="34" charset="0"/>
+              <a:buChar char="–"/>
+              <a:defRPr kumimoji="1" sz="2000" kern="1200">
+                <a:solidFill>
+                  <a:srgbClr val="3E4057"/>
+                </a:solidFill>
+                <a:latin typeface="メイリオ" panose="020B0604030504040204" pitchFamily="50" charset="-128"/>
+                <a:ea typeface="メイリオ" panose="020B0604030504040204" pitchFamily="50" charset="-128"/>
+                <a:cs typeface="メイリオ" panose="020B0604030504040204" pitchFamily="50" charset="-128"/>
+              </a:defRPr>
+            </a:lvl4pPr>
+            <a:lvl5pPr marL="2057400" indent="-228600" algn="l" defTabSz="914400" rtl="0" eaLnBrk="1" latinLnBrk="0" hangingPunct="1">
+              <a:spcBef>
+                <a:spcPct val="20000"/>
+              </a:spcBef>
+              <a:buFont typeface="Arial" panose="020B0604020202020204" pitchFamily="34" charset="0"/>
+              <a:buChar char="»"/>
+              <a:defRPr kumimoji="1" sz="2000" kern="1200">
+                <a:solidFill>
+                  <a:srgbClr val="3E4057"/>
+                </a:solidFill>
+                <a:latin typeface="メイリオ" panose="020B0604030504040204" pitchFamily="50" charset="-128"/>
+                <a:ea typeface="メイリオ" panose="020B0604030504040204" pitchFamily="50" charset="-128"/>
+                <a:cs typeface="メイリオ" panose="020B0604030504040204" pitchFamily="50" charset="-128"/>
+              </a:defRPr>
+            </a:lvl5pPr>
+            <a:lvl6pPr marL="2514600" indent="-228600" algn="l" defTabSz="914400" rtl="0" eaLnBrk="1" latinLnBrk="0" hangingPunct="1">
+              <a:spcBef>
+                <a:spcPct val="20000"/>
+              </a:spcBef>
+              <a:buFont typeface="Arial" panose="020B0604020202020204" pitchFamily="34" charset="0"/>
+              <a:buChar char="•"/>
+              <a:defRPr kumimoji="1" sz="2000" kern="1200">
+                <a:solidFill>
+                  <a:schemeClr val="tx1"/>
+                </a:solidFill>
+                <a:latin typeface="+mn-lt"/>
+                <a:ea typeface="+mn-ea"/>
+                <a:cs typeface="+mn-cs"/>
+              </a:defRPr>
+            </a:lvl6pPr>
+            <a:lvl7pPr marL="2971800" indent="-228600" algn="l" defTabSz="914400" rtl="0" eaLnBrk="1" latinLnBrk="0" hangingPunct="1">
+              <a:spcBef>
+                <a:spcPct val="20000"/>
+              </a:spcBef>
+              <a:buFont typeface="Arial" panose="020B0604020202020204" pitchFamily="34" charset="0"/>
+              <a:buChar char="•"/>
+              <a:defRPr kumimoji="1" sz="2000" kern="1200">
+                <a:solidFill>
+                  <a:schemeClr val="tx1"/>
+                </a:solidFill>
+                <a:latin typeface="+mn-lt"/>
+                <a:ea typeface="+mn-ea"/>
+                <a:cs typeface="+mn-cs"/>
+              </a:defRPr>
+            </a:lvl7pPr>
+            <a:lvl8pPr marL="3429000" indent="-228600" algn="l" defTabSz="914400" rtl="0" eaLnBrk="1" latinLnBrk="0" hangingPunct="1">
+              <a:spcBef>
+                <a:spcPct val="20000"/>
+              </a:spcBef>
+              <a:buFont typeface="Arial" panose="020B0604020202020204" pitchFamily="34" charset="0"/>
+              <a:buChar char="•"/>
+              <a:defRPr kumimoji="1" sz="2000" kern="1200">
+                <a:solidFill>
+                  <a:schemeClr val="tx1"/>
+                </a:solidFill>
+                <a:latin typeface="+mn-lt"/>
+                <a:ea typeface="+mn-ea"/>
+                <a:cs typeface="+mn-cs"/>
+              </a:defRPr>
+            </a:lvl8pPr>
+            <a:lvl9pPr marL="3886200" indent="-228600" algn="l" defTabSz="914400" rtl="0" eaLnBrk="1" latinLnBrk="0" hangingPunct="1">
+              <a:spcBef>
+                <a:spcPct val="20000"/>
+              </a:spcBef>
+              <a:buFont typeface="Arial" panose="020B0604020202020204" pitchFamily="34" charset="0"/>
+              <a:buChar char="•"/>
+              <a:defRPr kumimoji="1" sz="2000" kern="1200">
+                <a:solidFill>
+                  <a:schemeClr val="tx1"/>
+                </a:solidFill>
+                <a:latin typeface="+mn-lt"/>
+                <a:ea typeface="+mn-ea"/>
+                <a:cs typeface="+mn-cs"/>
+              </a:defRPr>
+            </a:lvl9pPr>
+          </a:lstStyle>
+          <a:p>
+            <a:pPr marL="0" indent="0">
+              <a:buNone/>
             </a:pPr>
             <a:r>
-              <a:rPr lang="ja-JP" altLang="en-US" sz="2800" b="1">
-                <a:solidFill>
-                  <a:schemeClr val="accent6">
-                    <a:lumMod val="75000"/>
-                  </a:schemeClr>
-                </a:solidFill>
-                <a:latin typeface="メイリオ"/>
-                <a:ea typeface="メイリオ"/>
-                <a:cs typeface="メイリオ"/>
-              </a:rPr>
-              <a:t>数字</a:t>
-            </a:r>
-            <a:r>
-              <a:rPr lang="en-US" altLang="ja-JP" sz="2800">
-                <a:latin typeface="メイリオ"/>
-                <a:ea typeface="メイリオ"/>
-                <a:cs typeface="メイリオ"/>
-              </a:rPr>
-              <a:t/>
-            </a:r>
-            <a:br>
-              <a:rPr lang="en-US" altLang="ja-JP" sz="2800">
-                <a:latin typeface="メイリオ"/>
-                <a:ea typeface="メイリオ"/>
-                <a:cs typeface="メイリオ"/>
-              </a:rPr>
-            </a:br>
-            <a:r>
-              <a:rPr lang="en-US" altLang="ja-JP" sz="2800">
-                <a:latin typeface="メイリオ"/>
-                <a:ea typeface="メイリオ"/>
-                <a:cs typeface="メイリオ"/>
-              </a:rPr>
-              <a:t>1,</a:t>
-            </a:r>
-            <a:r>
-              <a:rPr lang="ja-JP" altLang="en-US" sz="2800">
-                <a:latin typeface="メイリオ"/>
-                <a:ea typeface="メイリオ"/>
-                <a:cs typeface="メイリオ"/>
-              </a:rPr>
-              <a:t> </a:t>
-            </a:r>
-            <a:r>
-              <a:rPr lang="en-US" altLang="ja-JP" sz="2800">
-                <a:latin typeface="メイリオ"/>
-                <a:ea typeface="メイリオ"/>
-                <a:cs typeface="メイリオ"/>
-              </a:rPr>
-              <a:t>2,</a:t>
-            </a:r>
-            <a:r>
-              <a:rPr lang="ja-JP" altLang="en-US" sz="2800">
-                <a:latin typeface="メイリオ"/>
-                <a:ea typeface="メイリオ"/>
-                <a:cs typeface="メイリオ"/>
-              </a:rPr>
-              <a:t> </a:t>
-            </a:r>
-            <a:r>
-              <a:rPr lang="en-US" altLang="ja-JP" sz="2800">
-                <a:latin typeface="メイリオ"/>
-                <a:ea typeface="メイリオ"/>
-                <a:cs typeface="メイリオ"/>
-              </a:rPr>
-              <a:t>3</a:t>
-            </a:r>
-            <a:r>
-              <a:rPr lang="ja-JP" altLang="en-US" sz="2800">
-                <a:latin typeface="メイリオ"/>
-                <a:ea typeface="メイリオ"/>
-                <a:cs typeface="メイリオ"/>
-              </a:rPr>
-              <a:t> </a:t>
-            </a:r>
-            <a:r>
-              <a:rPr lang="en-US" altLang="ja-JP" sz="2800">
-                <a:latin typeface="メイリオ"/>
-                <a:ea typeface="メイリオ"/>
-                <a:cs typeface="メイリオ"/>
-              </a:rPr>
-              <a:t>...</a:t>
-            </a:r>
-            <a:br>
-              <a:rPr lang="en-US" altLang="ja-JP" sz="2800">
-                <a:latin typeface="メイリオ"/>
-                <a:ea typeface="メイリオ"/>
-                <a:cs typeface="メイリオ"/>
-              </a:rPr>
-            </a:br>
-            <a:endParaRPr lang="en-US" altLang="ja-JP" sz="2800">
-              <a:latin typeface="メイリオ"/>
-              <a:ea typeface="メイリオ"/>
-              <a:cs typeface="メイリオ"/>
-            </a:endParaRPr>
-          </a:p>
-          <a:p>
-            <a:pPr marL="457200" indent="-457200">
-              <a:buFont typeface="Arial"/>
-              <a:buChar char="•"/>
+              <a:rPr lang="en-US" altLang="ja-JP" dirty="0">
+                <a:solidFill>
+                  <a:schemeClr val="bg1"/>
+                </a:solidFill>
+              </a:rPr>
+              <a:t>[</a:t>
+            </a:r>
+          </a:p>
+          <a:p>
+            <a:pPr marL="0" indent="0">
+              <a:buNone/>
             </a:pPr>
             <a:r>
-              <a:rPr lang="ja-JP" altLang="en-US" sz="2800" b="1">
-                <a:solidFill>
-                  <a:srgbClr val="E46C0A"/>
-                </a:solidFill>
-                <a:latin typeface="メイリオ"/>
-                <a:ea typeface="メイリオ"/>
-                <a:cs typeface="メイリオ"/>
-              </a:rPr>
-              <a:t>文字列</a:t>
-            </a:r>
-            <a:r>
-              <a:rPr lang="en-US" altLang="ja-JP" sz="2800">
-                <a:latin typeface="メイリオ"/>
-                <a:ea typeface="メイリオ"/>
-                <a:cs typeface="メイリオ"/>
-              </a:rPr>
-              <a:t/>
-            </a:r>
-            <a:br>
-              <a:rPr lang="en-US" altLang="ja-JP" sz="2800">
-                <a:latin typeface="メイリオ"/>
-                <a:ea typeface="メイリオ"/>
-                <a:cs typeface="メイリオ"/>
-              </a:rPr>
-            </a:br>
-            <a:r>
-              <a:rPr lang="en-US" altLang="ja-JP" sz="2800">
-                <a:latin typeface="メイリオ"/>
-                <a:ea typeface="メイリオ"/>
-                <a:cs typeface="メイリオ"/>
-              </a:rPr>
-              <a:t>"Hello"</a:t>
-            </a:r>
-            <a:br>
-              <a:rPr lang="en-US" altLang="ja-JP" sz="2800">
-                <a:latin typeface="メイリオ"/>
-                <a:ea typeface="メイリオ"/>
-                <a:cs typeface="メイリオ"/>
-              </a:rPr>
-            </a:br>
-            <a:r>
-              <a:rPr lang="en-US" altLang="ja-JP" sz="2800">
-                <a:latin typeface="メイリオ"/>
-                <a:ea typeface="メイリオ"/>
-                <a:cs typeface="メイリオ"/>
-              </a:rPr>
-              <a:t>'World'</a:t>
-            </a:r>
-            <a:br>
-              <a:rPr lang="en-US" altLang="ja-JP" sz="2800">
-                <a:latin typeface="メイリオ"/>
-                <a:ea typeface="メイリオ"/>
-                <a:cs typeface="メイリオ"/>
-              </a:rPr>
-            </a:br>
-            <a:endParaRPr lang="en-US" altLang="ja-JP" sz="2800" b="1">
-              <a:solidFill>
-                <a:srgbClr val="E46C0A"/>
-              </a:solidFill>
-              <a:latin typeface="メイリオ"/>
-              <a:ea typeface="メイリオ"/>
-              <a:cs typeface="メイリオ"/>
-            </a:endParaRPr>
-          </a:p>
-          <a:p>
-            <a:pPr marL="457200" indent="-457200">
-              <a:buFont typeface="Arial"/>
-              <a:buChar char="•"/>
+              <a:rPr lang="en-US" altLang="ja-JP" dirty="0">
+                <a:solidFill>
+                  <a:schemeClr val="bg1"/>
+                </a:solidFill>
+              </a:rPr>
+              <a:t>   {id:1, name:"</a:t>
+            </a:r>
+            <a:r>
+              <a:rPr lang="ja-JP" altLang="en-US" dirty="0">
+                <a:solidFill>
+                  <a:schemeClr val="bg1"/>
+                </a:solidFill>
+              </a:rPr>
+              <a:t>バハムート</a:t>
+            </a:r>
+            <a:r>
+              <a:rPr lang="en-US" altLang="ja-JP" dirty="0">
+                <a:solidFill>
+                  <a:schemeClr val="bg1"/>
+                </a:solidFill>
+              </a:rPr>
+              <a:t>"}</a:t>
+            </a:r>
+          </a:p>
+          <a:p>
+            <a:pPr marL="0" indent="0">
+              <a:buNone/>
             </a:pPr>
             <a:r>
-              <a:rPr lang="ja-JP" altLang="en-US" sz="2800" b="1">
-                <a:solidFill>
-                  <a:srgbClr val="E46C0A"/>
-                </a:solidFill>
-                <a:latin typeface="メイリオ"/>
-                <a:ea typeface="メイリオ"/>
-                <a:cs typeface="メイリオ"/>
-              </a:rPr>
-              <a:t>真偽値</a:t>
-            </a:r>
-            <a:r>
-              <a:rPr lang="en-US" altLang="ja-JP" sz="2800">
-                <a:latin typeface="メイリオ"/>
-                <a:ea typeface="メイリオ"/>
-                <a:cs typeface="メイリオ"/>
-              </a:rPr>
-              <a:t/>
-            </a:r>
-            <a:br>
-              <a:rPr lang="en-US" altLang="ja-JP" sz="2800">
-                <a:latin typeface="メイリオ"/>
-                <a:ea typeface="メイリオ"/>
-                <a:cs typeface="メイリオ"/>
-              </a:rPr>
-            </a:br>
-            <a:r>
-              <a:rPr lang="en-US" altLang="ja-JP" sz="2800">
-                <a:latin typeface="メイリオ"/>
-                <a:ea typeface="メイリオ"/>
-                <a:cs typeface="メイリオ"/>
-              </a:rPr>
-              <a:t>true</a:t>
-            </a:r>
-            <a:r>
-              <a:rPr lang="ja-JP" altLang="en-US" sz="2800">
-                <a:latin typeface="メイリオ"/>
-                <a:ea typeface="メイリオ"/>
-                <a:cs typeface="メイリオ"/>
-              </a:rPr>
-              <a:t>, </a:t>
-            </a:r>
-            <a:r>
-              <a:rPr lang="en-US" altLang="ja-JP" sz="2800">
-                <a:latin typeface="メイリオ"/>
-                <a:ea typeface="メイリオ"/>
-                <a:cs typeface="メイリオ"/>
-              </a:rPr>
-              <a:t>false</a:t>
-            </a:r>
-          </a:p>
-          <a:p>
-            <a:pPr marL="457200" indent="-457200">
-              <a:buFont typeface="Arial"/>
-              <a:buChar char="•"/>
+              <a:rPr lang="en-US" altLang="ja-JP" dirty="0">
+                <a:solidFill>
+                  <a:schemeClr val="bg1"/>
+                </a:solidFill>
+              </a:rPr>
+              <a:t> , {id:2, name:"</a:t>
+            </a:r>
+            <a:r>
+              <a:rPr lang="ja-JP" altLang="en-US" dirty="0">
+                <a:solidFill>
+                  <a:schemeClr val="bg1"/>
+                </a:solidFill>
+              </a:rPr>
+              <a:t>チョコボ</a:t>
+            </a:r>
+            <a:r>
+              <a:rPr lang="en-US" altLang="ja-JP" dirty="0">
+                <a:solidFill>
+                  <a:schemeClr val="bg1"/>
+                </a:solidFill>
+              </a:rPr>
+              <a:t>"}</a:t>
+            </a:r>
+          </a:p>
+          <a:p>
+            <a:pPr marL="0" indent="0">
+              <a:buNone/>
             </a:pPr>
-            <a:endParaRPr lang="en-US" altLang="ja-JP" sz="2800">
-              <a:latin typeface="メイリオ"/>
-              <a:ea typeface="メイリオ"/>
-              <a:cs typeface="メイリオ"/>
-            </a:endParaRPr>
-          </a:p>
-          <a:p>
-            <a:pPr marL="457200" indent="-457200">
-              <a:buFont typeface="Arial"/>
-              <a:buChar char="•"/>
+            <a:r>
+              <a:rPr lang="en-US" altLang="ja-JP" dirty="0">
+                <a:solidFill>
+                  <a:schemeClr val="bg1"/>
+                </a:solidFill>
+              </a:rPr>
+              <a:t> , {id:1, name:"</a:t>
+            </a:r>
+            <a:r>
+              <a:rPr lang="ja-JP" altLang="en-US" dirty="0">
+                <a:solidFill>
+                  <a:schemeClr val="bg1"/>
+                </a:solidFill>
+              </a:rPr>
+              <a:t>バハムート</a:t>
+            </a:r>
+            <a:r>
+              <a:rPr lang="en-US" altLang="ja-JP" dirty="0">
+                <a:solidFill>
+                  <a:schemeClr val="bg1"/>
+                </a:solidFill>
+              </a:rPr>
+              <a:t>"}</a:t>
+            </a:r>
+          </a:p>
+          <a:p>
+            <a:pPr marL="0" indent="0">
+              <a:buNone/>
             </a:pPr>
             <a:r>
-              <a:rPr lang="en-US" altLang="ja-JP" sz="2800" b="1">
-                <a:solidFill>
-                  <a:srgbClr val="E46C0A"/>
-                </a:solidFill>
-                <a:latin typeface="メイリオ"/>
-                <a:ea typeface="メイリオ"/>
-                <a:cs typeface="メイリオ"/>
-              </a:rPr>
-              <a:t>null</a:t>
-            </a:r>
-            <a:r>
-              <a:rPr lang="en-US" altLang="ja-JP" sz="2800">
-                <a:latin typeface="メイリオ"/>
-                <a:ea typeface="メイリオ"/>
-                <a:cs typeface="メイリオ"/>
-              </a:rPr>
-              <a:t/>
-            </a:r>
-            <a:br>
-              <a:rPr lang="en-US" altLang="ja-JP" sz="2800">
-                <a:latin typeface="メイリオ"/>
-                <a:ea typeface="メイリオ"/>
-                <a:cs typeface="メイリオ"/>
-              </a:rPr>
-            </a:br>
-            <a:r>
-              <a:rPr lang="en-US" altLang="ja-JP" sz="2800">
-                <a:latin typeface="メイリオ"/>
-                <a:ea typeface="メイリオ"/>
-                <a:cs typeface="メイリオ"/>
-              </a:rPr>
-              <a:t>null</a:t>
-            </a:r>
-          </a:p>
-          <a:p>
-            <a:pPr marL="457200" indent="-457200">
-              <a:buFont typeface="Arial"/>
-              <a:buChar char="•"/>
-            </a:pPr>
-            <a:endParaRPr lang="en-US" altLang="ja-JP" sz="2800">
-              <a:latin typeface="メイリオ"/>
-              <a:ea typeface="メイリオ"/>
-              <a:cs typeface="メイリオ"/>
-            </a:endParaRPr>
-          </a:p>
-        </p:txBody>
-      </p:sp>
-      <p:sp>
-        <p:nvSpPr>
-          <p:cNvPr id="5" name="テキスト ボックス 4"/>
-          <p:cNvSpPr txBox="1"/>
-          <p:nvPr/>
-        </p:nvSpPr>
-        <p:spPr>
-          <a:xfrm>
-            <a:off x="4860032" y="1052736"/>
-            <a:ext cx="4104456" cy="6555642"/>
-          </a:xfrm>
-          <a:prstGeom prst="rect">
-            <a:avLst/>
-          </a:prstGeom>
-          <a:noFill/>
-        </p:spPr>
-        <p:txBody>
-          <a:bodyPr wrap="square" rtlCol="0">
-            <a:spAutoFit/>
-          </a:bodyPr>
-          <a:lstStyle/>
-          <a:p>
-            <a:pPr marL="457200" indent="-457200">
-              <a:buFont typeface="Arial"/>
-              <a:buChar char="•"/>
-            </a:pPr>
-            <a:r>
-              <a:rPr lang="ja-JP" altLang="en-US" sz="2800" b="1">
-                <a:solidFill>
-                  <a:srgbClr val="E46C0A"/>
-                </a:solidFill>
-                <a:latin typeface="メイリオ"/>
-                <a:ea typeface="メイリオ"/>
-                <a:cs typeface="メイリオ"/>
-              </a:rPr>
-              <a:t>配列</a:t>
-            </a:r>
-            <a:r>
-              <a:rPr lang="en-US" altLang="ja-JP" sz="2800">
-                <a:latin typeface="メイリオ"/>
-                <a:ea typeface="メイリオ"/>
-                <a:cs typeface="メイリオ"/>
-              </a:rPr>
-              <a:t/>
-            </a:r>
-            <a:br>
-              <a:rPr lang="en-US" altLang="ja-JP" sz="2800">
-                <a:latin typeface="メイリオ"/>
-                <a:ea typeface="メイリオ"/>
-                <a:cs typeface="メイリオ"/>
-              </a:rPr>
-            </a:br>
-            <a:r>
-              <a:rPr lang="en-US" altLang="ja-JP" sz="2800">
-                <a:latin typeface="メイリオ"/>
-                <a:ea typeface="メイリオ"/>
-                <a:cs typeface="メイリオ"/>
-              </a:rPr>
-              <a:t>[1, 2, 3, "Foobar"]</a:t>
-            </a:r>
-            <a:br>
-              <a:rPr lang="en-US" altLang="ja-JP" sz="2800">
-                <a:latin typeface="メイリオ"/>
-                <a:ea typeface="メイリオ"/>
-                <a:cs typeface="メイリオ"/>
-              </a:rPr>
-            </a:br>
-            <a:endParaRPr lang="en-US" altLang="ja-JP" sz="2800" b="1">
-              <a:solidFill>
-                <a:srgbClr val="E46C0A"/>
-              </a:solidFill>
-              <a:latin typeface="メイリオ"/>
-              <a:ea typeface="メイリオ"/>
-              <a:cs typeface="メイリオ"/>
-            </a:endParaRPr>
-          </a:p>
-          <a:p>
-            <a:pPr marL="457200" indent="-457200">
-              <a:buFont typeface="Arial"/>
-              <a:buChar char="•"/>
-            </a:pPr>
-            <a:r>
-              <a:rPr lang="ja-JP" altLang="en-US" sz="2800" b="1">
-                <a:solidFill>
-                  <a:srgbClr val="E46C0A"/>
-                </a:solidFill>
-                <a:latin typeface="メイリオ"/>
-                <a:ea typeface="メイリオ"/>
-                <a:cs typeface="メイリオ"/>
-              </a:rPr>
-              <a:t>連想配列</a:t>
-            </a:r>
-            <a:r>
-              <a:rPr lang="en-US" altLang="ja-JP" sz="2800">
-                <a:latin typeface="メイリオ"/>
-                <a:ea typeface="メイリオ"/>
-                <a:cs typeface="メイリオ"/>
-              </a:rPr>
-              <a:t/>
-            </a:r>
-            <a:br>
-              <a:rPr lang="en-US" altLang="ja-JP" sz="2800">
-                <a:latin typeface="メイリオ"/>
-                <a:ea typeface="メイリオ"/>
-                <a:cs typeface="メイリオ"/>
-              </a:rPr>
-            </a:br>
-            <a:r>
-              <a:rPr lang="en-US" altLang="ja-JP" sz="2800">
-                <a:latin typeface="メイリオ"/>
-                <a:ea typeface="メイリオ"/>
-                <a:cs typeface="メイリオ"/>
-              </a:rPr>
-              <a:t>{"foo":1, "bar":2}</a:t>
-            </a:r>
-          </a:p>
-          <a:p>
-            <a:pPr marL="457200" indent="-457200">
-              <a:buFont typeface="Arial"/>
-              <a:buChar char="•"/>
-            </a:pPr>
-            <a:endParaRPr lang="en-US" altLang="ja-JP" sz="2800" b="1">
-              <a:solidFill>
-                <a:schemeClr val="accent6">
-                  <a:lumMod val="75000"/>
-                </a:schemeClr>
-              </a:solidFill>
-              <a:latin typeface="メイリオ"/>
-              <a:ea typeface="メイリオ"/>
-              <a:cs typeface="メイリオ"/>
-            </a:endParaRPr>
-          </a:p>
-          <a:p>
-            <a:pPr marL="457200" indent="-457200">
-              <a:buFont typeface="Arial"/>
-              <a:buChar char="•"/>
-            </a:pPr>
-            <a:r>
-              <a:rPr lang="ja-JP" altLang="en-US" sz="2800" b="1">
-                <a:solidFill>
-                  <a:schemeClr val="accent6">
-                    <a:lumMod val="75000"/>
-                  </a:schemeClr>
-                </a:solidFill>
-                <a:latin typeface="メイリオ"/>
-                <a:ea typeface="メイリオ"/>
-                <a:cs typeface="メイリオ"/>
-              </a:rPr>
-              <a:t>関数</a:t>
-            </a:r>
-            <a:r>
-              <a:rPr lang="en-US" altLang="ja-JP" sz="2800">
-                <a:latin typeface="メイリオ"/>
-                <a:ea typeface="メイリオ"/>
-                <a:cs typeface="メイリオ"/>
-              </a:rPr>
-              <a:t/>
-            </a:r>
-            <a:br>
-              <a:rPr lang="en-US" altLang="ja-JP" sz="2800">
-                <a:latin typeface="メイリオ"/>
-                <a:ea typeface="メイリオ"/>
-                <a:cs typeface="メイリオ"/>
-              </a:rPr>
-            </a:br>
-            <a:r>
-              <a:rPr lang="en-US" altLang="ja-JP" sz="2800">
-                <a:latin typeface="メイリオ"/>
-                <a:ea typeface="メイリオ"/>
-                <a:cs typeface="メイリオ"/>
-              </a:rPr>
-              <a:t>function</a:t>
-            </a:r>
-            <a:r>
-              <a:rPr lang="ja-JP" altLang="en-US" sz="2800">
-                <a:latin typeface="メイリオ"/>
-                <a:ea typeface="メイリオ"/>
-                <a:cs typeface="メイリオ"/>
-              </a:rPr>
-              <a:t> </a:t>
-            </a:r>
-            <a:r>
-              <a:rPr lang="en-US" altLang="ja-JP" sz="2800">
-                <a:latin typeface="メイリオ"/>
-                <a:ea typeface="メイリオ"/>
-                <a:cs typeface="メイリオ"/>
-              </a:rPr>
-              <a:t>foo(arg){</a:t>
-            </a:r>
-            <a:br>
-              <a:rPr lang="en-US" altLang="ja-JP" sz="2800">
-                <a:latin typeface="メイリオ"/>
-                <a:ea typeface="メイリオ"/>
-                <a:cs typeface="メイリオ"/>
-              </a:rPr>
-            </a:br>
-            <a:r>
-              <a:rPr lang="en-US" altLang="ja-JP" sz="2800">
-                <a:latin typeface="メイリオ"/>
-                <a:ea typeface="メイリオ"/>
-                <a:cs typeface="メイリオ"/>
-              </a:rPr>
-              <a:t>   ...</a:t>
-            </a:r>
-            <a:br>
-              <a:rPr lang="en-US" altLang="ja-JP" sz="2800">
-                <a:latin typeface="メイリオ"/>
-                <a:ea typeface="メイリオ"/>
-                <a:cs typeface="メイリオ"/>
-              </a:rPr>
-            </a:br>
-            <a:r>
-              <a:rPr lang="en-US" altLang="ja-JP" sz="2800">
-                <a:latin typeface="メイリオ"/>
-                <a:ea typeface="メイリオ"/>
-                <a:cs typeface="メイリオ"/>
-              </a:rPr>
-              <a:t>}</a:t>
-            </a:r>
-            <a:br>
-              <a:rPr lang="en-US" altLang="ja-JP" sz="2800">
-                <a:latin typeface="メイリオ"/>
-                <a:ea typeface="メイリオ"/>
-                <a:cs typeface="メイリオ"/>
-              </a:rPr>
-            </a:br>
-            <a:r>
-              <a:rPr lang="en-US" altLang="ja-JP" sz="2800">
-                <a:latin typeface="メイリオ"/>
-                <a:ea typeface="メイリオ"/>
-                <a:cs typeface="メイリオ"/>
-              </a:rPr>
-              <a:t>function</a:t>
-            </a:r>
-            <a:r>
-              <a:rPr lang="ja-JP" altLang="en-US" sz="2800">
-                <a:latin typeface="メイリオ"/>
-                <a:ea typeface="メイリオ"/>
-                <a:cs typeface="メイリオ"/>
-              </a:rPr>
-              <a:t> </a:t>
-            </a:r>
-            <a:r>
-              <a:rPr lang="en-US" altLang="ja-JP" sz="2800">
-                <a:latin typeface="メイリオ"/>
-                <a:ea typeface="メイリオ"/>
-                <a:cs typeface="メイリオ"/>
-              </a:rPr>
-              <a:t>(arg){</a:t>
-            </a:r>
-            <a:br>
-              <a:rPr lang="en-US" altLang="ja-JP" sz="2800">
-                <a:latin typeface="メイリオ"/>
-                <a:ea typeface="メイリオ"/>
-                <a:cs typeface="メイリオ"/>
-              </a:rPr>
-            </a:br>
-            <a:r>
-              <a:rPr lang="en-US" altLang="ja-JP" sz="2800">
-                <a:latin typeface="メイリオ"/>
-                <a:ea typeface="メイリオ"/>
-                <a:cs typeface="メイリオ"/>
-              </a:rPr>
-              <a:t>   ...</a:t>
-            </a:r>
-            <a:br>
-              <a:rPr lang="en-US" altLang="ja-JP" sz="2800">
-                <a:latin typeface="メイリオ"/>
-                <a:ea typeface="メイリオ"/>
-                <a:cs typeface="メイリオ"/>
-              </a:rPr>
-            </a:br>
-            <a:r>
-              <a:rPr lang="en-US" altLang="ja-JP" sz="2800">
-                <a:latin typeface="メイリオ"/>
-                <a:ea typeface="メイリオ"/>
-                <a:cs typeface="メイリオ"/>
-              </a:rPr>
-              <a:t>}</a:t>
-            </a:r>
-          </a:p>
-          <a:p>
-            <a:pPr marL="457200" indent="-457200">
-              <a:buFont typeface="Arial"/>
-              <a:buChar char="•"/>
-            </a:pPr>
-            <a:endParaRPr lang="en-US" altLang="ja-JP" sz="2800">
-              <a:latin typeface="メイリオ"/>
-              <a:ea typeface="メイリオ"/>
-              <a:cs typeface="メイリオ"/>
-            </a:endParaRPr>
-          </a:p>
-          <a:p>
-            <a:pPr marL="457200" indent="-457200">
-              <a:buFont typeface="Arial"/>
-              <a:buChar char="•"/>
-            </a:pPr>
-            <a:endParaRPr lang="en-US" altLang="ja-JP" sz="2800">
-              <a:latin typeface="メイリオ"/>
-              <a:ea typeface="メイリオ"/>
-              <a:cs typeface="メイリオ"/>
-            </a:endParaRPr>
+              <a:rPr lang="en-US" altLang="ja-JP" dirty="0">
+                <a:solidFill>
+                  <a:schemeClr val="bg1"/>
+                </a:solidFill>
+              </a:rPr>
+              <a:t>]   </a:t>
+            </a:r>
           </a:p>
         </p:txBody>
       </p:sp>
     </p:spTree>
     <p:extLst>
       <p:ext uri="{BB962C8B-B14F-4D97-AF65-F5344CB8AC3E}">
-        <p14:creationId xmlns:p14="http://schemas.microsoft.com/office/powerpoint/2010/main" val="1077638038"/>
+        <p14:creationId xmlns:p14="http://schemas.microsoft.com/office/powerpoint/2010/main" val="3736112067"/>
       </p:ext>
     </p:extLst>
   </p:cSld>
@@ -16266,600 +16562,6 @@
                   <a:schemeClr val="bg1"/>
                 </a:solidFill>
               </a:rPr>
-              <a:t>{id:1, name:"</a:t>
-            </a:r>
-            <a:r>
-              <a:rPr lang="ja-JP" altLang="en-US" dirty="0">
-                <a:solidFill>
-                  <a:schemeClr val="bg1"/>
-                </a:solidFill>
-              </a:rPr>
-              <a:t>バハムート</a:t>
-            </a:r>
-            <a:r>
-              <a:rPr lang="en-US" altLang="ja-JP" dirty="0">
-                <a:solidFill>
-                  <a:schemeClr val="bg1"/>
-                </a:solidFill>
-              </a:rPr>
-              <a:t>"}   </a:t>
-            </a:r>
-          </a:p>
-        </p:txBody>
-      </p:sp>
-    </p:spTree>
-    <p:extLst>
-      <p:ext uri="{BB962C8B-B14F-4D97-AF65-F5344CB8AC3E}">
-        <p14:creationId xmlns:p14="http://schemas.microsoft.com/office/powerpoint/2010/main" val="320040297"/>
-      </p:ext>
-    </p:extLst>
-  </p:cSld>
-  <p:clrMapOvr>
-    <a:masterClrMapping/>
-  </p:clrMapOvr>
-</p:sld>
-</file>
-
-<file path=ppt/slides/slide24.xml><?xml version="1.0" encoding="utf-8"?>
-<p:sld xmlns:a="http://schemas.openxmlformats.org/drawingml/2006/main" xmlns:r="http://schemas.openxmlformats.org/officeDocument/2006/relationships" xmlns:p="http://schemas.openxmlformats.org/presentationml/2006/main">
-  <p:cSld>
-    <p:spTree>
-      <p:nvGrpSpPr>
-        <p:cNvPr id="1" name=""/>
-        <p:cNvGrpSpPr/>
-        <p:nvPr/>
-      </p:nvGrpSpPr>
-      <p:grpSpPr>
-        <a:xfrm>
-          <a:off x="0" y="0"/>
-          <a:ext cx="0" cy="0"/>
-          <a:chOff x="0" y="0"/>
-          <a:chExt cx="0" cy="0"/>
-        </a:xfrm>
-      </p:grpSpPr>
-      <p:sp>
-        <p:nvSpPr>
-          <p:cNvPr id="2" name="タイトル 1"/>
-          <p:cNvSpPr>
-            <a:spLocks noGrp="1"/>
-          </p:cNvSpPr>
-          <p:nvPr>
-            <p:ph type="title"/>
-          </p:nvPr>
-        </p:nvSpPr>
-        <p:spPr>
-          <a:xfrm>
-            <a:off x="457200" y="-13394"/>
-            <a:ext cx="8229600" cy="922114"/>
-          </a:xfrm>
-        </p:spPr>
-        <p:txBody>
-          <a:bodyPr>
-            <a:normAutofit/>
-          </a:bodyPr>
-          <a:lstStyle/>
-          <a:p>
-            <a:r>
-              <a:rPr kumimoji="1" lang="en-US" altLang="ja-JP"/>
-              <a:t>JSON</a:t>
-            </a:r>
-            <a:r>
-              <a:rPr kumimoji="1" lang="ja-JP" altLang="en-US"/>
-              <a:t>例</a:t>
-            </a:r>
-          </a:p>
-        </p:txBody>
-      </p:sp>
-      <p:sp>
-        <p:nvSpPr>
-          <p:cNvPr id="6" name="コンテンツ プレースホルダー 2"/>
-          <p:cNvSpPr txBox="1">
-            <a:spLocks/>
-          </p:cNvSpPr>
-          <p:nvPr/>
-        </p:nvSpPr>
-        <p:spPr>
-          <a:xfrm>
-            <a:off x="0" y="908720"/>
-            <a:ext cx="9144000" cy="5949280"/>
-          </a:xfrm>
-          <a:prstGeom prst="rect">
-            <a:avLst/>
-          </a:prstGeom>
-          <a:solidFill>
-            <a:schemeClr val="tx1"/>
-          </a:solidFill>
-        </p:spPr>
-        <p:txBody>
-          <a:bodyPr vert="horz" lIns="91440" tIns="45720" rIns="91440" bIns="45720" rtlCol="0">
-            <a:noAutofit/>
-          </a:bodyPr>
-          <a:lstStyle>
-            <a:lvl1pPr marL="342900" indent="-342900" algn="l" defTabSz="914400" rtl="0" eaLnBrk="1" latinLnBrk="0" hangingPunct="1">
-              <a:spcBef>
-                <a:spcPct val="20000"/>
-              </a:spcBef>
-              <a:buFont typeface="Arial" panose="020B0604020202020204" pitchFamily="34" charset="0"/>
-              <a:buChar char="•"/>
-              <a:defRPr kumimoji="1" sz="3200" kern="1200">
-                <a:solidFill>
-                  <a:srgbClr val="3E4057"/>
-                </a:solidFill>
-                <a:latin typeface="メイリオ" panose="020B0604030504040204" pitchFamily="50" charset="-128"/>
-                <a:ea typeface="メイリオ" panose="020B0604030504040204" pitchFamily="50" charset="-128"/>
-                <a:cs typeface="メイリオ" panose="020B0604030504040204" pitchFamily="50" charset="-128"/>
-              </a:defRPr>
-            </a:lvl1pPr>
-            <a:lvl2pPr marL="742950" indent="-285750" algn="l" defTabSz="914400" rtl="0" eaLnBrk="1" latinLnBrk="0" hangingPunct="1">
-              <a:spcBef>
-                <a:spcPct val="20000"/>
-              </a:spcBef>
-              <a:buFont typeface="Arial" panose="020B0604020202020204" pitchFamily="34" charset="0"/>
-              <a:buChar char="–"/>
-              <a:defRPr kumimoji="1" sz="2800" kern="1200">
-                <a:solidFill>
-                  <a:srgbClr val="3E4057"/>
-                </a:solidFill>
-                <a:latin typeface="メイリオ" panose="020B0604030504040204" pitchFamily="50" charset="-128"/>
-                <a:ea typeface="メイリオ" panose="020B0604030504040204" pitchFamily="50" charset="-128"/>
-                <a:cs typeface="メイリオ" panose="020B0604030504040204" pitchFamily="50" charset="-128"/>
-              </a:defRPr>
-            </a:lvl2pPr>
-            <a:lvl3pPr marL="1143000" indent="-228600" algn="l" defTabSz="914400" rtl="0" eaLnBrk="1" latinLnBrk="0" hangingPunct="1">
-              <a:spcBef>
-                <a:spcPct val="20000"/>
-              </a:spcBef>
-              <a:buFont typeface="Arial" panose="020B0604020202020204" pitchFamily="34" charset="0"/>
-              <a:buChar char="•"/>
-              <a:defRPr kumimoji="1" sz="2400" kern="1200">
-                <a:solidFill>
-                  <a:srgbClr val="3E4057"/>
-                </a:solidFill>
-                <a:latin typeface="メイリオ" panose="020B0604030504040204" pitchFamily="50" charset="-128"/>
-                <a:ea typeface="メイリオ" panose="020B0604030504040204" pitchFamily="50" charset="-128"/>
-                <a:cs typeface="メイリオ" panose="020B0604030504040204" pitchFamily="50" charset="-128"/>
-              </a:defRPr>
-            </a:lvl3pPr>
-            <a:lvl4pPr marL="1600200" indent="-228600" algn="l" defTabSz="914400" rtl="0" eaLnBrk="1" latinLnBrk="0" hangingPunct="1">
-              <a:spcBef>
-                <a:spcPct val="20000"/>
-              </a:spcBef>
-              <a:buFont typeface="Arial" panose="020B0604020202020204" pitchFamily="34" charset="0"/>
-              <a:buChar char="–"/>
-              <a:defRPr kumimoji="1" sz="2000" kern="1200">
-                <a:solidFill>
-                  <a:srgbClr val="3E4057"/>
-                </a:solidFill>
-                <a:latin typeface="メイリオ" panose="020B0604030504040204" pitchFamily="50" charset="-128"/>
-                <a:ea typeface="メイリオ" panose="020B0604030504040204" pitchFamily="50" charset="-128"/>
-                <a:cs typeface="メイリオ" panose="020B0604030504040204" pitchFamily="50" charset="-128"/>
-              </a:defRPr>
-            </a:lvl4pPr>
-            <a:lvl5pPr marL="2057400" indent="-228600" algn="l" defTabSz="914400" rtl="0" eaLnBrk="1" latinLnBrk="0" hangingPunct="1">
-              <a:spcBef>
-                <a:spcPct val="20000"/>
-              </a:spcBef>
-              <a:buFont typeface="Arial" panose="020B0604020202020204" pitchFamily="34" charset="0"/>
-              <a:buChar char="»"/>
-              <a:defRPr kumimoji="1" sz="2000" kern="1200">
-                <a:solidFill>
-                  <a:srgbClr val="3E4057"/>
-                </a:solidFill>
-                <a:latin typeface="メイリオ" panose="020B0604030504040204" pitchFamily="50" charset="-128"/>
-                <a:ea typeface="メイリオ" panose="020B0604030504040204" pitchFamily="50" charset="-128"/>
-                <a:cs typeface="メイリオ" panose="020B0604030504040204" pitchFamily="50" charset="-128"/>
-              </a:defRPr>
-            </a:lvl5pPr>
-            <a:lvl6pPr marL="2514600" indent="-228600" algn="l" defTabSz="914400" rtl="0" eaLnBrk="1" latinLnBrk="0" hangingPunct="1">
-              <a:spcBef>
-                <a:spcPct val="20000"/>
-              </a:spcBef>
-              <a:buFont typeface="Arial" panose="020B0604020202020204" pitchFamily="34" charset="0"/>
-              <a:buChar char="•"/>
-              <a:defRPr kumimoji="1" sz="2000" kern="1200">
-                <a:solidFill>
-                  <a:schemeClr val="tx1"/>
-                </a:solidFill>
-                <a:latin typeface="+mn-lt"/>
-                <a:ea typeface="+mn-ea"/>
-                <a:cs typeface="+mn-cs"/>
-              </a:defRPr>
-            </a:lvl6pPr>
-            <a:lvl7pPr marL="2971800" indent="-228600" algn="l" defTabSz="914400" rtl="0" eaLnBrk="1" latinLnBrk="0" hangingPunct="1">
-              <a:spcBef>
-                <a:spcPct val="20000"/>
-              </a:spcBef>
-              <a:buFont typeface="Arial" panose="020B0604020202020204" pitchFamily="34" charset="0"/>
-              <a:buChar char="•"/>
-              <a:defRPr kumimoji="1" sz="2000" kern="1200">
-                <a:solidFill>
-                  <a:schemeClr val="tx1"/>
-                </a:solidFill>
-                <a:latin typeface="+mn-lt"/>
-                <a:ea typeface="+mn-ea"/>
-                <a:cs typeface="+mn-cs"/>
-              </a:defRPr>
-            </a:lvl7pPr>
-            <a:lvl8pPr marL="3429000" indent="-228600" algn="l" defTabSz="914400" rtl="0" eaLnBrk="1" latinLnBrk="0" hangingPunct="1">
-              <a:spcBef>
-                <a:spcPct val="20000"/>
-              </a:spcBef>
-              <a:buFont typeface="Arial" panose="020B0604020202020204" pitchFamily="34" charset="0"/>
-              <a:buChar char="•"/>
-              <a:defRPr kumimoji="1" sz="2000" kern="1200">
-                <a:solidFill>
-                  <a:schemeClr val="tx1"/>
-                </a:solidFill>
-                <a:latin typeface="+mn-lt"/>
-                <a:ea typeface="+mn-ea"/>
-                <a:cs typeface="+mn-cs"/>
-              </a:defRPr>
-            </a:lvl8pPr>
-            <a:lvl9pPr marL="3886200" indent="-228600" algn="l" defTabSz="914400" rtl="0" eaLnBrk="1" latinLnBrk="0" hangingPunct="1">
-              <a:spcBef>
-                <a:spcPct val="20000"/>
-              </a:spcBef>
-              <a:buFont typeface="Arial" panose="020B0604020202020204" pitchFamily="34" charset="0"/>
-              <a:buChar char="•"/>
-              <a:defRPr kumimoji="1" sz="2000" kern="1200">
-                <a:solidFill>
-                  <a:schemeClr val="tx1"/>
-                </a:solidFill>
-                <a:latin typeface="+mn-lt"/>
-                <a:ea typeface="+mn-ea"/>
-                <a:cs typeface="+mn-cs"/>
-              </a:defRPr>
-            </a:lvl9pPr>
-          </a:lstStyle>
-          <a:p>
-            <a:pPr marL="0" indent="0">
-              <a:buNone/>
-            </a:pPr>
-            <a:r>
-              <a:rPr lang="en-US" altLang="ja-JP" dirty="0">
-                <a:solidFill>
-                  <a:schemeClr val="bg1"/>
-                </a:solidFill>
-              </a:rPr>
-              <a:t>[</a:t>
-            </a:r>
-          </a:p>
-          <a:p>
-            <a:pPr marL="0" indent="0">
-              <a:buNone/>
-            </a:pPr>
-            <a:r>
-              <a:rPr lang="en-US" altLang="ja-JP" dirty="0">
-                <a:solidFill>
-                  <a:schemeClr val="bg1"/>
-                </a:solidFill>
-              </a:rPr>
-              <a:t>   {id:1, name:"</a:t>
-            </a:r>
-            <a:r>
-              <a:rPr lang="ja-JP" altLang="en-US" dirty="0">
-                <a:solidFill>
-                  <a:schemeClr val="bg1"/>
-                </a:solidFill>
-              </a:rPr>
-              <a:t>バハムート</a:t>
-            </a:r>
-            <a:r>
-              <a:rPr lang="en-US" altLang="ja-JP" dirty="0">
-                <a:solidFill>
-                  <a:schemeClr val="bg1"/>
-                </a:solidFill>
-              </a:rPr>
-              <a:t>"}</a:t>
-            </a:r>
-          </a:p>
-          <a:p>
-            <a:pPr marL="0" indent="0">
-              <a:buNone/>
-            </a:pPr>
-            <a:r>
-              <a:rPr lang="en-US" altLang="ja-JP" dirty="0">
-                <a:solidFill>
-                  <a:schemeClr val="bg1"/>
-                </a:solidFill>
-              </a:rPr>
-              <a:t> , {id:2, name:"</a:t>
-            </a:r>
-            <a:r>
-              <a:rPr lang="ja-JP" altLang="en-US" dirty="0">
-                <a:solidFill>
-                  <a:schemeClr val="bg1"/>
-                </a:solidFill>
-              </a:rPr>
-              <a:t>チョコボ</a:t>
-            </a:r>
-            <a:r>
-              <a:rPr lang="en-US" altLang="ja-JP" dirty="0">
-                <a:solidFill>
-                  <a:schemeClr val="bg1"/>
-                </a:solidFill>
-              </a:rPr>
-              <a:t>"}</a:t>
-            </a:r>
-          </a:p>
-          <a:p>
-            <a:pPr marL="0" indent="0">
-              <a:buNone/>
-            </a:pPr>
-            <a:r>
-              <a:rPr lang="en-US" altLang="ja-JP" dirty="0">
-                <a:solidFill>
-                  <a:schemeClr val="bg1"/>
-                </a:solidFill>
-              </a:rPr>
-              <a:t> , {id:1, name:"</a:t>
-            </a:r>
-            <a:r>
-              <a:rPr lang="ja-JP" altLang="en-US" dirty="0">
-                <a:solidFill>
-                  <a:schemeClr val="bg1"/>
-                </a:solidFill>
-              </a:rPr>
-              <a:t>バハムート</a:t>
-            </a:r>
-            <a:r>
-              <a:rPr lang="en-US" altLang="ja-JP" dirty="0">
-                <a:solidFill>
-                  <a:schemeClr val="bg1"/>
-                </a:solidFill>
-              </a:rPr>
-              <a:t>"}</a:t>
-            </a:r>
-          </a:p>
-          <a:p>
-            <a:pPr marL="0" indent="0">
-              <a:buNone/>
-            </a:pPr>
-            <a:r>
-              <a:rPr lang="en-US" altLang="ja-JP" dirty="0">
-                <a:solidFill>
-                  <a:schemeClr val="bg1"/>
-                </a:solidFill>
-              </a:rPr>
-              <a:t>]   </a:t>
-            </a:r>
-          </a:p>
-        </p:txBody>
-      </p:sp>
-    </p:spTree>
-    <p:extLst>
-      <p:ext uri="{BB962C8B-B14F-4D97-AF65-F5344CB8AC3E}">
-        <p14:creationId xmlns:p14="http://schemas.microsoft.com/office/powerpoint/2010/main" val="3736112067"/>
-      </p:ext>
-    </p:extLst>
-  </p:cSld>
-  <p:clrMapOvr>
-    <a:masterClrMapping/>
-  </p:clrMapOvr>
-</p:sld>
-</file>
-
-<file path=ppt/slides/slide25.xml><?xml version="1.0" encoding="utf-8"?>
-<p:sld xmlns:a="http://schemas.openxmlformats.org/drawingml/2006/main" xmlns:r="http://schemas.openxmlformats.org/officeDocument/2006/relationships" xmlns:p="http://schemas.openxmlformats.org/presentationml/2006/main">
-  <p:cSld>
-    <p:spTree>
-      <p:nvGrpSpPr>
-        <p:cNvPr id="1" name=""/>
-        <p:cNvGrpSpPr/>
-        <p:nvPr/>
-      </p:nvGrpSpPr>
-      <p:grpSpPr>
-        <a:xfrm>
-          <a:off x="0" y="0"/>
-          <a:ext cx="0" cy="0"/>
-          <a:chOff x="0" y="0"/>
-          <a:chExt cx="0" cy="0"/>
-        </a:xfrm>
-      </p:grpSpPr>
-      <p:sp>
-        <p:nvSpPr>
-          <p:cNvPr id="2" name="タイトル 1"/>
-          <p:cNvSpPr>
-            <a:spLocks noGrp="1"/>
-          </p:cNvSpPr>
-          <p:nvPr>
-            <p:ph type="title"/>
-          </p:nvPr>
-        </p:nvSpPr>
-        <p:spPr>
-          <a:xfrm>
-            <a:off x="457200" y="-13394"/>
-            <a:ext cx="8229600" cy="922114"/>
-          </a:xfrm>
-        </p:spPr>
-        <p:txBody>
-          <a:bodyPr>
-            <a:normAutofit/>
-          </a:bodyPr>
-          <a:lstStyle/>
-          <a:p>
-            <a:r>
-              <a:rPr kumimoji="1" lang="en-US" altLang="ja-JP"/>
-              <a:t>JSON</a:t>
-            </a:r>
-            <a:r>
-              <a:rPr kumimoji="1" lang="ja-JP" altLang="en-US"/>
-              <a:t>例</a:t>
-            </a:r>
-          </a:p>
-        </p:txBody>
-      </p:sp>
-      <p:sp>
-        <p:nvSpPr>
-          <p:cNvPr id="6" name="コンテンツ プレースホルダー 2"/>
-          <p:cNvSpPr txBox="1">
-            <a:spLocks/>
-          </p:cNvSpPr>
-          <p:nvPr/>
-        </p:nvSpPr>
-        <p:spPr>
-          <a:xfrm>
-            <a:off x="0" y="908720"/>
-            <a:ext cx="9144000" cy="5949280"/>
-          </a:xfrm>
-          <a:prstGeom prst="rect">
-            <a:avLst/>
-          </a:prstGeom>
-          <a:solidFill>
-            <a:schemeClr val="tx1"/>
-          </a:solidFill>
-        </p:spPr>
-        <p:txBody>
-          <a:bodyPr vert="horz" lIns="91440" tIns="45720" rIns="91440" bIns="45720" rtlCol="0">
-            <a:noAutofit/>
-          </a:bodyPr>
-          <a:lstStyle>
-            <a:lvl1pPr marL="342900" indent="-342900" algn="l" defTabSz="914400" rtl="0" eaLnBrk="1" latinLnBrk="0" hangingPunct="1">
-              <a:spcBef>
-                <a:spcPct val="20000"/>
-              </a:spcBef>
-              <a:buFont typeface="Arial" panose="020B0604020202020204" pitchFamily="34" charset="0"/>
-              <a:buChar char="•"/>
-              <a:defRPr kumimoji="1" sz="3200" kern="1200">
-                <a:solidFill>
-                  <a:srgbClr val="3E4057"/>
-                </a:solidFill>
-                <a:latin typeface="メイリオ" panose="020B0604030504040204" pitchFamily="50" charset="-128"/>
-                <a:ea typeface="メイリオ" panose="020B0604030504040204" pitchFamily="50" charset="-128"/>
-                <a:cs typeface="メイリオ" panose="020B0604030504040204" pitchFamily="50" charset="-128"/>
-              </a:defRPr>
-            </a:lvl1pPr>
-            <a:lvl2pPr marL="742950" indent="-285750" algn="l" defTabSz="914400" rtl="0" eaLnBrk="1" latinLnBrk="0" hangingPunct="1">
-              <a:spcBef>
-                <a:spcPct val="20000"/>
-              </a:spcBef>
-              <a:buFont typeface="Arial" panose="020B0604020202020204" pitchFamily="34" charset="0"/>
-              <a:buChar char="–"/>
-              <a:defRPr kumimoji="1" sz="2800" kern="1200">
-                <a:solidFill>
-                  <a:srgbClr val="3E4057"/>
-                </a:solidFill>
-                <a:latin typeface="メイリオ" panose="020B0604030504040204" pitchFamily="50" charset="-128"/>
-                <a:ea typeface="メイリオ" panose="020B0604030504040204" pitchFamily="50" charset="-128"/>
-                <a:cs typeface="メイリオ" panose="020B0604030504040204" pitchFamily="50" charset="-128"/>
-              </a:defRPr>
-            </a:lvl2pPr>
-            <a:lvl3pPr marL="1143000" indent="-228600" algn="l" defTabSz="914400" rtl="0" eaLnBrk="1" latinLnBrk="0" hangingPunct="1">
-              <a:spcBef>
-                <a:spcPct val="20000"/>
-              </a:spcBef>
-              <a:buFont typeface="Arial" panose="020B0604020202020204" pitchFamily="34" charset="0"/>
-              <a:buChar char="•"/>
-              <a:defRPr kumimoji="1" sz="2400" kern="1200">
-                <a:solidFill>
-                  <a:srgbClr val="3E4057"/>
-                </a:solidFill>
-                <a:latin typeface="メイリオ" panose="020B0604030504040204" pitchFamily="50" charset="-128"/>
-                <a:ea typeface="メイリオ" panose="020B0604030504040204" pitchFamily="50" charset="-128"/>
-                <a:cs typeface="メイリオ" panose="020B0604030504040204" pitchFamily="50" charset="-128"/>
-              </a:defRPr>
-            </a:lvl3pPr>
-            <a:lvl4pPr marL="1600200" indent="-228600" algn="l" defTabSz="914400" rtl="0" eaLnBrk="1" latinLnBrk="0" hangingPunct="1">
-              <a:spcBef>
-                <a:spcPct val="20000"/>
-              </a:spcBef>
-              <a:buFont typeface="Arial" panose="020B0604020202020204" pitchFamily="34" charset="0"/>
-              <a:buChar char="–"/>
-              <a:defRPr kumimoji="1" sz="2000" kern="1200">
-                <a:solidFill>
-                  <a:srgbClr val="3E4057"/>
-                </a:solidFill>
-                <a:latin typeface="メイリオ" panose="020B0604030504040204" pitchFamily="50" charset="-128"/>
-                <a:ea typeface="メイリオ" panose="020B0604030504040204" pitchFamily="50" charset="-128"/>
-                <a:cs typeface="メイリオ" panose="020B0604030504040204" pitchFamily="50" charset="-128"/>
-              </a:defRPr>
-            </a:lvl4pPr>
-            <a:lvl5pPr marL="2057400" indent="-228600" algn="l" defTabSz="914400" rtl="0" eaLnBrk="1" latinLnBrk="0" hangingPunct="1">
-              <a:spcBef>
-                <a:spcPct val="20000"/>
-              </a:spcBef>
-              <a:buFont typeface="Arial" panose="020B0604020202020204" pitchFamily="34" charset="0"/>
-              <a:buChar char="»"/>
-              <a:defRPr kumimoji="1" sz="2000" kern="1200">
-                <a:solidFill>
-                  <a:srgbClr val="3E4057"/>
-                </a:solidFill>
-                <a:latin typeface="メイリオ" panose="020B0604030504040204" pitchFamily="50" charset="-128"/>
-                <a:ea typeface="メイリオ" panose="020B0604030504040204" pitchFamily="50" charset="-128"/>
-                <a:cs typeface="メイリオ" panose="020B0604030504040204" pitchFamily="50" charset="-128"/>
-              </a:defRPr>
-            </a:lvl5pPr>
-            <a:lvl6pPr marL="2514600" indent="-228600" algn="l" defTabSz="914400" rtl="0" eaLnBrk="1" latinLnBrk="0" hangingPunct="1">
-              <a:spcBef>
-                <a:spcPct val="20000"/>
-              </a:spcBef>
-              <a:buFont typeface="Arial" panose="020B0604020202020204" pitchFamily="34" charset="0"/>
-              <a:buChar char="•"/>
-              <a:defRPr kumimoji="1" sz="2000" kern="1200">
-                <a:solidFill>
-                  <a:schemeClr val="tx1"/>
-                </a:solidFill>
-                <a:latin typeface="+mn-lt"/>
-                <a:ea typeface="+mn-ea"/>
-                <a:cs typeface="+mn-cs"/>
-              </a:defRPr>
-            </a:lvl6pPr>
-            <a:lvl7pPr marL="2971800" indent="-228600" algn="l" defTabSz="914400" rtl="0" eaLnBrk="1" latinLnBrk="0" hangingPunct="1">
-              <a:spcBef>
-                <a:spcPct val="20000"/>
-              </a:spcBef>
-              <a:buFont typeface="Arial" panose="020B0604020202020204" pitchFamily="34" charset="0"/>
-              <a:buChar char="•"/>
-              <a:defRPr kumimoji="1" sz="2000" kern="1200">
-                <a:solidFill>
-                  <a:schemeClr val="tx1"/>
-                </a:solidFill>
-                <a:latin typeface="+mn-lt"/>
-                <a:ea typeface="+mn-ea"/>
-                <a:cs typeface="+mn-cs"/>
-              </a:defRPr>
-            </a:lvl7pPr>
-            <a:lvl8pPr marL="3429000" indent="-228600" algn="l" defTabSz="914400" rtl="0" eaLnBrk="1" latinLnBrk="0" hangingPunct="1">
-              <a:spcBef>
-                <a:spcPct val="20000"/>
-              </a:spcBef>
-              <a:buFont typeface="Arial" panose="020B0604020202020204" pitchFamily="34" charset="0"/>
-              <a:buChar char="•"/>
-              <a:defRPr kumimoji="1" sz="2000" kern="1200">
-                <a:solidFill>
-                  <a:schemeClr val="tx1"/>
-                </a:solidFill>
-                <a:latin typeface="+mn-lt"/>
-                <a:ea typeface="+mn-ea"/>
-                <a:cs typeface="+mn-cs"/>
-              </a:defRPr>
-            </a:lvl8pPr>
-            <a:lvl9pPr marL="3886200" indent="-228600" algn="l" defTabSz="914400" rtl="0" eaLnBrk="1" latinLnBrk="0" hangingPunct="1">
-              <a:spcBef>
-                <a:spcPct val="20000"/>
-              </a:spcBef>
-              <a:buFont typeface="Arial" panose="020B0604020202020204" pitchFamily="34" charset="0"/>
-              <a:buChar char="•"/>
-              <a:defRPr kumimoji="1" sz="2000" kern="1200">
-                <a:solidFill>
-                  <a:schemeClr val="tx1"/>
-                </a:solidFill>
-                <a:latin typeface="+mn-lt"/>
-                <a:ea typeface="+mn-ea"/>
-                <a:cs typeface="+mn-cs"/>
-              </a:defRPr>
-            </a:lvl9pPr>
-          </a:lstStyle>
-          <a:p>
-            <a:pPr marL="0" indent="0">
-              <a:buNone/>
-            </a:pPr>
-            <a:r>
-              <a:rPr lang="en-US" altLang="ja-JP" dirty="0">
-                <a:solidFill>
-                  <a:schemeClr val="bg1"/>
-                </a:solidFill>
-              </a:rPr>
               <a:t>{</a:t>
             </a:r>
           </a:p>
@@ -17043,7 +16745,7 @@
 </p:sld>
 </file>
 
-<file path=ppt/slides/slide26.xml><?xml version="1.0" encoding="utf-8"?>
+<file path=ppt/slides/slide24.xml><?xml version="1.0" encoding="utf-8"?>
 <p:sld xmlns:a="http://schemas.openxmlformats.org/drawingml/2006/main" xmlns:r="http://schemas.openxmlformats.org/officeDocument/2006/relationships" xmlns:p="http://schemas.openxmlformats.org/presentationml/2006/main">
   <p:cSld>
     <p:spTree>
@@ -17963,7 +17665,7 @@
 </p:sld>
 </file>
 
-<file path=ppt/slides/slide27.xml><?xml version="1.0" encoding="utf-8"?>
+<file path=ppt/slides/slide25.xml><?xml version="1.0" encoding="utf-8"?>
 <p:sld xmlns:a="http://schemas.openxmlformats.org/drawingml/2006/main" xmlns:r="http://schemas.openxmlformats.org/officeDocument/2006/relationships" xmlns:p="http://schemas.openxmlformats.org/presentationml/2006/main">
   <p:cSld>
     <p:spTree>
@@ -18112,7 +17814,7 @@
 </p:sld>
 </file>
 
-<file path=ppt/slides/slide28.xml><?xml version="1.0" encoding="utf-8"?>
+<file path=ppt/slides/slide26.xml><?xml version="1.0" encoding="utf-8"?>
 <p:sld xmlns:a="http://schemas.openxmlformats.org/drawingml/2006/main" xmlns:r="http://schemas.openxmlformats.org/officeDocument/2006/relationships" xmlns:p="http://schemas.openxmlformats.org/presentationml/2006/main">
   <p:cSld>
     <p:spTree>
@@ -18476,6 +18178,999 @@
 </p:sld>
 </file>
 
+<file path=ppt/slides/slide27.xml><?xml version="1.0" encoding="utf-8"?>
+<p:sld xmlns:a="http://schemas.openxmlformats.org/drawingml/2006/main" xmlns:r="http://schemas.openxmlformats.org/officeDocument/2006/relationships" xmlns:p="http://schemas.openxmlformats.org/presentationml/2006/main">
+  <p:cSld>
+    <p:spTree>
+      <p:nvGrpSpPr>
+        <p:cNvPr id="1" name=""/>
+        <p:cNvGrpSpPr/>
+        <p:nvPr/>
+      </p:nvGrpSpPr>
+      <p:grpSpPr>
+        <a:xfrm>
+          <a:off x="0" y="0"/>
+          <a:ext cx="0" cy="0"/>
+          <a:chOff x="0" y="0"/>
+          <a:chExt cx="0" cy="0"/>
+        </a:xfrm>
+      </p:grpSpPr>
+      <p:sp>
+        <p:nvSpPr>
+          <p:cNvPr id="2" name="タイトル 1"/>
+          <p:cNvSpPr>
+            <a:spLocks noGrp="1"/>
+          </p:cNvSpPr>
+          <p:nvPr>
+            <p:ph type="title"/>
+          </p:nvPr>
+        </p:nvSpPr>
+        <p:spPr>
+          <a:xfrm>
+            <a:off x="0" y="-90264"/>
+            <a:ext cx="9144000" cy="1143000"/>
+          </a:xfrm>
+        </p:spPr>
+        <p:txBody>
+          <a:bodyPr>
+            <a:normAutofit/>
+          </a:bodyPr>
+          <a:lstStyle/>
+          <a:p>
+            <a:r>
+              <a:rPr kumimoji="1" lang="en-US" altLang="ja-JP"/>
+              <a:t>API</a:t>
+            </a:r>
+            <a:r>
+              <a:rPr kumimoji="1" lang="ja-JP" altLang="en-US"/>
+              <a:t>を作ってみる </a:t>
+            </a:r>
+            <a:r>
+              <a:rPr kumimoji="1" lang="en-US" altLang="ja-JP"/>
+              <a:t>(Server)</a:t>
+            </a:r>
+            <a:endParaRPr kumimoji="1" lang="ja-JP" altLang="en-US"/>
+          </a:p>
+        </p:txBody>
+      </p:sp>
+      <p:sp>
+        <p:nvSpPr>
+          <p:cNvPr id="5" name="コンテンツ プレースホルダー 2"/>
+          <p:cNvSpPr txBox="1">
+            <a:spLocks/>
+          </p:cNvSpPr>
+          <p:nvPr/>
+        </p:nvSpPr>
+        <p:spPr>
+          <a:xfrm>
+            <a:off x="34896" y="1844824"/>
+            <a:ext cx="9144000" cy="4752528"/>
+          </a:xfrm>
+          <a:prstGeom prst="rect">
+            <a:avLst/>
+          </a:prstGeom>
+          <a:solidFill>
+            <a:schemeClr val="tx1"/>
+          </a:solidFill>
+        </p:spPr>
+        <p:txBody>
+          <a:bodyPr vert="horz" lIns="91440" tIns="45720" rIns="91440" bIns="45720" rtlCol="0">
+            <a:noAutofit/>
+          </a:bodyPr>
+          <a:lstStyle>
+            <a:lvl1pPr marL="342900" indent="-342900" algn="l" defTabSz="914400" rtl="0" eaLnBrk="1" latinLnBrk="0" hangingPunct="1">
+              <a:spcBef>
+                <a:spcPct val="20000"/>
+              </a:spcBef>
+              <a:buFont typeface="Arial" panose="020B0604020202020204" pitchFamily="34" charset="0"/>
+              <a:buChar char="•"/>
+              <a:defRPr kumimoji="1" sz="3200" kern="1200">
+                <a:solidFill>
+                  <a:srgbClr val="3E4057"/>
+                </a:solidFill>
+                <a:latin typeface="メイリオ" panose="020B0604030504040204" pitchFamily="50" charset="-128"/>
+                <a:ea typeface="メイリオ" panose="020B0604030504040204" pitchFamily="50" charset="-128"/>
+                <a:cs typeface="メイリオ" panose="020B0604030504040204" pitchFamily="50" charset="-128"/>
+              </a:defRPr>
+            </a:lvl1pPr>
+            <a:lvl2pPr marL="742950" indent="-285750" algn="l" defTabSz="914400" rtl="0" eaLnBrk="1" latinLnBrk="0" hangingPunct="1">
+              <a:spcBef>
+                <a:spcPct val="20000"/>
+              </a:spcBef>
+              <a:buFont typeface="Arial" panose="020B0604020202020204" pitchFamily="34" charset="0"/>
+              <a:buChar char="–"/>
+              <a:defRPr kumimoji="1" sz="2800" kern="1200">
+                <a:solidFill>
+                  <a:srgbClr val="3E4057"/>
+                </a:solidFill>
+                <a:latin typeface="メイリオ" panose="020B0604030504040204" pitchFamily="50" charset="-128"/>
+                <a:ea typeface="メイリオ" panose="020B0604030504040204" pitchFamily="50" charset="-128"/>
+                <a:cs typeface="メイリオ" panose="020B0604030504040204" pitchFamily="50" charset="-128"/>
+              </a:defRPr>
+            </a:lvl2pPr>
+            <a:lvl3pPr marL="1143000" indent="-228600" algn="l" defTabSz="914400" rtl="0" eaLnBrk="1" latinLnBrk="0" hangingPunct="1">
+              <a:spcBef>
+                <a:spcPct val="20000"/>
+              </a:spcBef>
+              <a:buFont typeface="Arial" panose="020B0604020202020204" pitchFamily="34" charset="0"/>
+              <a:buChar char="•"/>
+              <a:defRPr kumimoji="1" sz="2400" kern="1200">
+                <a:solidFill>
+                  <a:srgbClr val="3E4057"/>
+                </a:solidFill>
+                <a:latin typeface="メイリオ" panose="020B0604030504040204" pitchFamily="50" charset="-128"/>
+                <a:ea typeface="メイリオ" panose="020B0604030504040204" pitchFamily="50" charset="-128"/>
+                <a:cs typeface="メイリオ" panose="020B0604030504040204" pitchFamily="50" charset="-128"/>
+              </a:defRPr>
+            </a:lvl3pPr>
+            <a:lvl4pPr marL="1600200" indent="-228600" algn="l" defTabSz="914400" rtl="0" eaLnBrk="1" latinLnBrk="0" hangingPunct="1">
+              <a:spcBef>
+                <a:spcPct val="20000"/>
+              </a:spcBef>
+              <a:buFont typeface="Arial" panose="020B0604020202020204" pitchFamily="34" charset="0"/>
+              <a:buChar char="–"/>
+              <a:defRPr kumimoji="1" sz="2000" kern="1200">
+                <a:solidFill>
+                  <a:srgbClr val="3E4057"/>
+                </a:solidFill>
+                <a:latin typeface="メイリオ" panose="020B0604030504040204" pitchFamily="50" charset="-128"/>
+                <a:ea typeface="メイリオ" panose="020B0604030504040204" pitchFamily="50" charset="-128"/>
+                <a:cs typeface="メイリオ" panose="020B0604030504040204" pitchFamily="50" charset="-128"/>
+              </a:defRPr>
+            </a:lvl4pPr>
+            <a:lvl5pPr marL="2057400" indent="-228600" algn="l" defTabSz="914400" rtl="0" eaLnBrk="1" latinLnBrk="0" hangingPunct="1">
+              <a:spcBef>
+                <a:spcPct val="20000"/>
+              </a:spcBef>
+              <a:buFont typeface="Arial" panose="020B0604020202020204" pitchFamily="34" charset="0"/>
+              <a:buChar char="»"/>
+              <a:defRPr kumimoji="1" sz="2000" kern="1200">
+                <a:solidFill>
+                  <a:srgbClr val="3E4057"/>
+                </a:solidFill>
+                <a:latin typeface="メイリオ" panose="020B0604030504040204" pitchFamily="50" charset="-128"/>
+                <a:ea typeface="メイリオ" panose="020B0604030504040204" pitchFamily="50" charset="-128"/>
+                <a:cs typeface="メイリオ" panose="020B0604030504040204" pitchFamily="50" charset="-128"/>
+              </a:defRPr>
+            </a:lvl5pPr>
+            <a:lvl6pPr marL="2514600" indent="-228600" algn="l" defTabSz="914400" rtl="0" eaLnBrk="1" latinLnBrk="0" hangingPunct="1">
+              <a:spcBef>
+                <a:spcPct val="20000"/>
+              </a:spcBef>
+              <a:buFont typeface="Arial" panose="020B0604020202020204" pitchFamily="34" charset="0"/>
+              <a:buChar char="•"/>
+              <a:defRPr kumimoji="1" sz="2000" kern="1200">
+                <a:solidFill>
+                  <a:schemeClr val="tx1"/>
+                </a:solidFill>
+                <a:latin typeface="+mn-lt"/>
+                <a:ea typeface="+mn-ea"/>
+                <a:cs typeface="+mn-cs"/>
+              </a:defRPr>
+            </a:lvl6pPr>
+            <a:lvl7pPr marL="2971800" indent="-228600" algn="l" defTabSz="914400" rtl="0" eaLnBrk="1" latinLnBrk="0" hangingPunct="1">
+              <a:spcBef>
+                <a:spcPct val="20000"/>
+              </a:spcBef>
+              <a:buFont typeface="Arial" panose="020B0604020202020204" pitchFamily="34" charset="0"/>
+              <a:buChar char="•"/>
+              <a:defRPr kumimoji="1" sz="2000" kern="1200">
+                <a:solidFill>
+                  <a:schemeClr val="tx1"/>
+                </a:solidFill>
+                <a:latin typeface="+mn-lt"/>
+                <a:ea typeface="+mn-ea"/>
+                <a:cs typeface="+mn-cs"/>
+              </a:defRPr>
+            </a:lvl7pPr>
+            <a:lvl8pPr marL="3429000" indent="-228600" algn="l" defTabSz="914400" rtl="0" eaLnBrk="1" latinLnBrk="0" hangingPunct="1">
+              <a:spcBef>
+                <a:spcPct val="20000"/>
+              </a:spcBef>
+              <a:buFont typeface="Arial" panose="020B0604020202020204" pitchFamily="34" charset="0"/>
+              <a:buChar char="•"/>
+              <a:defRPr kumimoji="1" sz="2000" kern="1200">
+                <a:solidFill>
+                  <a:schemeClr val="tx1"/>
+                </a:solidFill>
+                <a:latin typeface="+mn-lt"/>
+                <a:ea typeface="+mn-ea"/>
+                <a:cs typeface="+mn-cs"/>
+              </a:defRPr>
+            </a:lvl8pPr>
+            <a:lvl9pPr marL="3886200" indent="-228600" algn="l" defTabSz="914400" rtl="0" eaLnBrk="1" latinLnBrk="0" hangingPunct="1">
+              <a:spcBef>
+                <a:spcPct val="20000"/>
+              </a:spcBef>
+              <a:buFont typeface="Arial" panose="020B0604020202020204" pitchFamily="34" charset="0"/>
+              <a:buChar char="•"/>
+              <a:defRPr kumimoji="1" sz="2000" kern="1200">
+                <a:solidFill>
+                  <a:schemeClr val="tx1"/>
+                </a:solidFill>
+                <a:latin typeface="+mn-lt"/>
+                <a:ea typeface="+mn-ea"/>
+                <a:cs typeface="+mn-cs"/>
+              </a:defRPr>
+            </a:lvl9pPr>
+          </a:lstStyle>
+          <a:p>
+            <a:pPr marL="0" indent="0">
+              <a:buNone/>
+            </a:pPr>
+            <a:r>
+              <a:rPr lang="en-US" altLang="ja-JP" dirty="0">
+                <a:solidFill>
+                  <a:schemeClr val="bg1"/>
+                </a:solidFill>
+              </a:rPr>
+              <a:t>&lt;?php</a:t>
+            </a:r>
+          </a:p>
+          <a:p>
+            <a:pPr marL="0" indent="0">
+              <a:buNone/>
+            </a:pPr>
+            <a:r>
+              <a:rPr lang="ja-JP" altLang="ja-JP" dirty="0">
+                <a:solidFill>
+                  <a:schemeClr val="bg1"/>
+                </a:solidFill>
+              </a:rPr>
+              <a:t>$d</a:t>
+            </a:r>
+            <a:r>
+              <a:rPr lang="en-US" altLang="ja-JP" dirty="0">
+                <a:solidFill>
+                  <a:schemeClr val="bg1"/>
+                </a:solidFill>
+              </a:rPr>
+              <a:t>ata</a:t>
+            </a:r>
+            <a:r>
+              <a:rPr lang="ja-JP" altLang="en-US" dirty="0">
+                <a:solidFill>
+                  <a:schemeClr val="bg1"/>
+                </a:solidFill>
+              </a:rPr>
+              <a:t> </a:t>
+            </a:r>
+            <a:r>
+              <a:rPr lang="en-US" altLang="ja-JP" dirty="0">
+                <a:solidFill>
+                  <a:schemeClr val="bg1"/>
+                </a:solidFill>
+              </a:rPr>
+              <a:t>=</a:t>
+            </a:r>
+            <a:r>
+              <a:rPr lang="ja-JP" altLang="en-US" dirty="0">
+                <a:solidFill>
+                  <a:schemeClr val="bg1"/>
+                </a:solidFill>
+              </a:rPr>
+              <a:t> </a:t>
+            </a:r>
+            <a:r>
+              <a:rPr lang="en-US" altLang="ja-JP" dirty="0">
+                <a:solidFill>
+                  <a:schemeClr val="bg1"/>
+                </a:solidFill>
+              </a:rPr>
+              <a:t>[</a:t>
+            </a:r>
+          </a:p>
+          <a:p>
+            <a:pPr marL="0" indent="0">
+              <a:buNone/>
+            </a:pPr>
+            <a:r>
+              <a:rPr lang="ja-JP" altLang="ja-JP" dirty="0">
+                <a:solidFill>
+                  <a:schemeClr val="bg1"/>
+                </a:solidFill>
+              </a:rPr>
+              <a:t> </a:t>
+            </a:r>
+            <a:r>
+              <a:rPr lang="ja-JP" altLang="en-US" dirty="0">
+                <a:solidFill>
+                  <a:schemeClr val="bg1"/>
+                </a:solidFill>
+              </a:rPr>
+              <a:t>    </a:t>
+            </a:r>
+            <a:r>
+              <a:rPr lang="en-US" altLang="ja-JP" dirty="0">
+                <a:solidFill>
+                  <a:schemeClr val="bg1"/>
+                </a:solidFill>
+              </a:rPr>
+              <a:t>'str1'=&gt;'Hello'</a:t>
+            </a:r>
+          </a:p>
+          <a:p>
+            <a:pPr marL="0" indent="0">
+              <a:buNone/>
+            </a:pPr>
+            <a:r>
+              <a:rPr lang="ja-JP" altLang="en-US" dirty="0">
+                <a:solidFill>
+                  <a:schemeClr val="bg1"/>
+                </a:solidFill>
+              </a:rPr>
+              <a:t>   </a:t>
+            </a:r>
+            <a:r>
+              <a:rPr lang="en-US" altLang="ja-JP" dirty="0">
+                <a:solidFill>
+                  <a:schemeClr val="bg1"/>
+                </a:solidFill>
+              </a:rPr>
+              <a:t>,</a:t>
+            </a:r>
+            <a:r>
+              <a:rPr lang="ja-JP" altLang="en-US" dirty="0">
+                <a:solidFill>
+                  <a:schemeClr val="bg1"/>
+                </a:solidFill>
+              </a:rPr>
+              <a:t> </a:t>
+            </a:r>
+            <a:r>
+              <a:rPr lang="en-US" altLang="ja-JP" dirty="0">
+                <a:solidFill>
+                  <a:schemeClr val="bg1"/>
+                </a:solidFill>
+              </a:rPr>
+              <a:t>'str2'=&gt;'World'</a:t>
+            </a:r>
+            <a:r>
+              <a:rPr lang="ja-JP" altLang="ja-JP" dirty="0">
+                <a:solidFill>
+                  <a:schemeClr val="bg1"/>
+                </a:solidFill>
+              </a:rPr>
+              <a:t> </a:t>
+            </a:r>
+            <a:r>
+              <a:rPr lang="ja-JP" altLang="en-US" dirty="0">
+                <a:solidFill>
+                  <a:schemeClr val="bg1"/>
+                </a:solidFill>
+              </a:rPr>
+              <a:t>   </a:t>
+            </a:r>
+            <a:endParaRPr lang="en-US" altLang="ja-JP" dirty="0">
+              <a:solidFill>
+                <a:schemeClr val="bg1"/>
+              </a:solidFill>
+            </a:endParaRPr>
+          </a:p>
+          <a:p>
+            <a:pPr marL="0" indent="0">
+              <a:buNone/>
+            </a:pPr>
+            <a:r>
+              <a:rPr lang="en-US" altLang="ja-JP" dirty="0">
+                <a:solidFill>
+                  <a:schemeClr val="bg1"/>
+                </a:solidFill>
+              </a:rPr>
+              <a:t>];</a:t>
+            </a:r>
+          </a:p>
+          <a:p>
+            <a:pPr marL="0" indent="0">
+              <a:buNone/>
+            </a:pPr>
+            <a:r>
+              <a:rPr lang="en-US" altLang="ja-JP" dirty="0">
+                <a:solidFill>
+                  <a:schemeClr val="bg1"/>
+                </a:solidFill>
+              </a:rPr>
+              <a:t>$json = json_encode($data);</a:t>
+            </a:r>
+          </a:p>
+          <a:p>
+            <a:pPr marL="0" indent="0">
+              <a:buNone/>
+            </a:pPr>
+            <a:endParaRPr lang="en-US" altLang="ja-JP" dirty="0">
+              <a:solidFill>
+                <a:schemeClr val="bg1"/>
+              </a:solidFill>
+            </a:endParaRPr>
+          </a:p>
+          <a:p>
+            <a:pPr marL="0" indent="0">
+              <a:buNone/>
+            </a:pPr>
+            <a:r>
+              <a:rPr lang="en-US" altLang="ja-JP" dirty="0">
+                <a:solidFill>
+                  <a:schemeClr val="bg1"/>
+                </a:solidFill>
+              </a:rPr>
+              <a:t>print $json;</a:t>
+            </a:r>
+          </a:p>
+        </p:txBody>
+      </p:sp>
+      <p:sp>
+        <p:nvSpPr>
+          <p:cNvPr id="6" name="テキスト ボックス 5"/>
+          <p:cNvSpPr txBox="1"/>
+          <p:nvPr/>
+        </p:nvSpPr>
+        <p:spPr>
+          <a:xfrm>
+            <a:off x="10572" y="1052736"/>
+            <a:ext cx="6732081" cy="830997"/>
+          </a:xfrm>
+          <a:prstGeom prst="rect">
+            <a:avLst/>
+          </a:prstGeom>
+          <a:noFill/>
+        </p:spPr>
+        <p:txBody>
+          <a:bodyPr wrap="none" rtlCol="0">
+            <a:spAutoFit/>
+          </a:bodyPr>
+          <a:lstStyle/>
+          <a:p>
+            <a:r>
+              <a:rPr kumimoji="1" lang="en-US" altLang="ja-JP" sz="4000"/>
+              <a:t>/var/www/html/</a:t>
+            </a:r>
+            <a:r>
+              <a:rPr kumimoji="1" lang="en-US" altLang="ja-JP" sz="4800" b="1">
+                <a:solidFill>
+                  <a:srgbClr val="FF0000"/>
+                </a:solidFill>
+              </a:rPr>
+              <a:t>api</a:t>
+            </a:r>
+            <a:r>
+              <a:rPr kumimoji="1" lang="en-US" altLang="ja-JP" sz="4000" b="1">
+                <a:solidFill>
+                  <a:srgbClr val="FF0000"/>
+                </a:solidFill>
+              </a:rPr>
+              <a:t>/hello.php</a:t>
+            </a:r>
+            <a:endParaRPr kumimoji="1" lang="ja-JP" altLang="en-US" sz="4000" b="1">
+              <a:solidFill>
+                <a:srgbClr val="FF0000"/>
+              </a:solidFill>
+            </a:endParaRPr>
+          </a:p>
+        </p:txBody>
+      </p:sp>
+    </p:spTree>
+    <p:extLst>
+      <p:ext uri="{BB962C8B-B14F-4D97-AF65-F5344CB8AC3E}">
+        <p14:creationId xmlns:p14="http://schemas.microsoft.com/office/powerpoint/2010/main" val="2659312164"/>
+      </p:ext>
+    </p:extLst>
+  </p:cSld>
+  <p:clrMapOvr>
+    <a:masterClrMapping/>
+  </p:clrMapOvr>
+  <p:timing>
+    <p:tnLst>
+      <p:par>
+        <p:cTn xmlns:p14="http://schemas.microsoft.com/office/powerpoint/2010/main" id="1" dur="indefinite" restart="never" nodeType="tmRoot"/>
+      </p:par>
+    </p:tnLst>
+  </p:timing>
+</p:sld>
+</file>
+
+<file path=ppt/slides/slide28.xml><?xml version="1.0" encoding="utf-8"?>
+<p:sld xmlns:a="http://schemas.openxmlformats.org/drawingml/2006/main" xmlns:r="http://schemas.openxmlformats.org/officeDocument/2006/relationships" xmlns:p="http://schemas.openxmlformats.org/presentationml/2006/main">
+  <p:cSld>
+    <p:spTree>
+      <p:nvGrpSpPr>
+        <p:cNvPr id="1" name=""/>
+        <p:cNvGrpSpPr/>
+        <p:nvPr/>
+      </p:nvGrpSpPr>
+      <p:grpSpPr>
+        <a:xfrm>
+          <a:off x="0" y="0"/>
+          <a:ext cx="0" cy="0"/>
+          <a:chOff x="0" y="0"/>
+          <a:chExt cx="0" cy="0"/>
+        </a:xfrm>
+      </p:grpSpPr>
+      <p:sp>
+        <p:nvSpPr>
+          <p:cNvPr id="2" name="タイトル 1"/>
+          <p:cNvSpPr>
+            <a:spLocks noGrp="1"/>
+          </p:cNvSpPr>
+          <p:nvPr>
+            <p:ph type="title"/>
+          </p:nvPr>
+        </p:nvSpPr>
+        <p:spPr>
+          <a:xfrm>
+            <a:off x="0" y="-171400"/>
+            <a:ext cx="9144000" cy="1143000"/>
+          </a:xfrm>
+        </p:spPr>
+        <p:txBody>
+          <a:bodyPr>
+            <a:normAutofit/>
+          </a:bodyPr>
+          <a:lstStyle/>
+          <a:p>
+            <a:r>
+              <a:rPr kumimoji="1" lang="en-US" altLang="ja-JP"/>
+              <a:t>API</a:t>
+            </a:r>
+            <a:r>
+              <a:rPr kumimoji="1" lang="ja-JP" altLang="en-US"/>
+              <a:t>を作ってみる</a:t>
+            </a:r>
+            <a:r>
+              <a:rPr kumimoji="1" lang="en-US" altLang="ja-JP"/>
+              <a:t> (Client)</a:t>
+            </a:r>
+            <a:endParaRPr kumimoji="1" lang="ja-JP" altLang="en-US"/>
+          </a:p>
+        </p:txBody>
+      </p:sp>
+      <p:sp>
+        <p:nvSpPr>
+          <p:cNvPr id="5" name="コンテンツ プレースホルダー 2"/>
+          <p:cNvSpPr txBox="1">
+            <a:spLocks/>
+          </p:cNvSpPr>
+          <p:nvPr/>
+        </p:nvSpPr>
+        <p:spPr>
+          <a:xfrm>
+            <a:off x="0" y="1484784"/>
+            <a:ext cx="9144000" cy="5301208"/>
+          </a:xfrm>
+          <a:prstGeom prst="rect">
+            <a:avLst/>
+          </a:prstGeom>
+          <a:solidFill>
+            <a:schemeClr val="tx1"/>
+          </a:solidFill>
+        </p:spPr>
+        <p:txBody>
+          <a:bodyPr vert="horz" lIns="91440" tIns="45720" rIns="91440" bIns="45720" rtlCol="0">
+            <a:noAutofit/>
+          </a:bodyPr>
+          <a:lstStyle>
+            <a:lvl1pPr marL="342900" indent="-342900" algn="l" defTabSz="914400" rtl="0" eaLnBrk="1" latinLnBrk="0" hangingPunct="1">
+              <a:spcBef>
+                <a:spcPct val="20000"/>
+              </a:spcBef>
+              <a:buFont typeface="Arial" panose="020B0604020202020204" pitchFamily="34" charset="0"/>
+              <a:buChar char="•"/>
+              <a:defRPr kumimoji="1" sz="3200" kern="1200">
+                <a:solidFill>
+                  <a:srgbClr val="3E4057"/>
+                </a:solidFill>
+                <a:latin typeface="メイリオ" panose="020B0604030504040204" pitchFamily="50" charset="-128"/>
+                <a:ea typeface="メイリオ" panose="020B0604030504040204" pitchFamily="50" charset="-128"/>
+                <a:cs typeface="メイリオ" panose="020B0604030504040204" pitchFamily="50" charset="-128"/>
+              </a:defRPr>
+            </a:lvl1pPr>
+            <a:lvl2pPr marL="742950" indent="-285750" algn="l" defTabSz="914400" rtl="0" eaLnBrk="1" latinLnBrk="0" hangingPunct="1">
+              <a:spcBef>
+                <a:spcPct val="20000"/>
+              </a:spcBef>
+              <a:buFont typeface="Arial" panose="020B0604020202020204" pitchFamily="34" charset="0"/>
+              <a:buChar char="–"/>
+              <a:defRPr kumimoji="1" sz="2800" kern="1200">
+                <a:solidFill>
+                  <a:srgbClr val="3E4057"/>
+                </a:solidFill>
+                <a:latin typeface="メイリオ" panose="020B0604030504040204" pitchFamily="50" charset="-128"/>
+                <a:ea typeface="メイリオ" panose="020B0604030504040204" pitchFamily="50" charset="-128"/>
+                <a:cs typeface="メイリオ" panose="020B0604030504040204" pitchFamily="50" charset="-128"/>
+              </a:defRPr>
+            </a:lvl2pPr>
+            <a:lvl3pPr marL="1143000" indent="-228600" algn="l" defTabSz="914400" rtl="0" eaLnBrk="1" latinLnBrk="0" hangingPunct="1">
+              <a:spcBef>
+                <a:spcPct val="20000"/>
+              </a:spcBef>
+              <a:buFont typeface="Arial" panose="020B0604020202020204" pitchFamily="34" charset="0"/>
+              <a:buChar char="•"/>
+              <a:defRPr kumimoji="1" sz="2400" kern="1200">
+                <a:solidFill>
+                  <a:srgbClr val="3E4057"/>
+                </a:solidFill>
+                <a:latin typeface="メイリオ" panose="020B0604030504040204" pitchFamily="50" charset="-128"/>
+                <a:ea typeface="メイリオ" panose="020B0604030504040204" pitchFamily="50" charset="-128"/>
+                <a:cs typeface="メイリオ" panose="020B0604030504040204" pitchFamily="50" charset="-128"/>
+              </a:defRPr>
+            </a:lvl3pPr>
+            <a:lvl4pPr marL="1600200" indent="-228600" algn="l" defTabSz="914400" rtl="0" eaLnBrk="1" latinLnBrk="0" hangingPunct="1">
+              <a:spcBef>
+                <a:spcPct val="20000"/>
+              </a:spcBef>
+              <a:buFont typeface="Arial" panose="020B0604020202020204" pitchFamily="34" charset="0"/>
+              <a:buChar char="–"/>
+              <a:defRPr kumimoji="1" sz="2000" kern="1200">
+                <a:solidFill>
+                  <a:srgbClr val="3E4057"/>
+                </a:solidFill>
+                <a:latin typeface="メイリオ" panose="020B0604030504040204" pitchFamily="50" charset="-128"/>
+                <a:ea typeface="メイリオ" panose="020B0604030504040204" pitchFamily="50" charset="-128"/>
+                <a:cs typeface="メイリオ" panose="020B0604030504040204" pitchFamily="50" charset="-128"/>
+              </a:defRPr>
+            </a:lvl4pPr>
+            <a:lvl5pPr marL="2057400" indent="-228600" algn="l" defTabSz="914400" rtl="0" eaLnBrk="1" latinLnBrk="0" hangingPunct="1">
+              <a:spcBef>
+                <a:spcPct val="20000"/>
+              </a:spcBef>
+              <a:buFont typeface="Arial" panose="020B0604020202020204" pitchFamily="34" charset="0"/>
+              <a:buChar char="»"/>
+              <a:defRPr kumimoji="1" sz="2000" kern="1200">
+                <a:solidFill>
+                  <a:srgbClr val="3E4057"/>
+                </a:solidFill>
+                <a:latin typeface="メイリオ" panose="020B0604030504040204" pitchFamily="50" charset="-128"/>
+                <a:ea typeface="メイリオ" panose="020B0604030504040204" pitchFamily="50" charset="-128"/>
+                <a:cs typeface="メイリオ" panose="020B0604030504040204" pitchFamily="50" charset="-128"/>
+              </a:defRPr>
+            </a:lvl5pPr>
+            <a:lvl6pPr marL="2514600" indent="-228600" algn="l" defTabSz="914400" rtl="0" eaLnBrk="1" latinLnBrk="0" hangingPunct="1">
+              <a:spcBef>
+                <a:spcPct val="20000"/>
+              </a:spcBef>
+              <a:buFont typeface="Arial" panose="020B0604020202020204" pitchFamily="34" charset="0"/>
+              <a:buChar char="•"/>
+              <a:defRPr kumimoji="1" sz="2000" kern="1200">
+                <a:solidFill>
+                  <a:schemeClr val="tx1"/>
+                </a:solidFill>
+                <a:latin typeface="+mn-lt"/>
+                <a:ea typeface="+mn-ea"/>
+                <a:cs typeface="+mn-cs"/>
+              </a:defRPr>
+            </a:lvl6pPr>
+            <a:lvl7pPr marL="2971800" indent="-228600" algn="l" defTabSz="914400" rtl="0" eaLnBrk="1" latinLnBrk="0" hangingPunct="1">
+              <a:spcBef>
+                <a:spcPct val="20000"/>
+              </a:spcBef>
+              <a:buFont typeface="Arial" panose="020B0604020202020204" pitchFamily="34" charset="0"/>
+              <a:buChar char="•"/>
+              <a:defRPr kumimoji="1" sz="2000" kern="1200">
+                <a:solidFill>
+                  <a:schemeClr val="tx1"/>
+                </a:solidFill>
+                <a:latin typeface="+mn-lt"/>
+                <a:ea typeface="+mn-ea"/>
+                <a:cs typeface="+mn-cs"/>
+              </a:defRPr>
+            </a:lvl7pPr>
+            <a:lvl8pPr marL="3429000" indent="-228600" algn="l" defTabSz="914400" rtl="0" eaLnBrk="1" latinLnBrk="0" hangingPunct="1">
+              <a:spcBef>
+                <a:spcPct val="20000"/>
+              </a:spcBef>
+              <a:buFont typeface="Arial" panose="020B0604020202020204" pitchFamily="34" charset="0"/>
+              <a:buChar char="•"/>
+              <a:defRPr kumimoji="1" sz="2000" kern="1200">
+                <a:solidFill>
+                  <a:schemeClr val="tx1"/>
+                </a:solidFill>
+                <a:latin typeface="+mn-lt"/>
+                <a:ea typeface="+mn-ea"/>
+                <a:cs typeface="+mn-cs"/>
+              </a:defRPr>
+            </a:lvl8pPr>
+            <a:lvl9pPr marL="3886200" indent="-228600" algn="l" defTabSz="914400" rtl="0" eaLnBrk="1" latinLnBrk="0" hangingPunct="1">
+              <a:spcBef>
+                <a:spcPct val="20000"/>
+              </a:spcBef>
+              <a:buFont typeface="Arial" panose="020B0604020202020204" pitchFamily="34" charset="0"/>
+              <a:buChar char="•"/>
+              <a:defRPr kumimoji="1" sz="2000" kern="1200">
+                <a:solidFill>
+                  <a:schemeClr val="tx1"/>
+                </a:solidFill>
+                <a:latin typeface="+mn-lt"/>
+                <a:ea typeface="+mn-ea"/>
+                <a:cs typeface="+mn-cs"/>
+              </a:defRPr>
+            </a:lvl9pPr>
+          </a:lstStyle>
+          <a:p>
+            <a:pPr marL="0" indent="0">
+              <a:buNone/>
+            </a:pPr>
+            <a:r>
+              <a:rPr lang="en-US" altLang="ja-JP" sz="2000" dirty="0">
+                <a:solidFill>
+                  <a:schemeClr val="bg1"/>
+                </a:solidFill>
+              </a:rPr>
+              <a:t>&lt;div id="result"&gt;&lt;/div&gt;</a:t>
+            </a:r>
+          </a:p>
+          <a:p>
+            <a:pPr marL="0" indent="0">
+              <a:buNone/>
+            </a:pPr>
+            <a:endParaRPr lang="en-US" altLang="ja-JP" sz="2000" dirty="0">
+              <a:solidFill>
+                <a:schemeClr val="bg1"/>
+              </a:solidFill>
+            </a:endParaRPr>
+          </a:p>
+          <a:p>
+            <a:pPr marL="0" indent="0">
+              <a:buNone/>
+            </a:pPr>
+            <a:r>
+              <a:rPr lang="en-US" altLang="ja-JP" sz="2000" dirty="0">
+                <a:solidFill>
+                  <a:schemeClr val="bg1"/>
+                </a:solidFill>
+              </a:rPr>
+              <a:t>&lt;script src="js/jquery-3.1.1.min.js"&gt;&lt;/script&gt;</a:t>
+            </a:r>
+          </a:p>
+          <a:p>
+            <a:pPr marL="0" indent="0">
+              <a:buNone/>
+            </a:pPr>
+            <a:r>
+              <a:rPr lang="en-US" altLang="ja-JP" sz="2000" dirty="0">
+                <a:solidFill>
+                  <a:schemeClr val="bg1"/>
+                </a:solidFill>
+              </a:rPr>
+              <a:t>&lt;script&gt;</a:t>
+            </a:r>
+          </a:p>
+          <a:p>
+            <a:pPr marL="0" indent="0">
+              <a:buNone/>
+            </a:pPr>
+            <a:r>
+              <a:rPr lang="en-US" altLang="ja-JP" sz="2000" dirty="0">
+                <a:solidFill>
+                  <a:schemeClr val="bg1"/>
+                </a:solidFill>
+              </a:rPr>
+              <a:t>$(document).ready(function(){</a:t>
+            </a:r>
+          </a:p>
+          <a:p>
+            <a:pPr marL="0" indent="0">
+              <a:buNone/>
+            </a:pPr>
+            <a:r>
+              <a:rPr lang="en-US" altLang="ja-JP" sz="2000" dirty="0">
+                <a:solidFill>
+                  <a:schemeClr val="bg1"/>
+                </a:solidFill>
+              </a:rPr>
+              <a:t>    $.ajax({</a:t>
+            </a:r>
+          </a:p>
+          <a:p>
+            <a:pPr marL="0" indent="0">
+              <a:buNone/>
+            </a:pPr>
+            <a:r>
+              <a:rPr lang="en-US" altLang="ja-JP" sz="2000" dirty="0">
+                <a:solidFill>
+                  <a:schemeClr val="bg1"/>
+                </a:solidFill>
+              </a:rPr>
+              <a:t>                   url: "http://</a:t>
+            </a:r>
+            <a:r>
+              <a:rPr lang="en-US" altLang="ja-JP" sz="2000" b="1" dirty="0">
+                <a:solidFill>
+                  <a:srgbClr val="FF0000"/>
+                </a:solidFill>
+              </a:rPr>
+              <a:t>【IP</a:t>
+            </a:r>
+            <a:r>
+              <a:rPr lang="ja-JP" altLang="en-US" sz="2000" b="1" dirty="0">
+                <a:solidFill>
+                  <a:srgbClr val="FF0000"/>
+                </a:solidFill>
+              </a:rPr>
+              <a:t>アドレス</a:t>
+            </a:r>
+            <a:r>
+              <a:rPr lang="en-US" altLang="ja-JP" sz="2000" b="1" dirty="0">
+                <a:solidFill>
+                  <a:srgbClr val="FF0000"/>
+                </a:solidFill>
+              </a:rPr>
+              <a:t>】</a:t>
+            </a:r>
+            <a:r>
+              <a:rPr lang="en-US" altLang="ja-JP" sz="2000" dirty="0">
+                <a:solidFill>
+                  <a:schemeClr val="bg1"/>
+                </a:solidFill>
+              </a:rPr>
+              <a:t>/api/hello.php"</a:t>
+            </a:r>
+          </a:p>
+          <a:p>
+            <a:pPr marL="0" indent="0">
+              <a:buNone/>
+            </a:pPr>
+            <a:r>
+              <a:rPr lang="en-US" altLang="ja-JP" sz="2000" dirty="0">
+                <a:solidFill>
+                  <a:schemeClr val="bg1"/>
+                </a:solidFill>
+              </a:rPr>
+              <a:t>        , dataType: "json"</a:t>
+            </a:r>
+          </a:p>
+          <a:p>
+            <a:pPr marL="0" indent="0">
+              <a:buNone/>
+            </a:pPr>
+            <a:r>
+              <a:rPr lang="en-US" altLang="ja-JP" sz="2000" dirty="0">
+                <a:solidFill>
+                  <a:schemeClr val="bg1"/>
+                </a:solidFill>
+              </a:rPr>
+              <a:t>        ,   success: function( json ) {</a:t>
+            </a:r>
+          </a:p>
+          <a:p>
+            <a:pPr marL="0" indent="0">
+              <a:buNone/>
+            </a:pPr>
+            <a:r>
+              <a:rPr lang="en-US" altLang="ja-JP" sz="2000" dirty="0">
+                <a:solidFill>
+                  <a:schemeClr val="bg1"/>
+                </a:solidFill>
+              </a:rPr>
+              <a:t>                           $("#result").html( json["str1"] + json["str2"] + "!" );</a:t>
+            </a:r>
+          </a:p>
+          <a:p>
+            <a:pPr marL="0" indent="0">
+              <a:buNone/>
+            </a:pPr>
+            <a:r>
+              <a:rPr lang="en-US" altLang="ja-JP" sz="2000" dirty="0">
+                <a:solidFill>
+                  <a:schemeClr val="bg1"/>
+                </a:solidFill>
+              </a:rPr>
+              <a:t>                        </a:t>
+            </a:r>
+            <a:r>
+              <a:rPr lang="ja-JP" altLang="en-US" sz="2000" dirty="0">
+                <a:solidFill>
+                  <a:schemeClr val="bg1"/>
+                </a:solidFill>
+              </a:rPr>
+              <a:t> </a:t>
+            </a:r>
+            <a:r>
+              <a:rPr lang="en-US" altLang="ja-JP" sz="2000" dirty="0">
+                <a:solidFill>
+                  <a:schemeClr val="bg1"/>
+                </a:solidFill>
+              </a:rPr>
+              <a:t> }</a:t>
+            </a:r>
+          </a:p>
+          <a:p>
+            <a:pPr marL="0" indent="0">
+              <a:buNone/>
+            </a:pPr>
+            <a:r>
+              <a:rPr lang="en-US" altLang="ja-JP" sz="2000" dirty="0">
+                <a:solidFill>
+                  <a:schemeClr val="bg1"/>
+                </a:solidFill>
+              </a:rPr>
+              <a:t>    });</a:t>
+            </a:r>
+          </a:p>
+          <a:p>
+            <a:pPr marL="0" indent="0">
+              <a:buNone/>
+            </a:pPr>
+            <a:r>
+              <a:rPr lang="en-US" altLang="ja-JP" sz="2000" dirty="0">
+                <a:solidFill>
+                  <a:schemeClr val="bg1"/>
+                </a:solidFill>
+              </a:rPr>
+              <a:t>});</a:t>
+            </a:r>
+          </a:p>
+          <a:p>
+            <a:pPr marL="0" indent="0">
+              <a:buNone/>
+            </a:pPr>
+            <a:r>
+              <a:rPr lang="en-US" altLang="ja-JP" sz="2000" dirty="0">
+                <a:solidFill>
+                  <a:schemeClr val="bg1"/>
+                </a:solidFill>
+              </a:rPr>
+              <a:t>&lt;/script&gt;</a:t>
+            </a:r>
+          </a:p>
+        </p:txBody>
+      </p:sp>
+      <p:sp>
+        <p:nvSpPr>
+          <p:cNvPr id="6" name="テキスト ボックス 5"/>
+          <p:cNvSpPr txBox="1"/>
+          <p:nvPr/>
+        </p:nvSpPr>
+        <p:spPr>
+          <a:xfrm>
+            <a:off x="10572" y="764704"/>
+            <a:ext cx="5137695" cy="707886"/>
+          </a:xfrm>
+          <a:prstGeom prst="rect">
+            <a:avLst/>
+          </a:prstGeom>
+          <a:noFill/>
+        </p:spPr>
+        <p:txBody>
+          <a:bodyPr wrap="none" rtlCol="0">
+            <a:spAutoFit/>
+          </a:bodyPr>
+          <a:lstStyle/>
+          <a:p>
+            <a:r>
+              <a:rPr lang="ja-JP" altLang="ja-JP" sz="4000"/>
+              <a:t>W</a:t>
+            </a:r>
+            <a:r>
+              <a:rPr lang="en-US" altLang="ja-JP" sz="4000"/>
+              <a:t>indows</a:t>
+            </a:r>
+            <a:r>
+              <a:rPr lang="ja-JP" altLang="en-US" sz="4000"/>
+              <a:t>の任意の場所</a:t>
+            </a:r>
+            <a:endParaRPr kumimoji="1" lang="ja-JP" altLang="en-US" sz="4000"/>
+          </a:p>
+        </p:txBody>
+      </p:sp>
+    </p:spTree>
+    <p:extLst>
+      <p:ext uri="{BB962C8B-B14F-4D97-AF65-F5344CB8AC3E}">
+        <p14:creationId xmlns:p14="http://schemas.microsoft.com/office/powerpoint/2010/main" val="2287576051"/>
+      </p:ext>
+    </p:extLst>
+  </p:cSld>
+  <p:clrMapOvr>
+    <a:masterClrMapping/>
+  </p:clrMapOvr>
+  <p:timing>
+    <p:tnLst>
+      <p:par>
+        <p:cTn xmlns:p14="http://schemas.microsoft.com/office/powerpoint/2010/main" id="1" dur="indefinite" restart="never" nodeType="tmRoot"/>
+      </p:par>
+    </p:tnLst>
+  </p:timing>
+</p:sld>
+</file>
+
 <file path=ppt/slides/slide29.xml><?xml version="1.0" encoding="utf-8"?>
 <p:sld xmlns:a="http://schemas.openxmlformats.org/drawingml/2006/main" xmlns:r="http://schemas.openxmlformats.org/officeDocument/2006/relationships" xmlns:p="http://schemas.openxmlformats.org/presentationml/2006/main">
   <p:cSld>
@@ -18505,7 +19200,7 @@
         </p:nvSpPr>
         <p:spPr>
           <a:xfrm>
-            <a:off x="0" y="-90264"/>
+            <a:off x="0" y="-171400"/>
             <a:ext cx="9144000" cy="1143000"/>
           </a:xfrm>
         </p:spPr>
@@ -18521,11 +19216,11 @@
             </a:r>
             <a:r>
               <a:rPr kumimoji="1" lang="ja-JP" altLang="en-US"/>
-              <a:t>を作ってみる </a:t>
+              <a:t>を作ってみる</a:t>
             </a:r>
             <a:r>
               <a:rPr kumimoji="1" lang="en-US" altLang="ja-JP"/>
-              <a:t>(Server)</a:t>
+              <a:t> (Client)</a:t>
             </a:r>
             <a:endParaRPr kumimoji="1" lang="ja-JP" altLang="en-US"/>
           </a:p>
@@ -18541,8 +19236,8 @@
         </p:nvSpPr>
         <p:spPr>
           <a:xfrm>
-            <a:off x="34896" y="1844824"/>
-            <a:ext cx="9144000" cy="4752528"/>
+            <a:off x="0" y="1484784"/>
+            <a:ext cx="9144000" cy="5301208"/>
           </a:xfrm>
           <a:prstGeom prst="rect">
             <a:avLst/>
@@ -18697,149 +19392,19 @@
               <a:buNone/>
             </a:pPr>
             <a:r>
-              <a:rPr lang="en-US" altLang="ja-JP" dirty="0">
+              <a:rPr lang="en-US" altLang="ja-JP" sz="2000" dirty="0">
                 <a:solidFill>
                   <a:schemeClr val="bg1"/>
                 </a:solidFill>
               </a:rPr>
-              <a:t>&lt;?php</a:t>
+              <a:t>&lt;div id="result"&gt;&lt;/div&gt;</a:t>
             </a:r>
           </a:p>
           <a:p>
             <a:pPr marL="0" indent="0">
               <a:buNone/>
             </a:pPr>
-            <a:r>
-              <a:rPr lang="ja-JP" altLang="ja-JP" dirty="0">
-                <a:solidFill>
-                  <a:schemeClr val="bg1"/>
-                </a:solidFill>
-              </a:rPr>
-              <a:t>$d</a:t>
-            </a:r>
-            <a:r>
-              <a:rPr lang="en-US" altLang="ja-JP" dirty="0">
-                <a:solidFill>
-                  <a:schemeClr val="bg1"/>
-                </a:solidFill>
-              </a:rPr>
-              <a:t>ata</a:t>
-            </a:r>
-            <a:r>
-              <a:rPr lang="ja-JP" altLang="en-US" dirty="0">
-                <a:solidFill>
-                  <a:schemeClr val="bg1"/>
-                </a:solidFill>
-              </a:rPr>
-              <a:t> </a:t>
-            </a:r>
-            <a:r>
-              <a:rPr lang="en-US" altLang="ja-JP" dirty="0">
-                <a:solidFill>
-                  <a:schemeClr val="bg1"/>
-                </a:solidFill>
-              </a:rPr>
-              <a:t>=</a:t>
-            </a:r>
-            <a:r>
-              <a:rPr lang="ja-JP" altLang="en-US" dirty="0">
-                <a:solidFill>
-                  <a:schemeClr val="bg1"/>
-                </a:solidFill>
-              </a:rPr>
-              <a:t> </a:t>
-            </a:r>
-            <a:r>
-              <a:rPr lang="en-US" altLang="ja-JP" dirty="0">
-                <a:solidFill>
-                  <a:schemeClr val="bg1"/>
-                </a:solidFill>
-              </a:rPr>
-              <a:t>[</a:t>
-            </a:r>
-          </a:p>
-          <a:p>
-            <a:pPr marL="0" indent="0">
-              <a:buNone/>
-            </a:pPr>
-            <a:r>
-              <a:rPr lang="ja-JP" altLang="ja-JP" dirty="0">
-                <a:solidFill>
-                  <a:schemeClr val="bg1"/>
-                </a:solidFill>
-              </a:rPr>
-              <a:t> </a:t>
-            </a:r>
-            <a:r>
-              <a:rPr lang="ja-JP" altLang="en-US" dirty="0">
-                <a:solidFill>
-                  <a:schemeClr val="bg1"/>
-                </a:solidFill>
-              </a:rPr>
-              <a:t>    </a:t>
-            </a:r>
-            <a:r>
-              <a:rPr lang="en-US" altLang="ja-JP" dirty="0">
-                <a:solidFill>
-                  <a:schemeClr val="bg1"/>
-                </a:solidFill>
-              </a:rPr>
-              <a:t>'str1'=&gt;'Hello'</a:t>
-            </a:r>
-          </a:p>
-          <a:p>
-            <a:pPr marL="0" indent="0">
-              <a:buNone/>
-            </a:pPr>
-            <a:r>
-              <a:rPr lang="ja-JP" altLang="en-US" dirty="0">
-                <a:solidFill>
-                  <a:schemeClr val="bg1"/>
-                </a:solidFill>
-              </a:rPr>
-              <a:t>   </a:t>
-            </a:r>
-            <a:r>
-              <a:rPr lang="en-US" altLang="ja-JP" dirty="0">
-                <a:solidFill>
-                  <a:schemeClr val="bg1"/>
-                </a:solidFill>
-              </a:rPr>
-              <a:t>,</a:t>
-            </a:r>
-            <a:r>
-              <a:rPr lang="ja-JP" altLang="en-US" dirty="0">
-                <a:solidFill>
-                  <a:schemeClr val="bg1"/>
-                </a:solidFill>
-              </a:rPr>
-              <a:t> </a:t>
-            </a:r>
-            <a:r>
-              <a:rPr lang="en-US" altLang="ja-JP" dirty="0">
-                <a:solidFill>
-                  <a:schemeClr val="bg1"/>
-                </a:solidFill>
-              </a:rPr>
-              <a:t>'str2'=&gt;'World'</a:t>
-            </a:r>
-            <a:r>
-              <a:rPr lang="ja-JP" altLang="ja-JP" dirty="0">
-                <a:solidFill>
-                  <a:schemeClr val="bg1"/>
-                </a:solidFill>
-              </a:rPr>
-              <a:t> </a:t>
-            </a:r>
-            <a:r>
-              <a:rPr lang="ja-JP" altLang="en-US" dirty="0">
-                <a:solidFill>
-                  <a:schemeClr val="bg1"/>
-                </a:solidFill>
-              </a:rPr>
-              <a:t>   </a:t>
-            </a:r>
-            <a:endParaRPr lang="en-US" altLang="ja-JP" dirty="0">
+            <a:endParaRPr lang="en-US" altLang="ja-JP" sz="2000" dirty="0">
               <a:solidFill>
                 <a:schemeClr val="bg1"/>
               </a:solidFill>
@@ -18850,12 +19415,12 @@
               <a:buNone/>
             </a:pPr>
             <a:r>
-              <a:rPr lang="en-US" altLang="ja-JP" dirty="0">
+              <a:rPr lang="en-US" altLang="ja-JP" sz="2000" dirty="0">
                 <a:solidFill>
                   <a:schemeClr val="bg1"/>
                 </a:solidFill>
               </a:rPr>
-              <a:t>];</a:t>
+              <a:t>&lt;script src="js/jquery-3.1.1.min.js"&gt;&lt;/script&gt;</a:t>
             </a:r>
           </a:p>
           <a:p>
@@ -18863,35 +19428,206 @@
               <a:buNone/>
             </a:pPr>
             <a:r>
-              <a:rPr lang="en-US" altLang="ja-JP" dirty="0">
+              <a:rPr lang="en-US" altLang="ja-JP" sz="2000" dirty="0">
                 <a:solidFill>
                   <a:schemeClr val="bg1"/>
                 </a:solidFill>
               </a:rPr>
-              <a:t>$json = json_encode($data);</a:t>
+              <a:t>&lt;script&gt;</a:t>
             </a:r>
           </a:p>
           <a:p>
             <a:pPr marL="0" indent="0">
               <a:buNone/>
             </a:pPr>
-            <a:endParaRPr lang="en-US" altLang="ja-JP" dirty="0">
-              <a:solidFill>
-                <a:schemeClr val="bg1"/>
-              </a:solidFill>
-            </a:endParaRPr>
+            <a:r>
+              <a:rPr lang="en-US" altLang="ja-JP" sz="2000" dirty="0">
+                <a:solidFill>
+                  <a:schemeClr val="bg1"/>
+                </a:solidFill>
+              </a:rPr>
+              <a:t>$(document).ready(function(){</a:t>
+            </a:r>
           </a:p>
           <a:p>
             <a:pPr marL="0" indent="0">
               <a:buNone/>
             </a:pPr>
             <a:r>
-              <a:rPr lang="en-US" altLang="ja-JP" dirty="0">
+              <a:rPr lang="en-US" altLang="ja-JP" sz="2000" dirty="0">
                 <a:solidFill>
                   <a:schemeClr val="bg1"/>
                 </a:solidFill>
               </a:rPr>
-              <a:t>print $json;</a:t>
+              <a:t>    $.ajax({</a:t>
+            </a:r>
+          </a:p>
+          <a:p>
+            <a:pPr marL="0" indent="0">
+              <a:buNone/>
+            </a:pPr>
+            <a:r>
+              <a:rPr lang="en-US" altLang="ja-JP" sz="2000" dirty="0">
+                <a:solidFill>
+                  <a:schemeClr val="bg1"/>
+                </a:solidFill>
+              </a:rPr>
+              <a:t>          </a:t>
+            </a:r>
+            <a:r>
+              <a:rPr lang="ja-JP" altLang="en-US" sz="2000" dirty="0">
+                <a:solidFill>
+                  <a:schemeClr val="bg1"/>
+                </a:solidFill>
+              </a:rPr>
+              <a:t>         </a:t>
+            </a:r>
+            <a:r>
+              <a:rPr lang="en-US" altLang="ja-JP" sz="2000" dirty="0">
+                <a:solidFill>
+                  <a:schemeClr val="bg1"/>
+                </a:solidFill>
+              </a:rPr>
+              <a:t>url: "/api/hello.php"</a:t>
+            </a:r>
+          </a:p>
+          <a:p>
+            <a:pPr marL="0" indent="0">
+              <a:buNone/>
+            </a:pPr>
+            <a:r>
+              <a:rPr lang="en-US" altLang="ja-JP" sz="2000" dirty="0">
+                <a:solidFill>
+                  <a:schemeClr val="bg1"/>
+                </a:solidFill>
+              </a:rPr>
+              <a:t>        , dataType: "json"</a:t>
+            </a:r>
+          </a:p>
+          <a:p>
+            <a:pPr marL="0" indent="0">
+              <a:buNone/>
+            </a:pPr>
+            <a:r>
+              <a:rPr lang="en-US" altLang="ja-JP" sz="2000" dirty="0">
+                <a:solidFill>
+                  <a:schemeClr val="bg1"/>
+                </a:solidFill>
+              </a:rPr>
+              <a:t>        , </a:t>
+            </a:r>
+            <a:r>
+              <a:rPr lang="ja-JP" altLang="en-US" sz="2000" dirty="0">
+                <a:solidFill>
+                  <a:schemeClr val="bg1"/>
+                </a:solidFill>
+              </a:rPr>
+              <a:t>  </a:t>
+            </a:r>
+            <a:r>
+              <a:rPr lang="en-US" altLang="ja-JP" sz="2000" dirty="0">
+                <a:solidFill>
+                  <a:schemeClr val="bg1"/>
+                </a:solidFill>
+              </a:rPr>
+              <a:t>success: function( json ) {</a:t>
+            </a:r>
+          </a:p>
+          <a:p>
+            <a:pPr marL="0" indent="0">
+              <a:buNone/>
+            </a:pPr>
+            <a:r>
+              <a:rPr lang="en-US" altLang="ja-JP" sz="2000" dirty="0">
+                <a:solidFill>
+                  <a:schemeClr val="bg1"/>
+                </a:solidFill>
+              </a:rPr>
+              <a:t>            </a:t>
+            </a:r>
+            <a:r>
+              <a:rPr lang="ja-JP" altLang="en-US" sz="2000" dirty="0">
+                <a:solidFill>
+                  <a:schemeClr val="bg1"/>
+                </a:solidFill>
+              </a:rPr>
+              <a:t>           </a:t>
+            </a:r>
+            <a:r>
+              <a:rPr lang="en-US" altLang="ja-JP" sz="2000" dirty="0">
+                <a:solidFill>
+                  <a:schemeClr val="bg1"/>
+                </a:solidFill>
+              </a:rPr>
+              <a:t>    $("#result").html( json["str1"] + json["str2"] + "!" );</a:t>
+            </a:r>
+          </a:p>
+          <a:p>
+            <a:pPr marL="0" indent="0">
+              <a:buNone/>
+            </a:pPr>
+            <a:r>
+              <a:rPr lang="en-US" altLang="ja-JP" sz="2000" dirty="0">
+                <a:solidFill>
+                  <a:schemeClr val="bg1"/>
+                </a:solidFill>
+              </a:rPr>
+              <a:t>        </a:t>
+            </a:r>
+            <a:r>
+              <a:rPr lang="ja-JP" altLang="en-US" sz="2000" dirty="0">
+                <a:solidFill>
+                  <a:schemeClr val="bg1"/>
+                </a:solidFill>
+              </a:rPr>
+              <a:t>                  </a:t>
+            </a:r>
+            <a:r>
+              <a:rPr lang="en-US" altLang="ja-JP" sz="2000" dirty="0">
+                <a:solidFill>
+                  <a:schemeClr val="bg1"/>
+                </a:solidFill>
+              </a:rPr>
+              <a:t>}</a:t>
+            </a:r>
+          </a:p>
+          <a:p>
+            <a:pPr marL="0" indent="0">
+              <a:buNone/>
+            </a:pPr>
+            <a:r>
+              <a:rPr lang="en-US" altLang="ja-JP" sz="2000" dirty="0">
+                <a:solidFill>
+                  <a:schemeClr val="bg1"/>
+                </a:solidFill>
+              </a:rPr>
+              <a:t>    });</a:t>
+            </a:r>
+          </a:p>
+          <a:p>
+            <a:pPr marL="0" indent="0">
+              <a:buNone/>
+            </a:pPr>
+            <a:r>
+              <a:rPr lang="en-US" altLang="ja-JP" sz="2000" dirty="0">
+                <a:solidFill>
+                  <a:schemeClr val="bg1"/>
+                </a:solidFill>
+              </a:rPr>
+              <a:t>});</a:t>
+            </a:r>
+          </a:p>
+          <a:p>
+            <a:pPr marL="0" indent="0">
+              <a:buNone/>
+            </a:pPr>
+            <a:r>
+              <a:rPr lang="en-US" altLang="ja-JP" sz="2000" dirty="0">
+                <a:solidFill>
+                  <a:schemeClr val="bg1"/>
+                </a:solidFill>
+              </a:rPr>
+              <a:t>&lt;/script&gt;</a:t>
             </a:r>
           </a:p>
         </p:txBody>
@@ -18904,8 +19640,8 @@
         </p:nvSpPr>
         <p:spPr>
           <a:xfrm>
-            <a:off x="10572" y="1052736"/>
-            <a:ext cx="6732081" cy="830997"/>
+            <a:off x="10572" y="764704"/>
+            <a:ext cx="5137695" cy="707886"/>
           </a:xfrm>
           <a:prstGeom prst="rect">
             <a:avLst/>
@@ -18919,26 +19655,116 @@
           <a:lstStyle/>
           <a:p>
             <a:r>
-              <a:rPr kumimoji="1" lang="en-US" altLang="ja-JP" sz="4000"/>
-              <a:t>/var/www/html/</a:t>
-            </a:r>
-            <a:r>
-              <a:rPr kumimoji="1" lang="en-US" altLang="ja-JP" sz="4800" b="1">
+              <a:rPr lang="ja-JP" altLang="ja-JP" sz="4000"/>
+              <a:t>W</a:t>
+            </a:r>
+            <a:r>
+              <a:rPr lang="en-US" altLang="ja-JP" sz="4000"/>
+              <a:t>indows</a:t>
+            </a:r>
+            <a:r>
+              <a:rPr lang="ja-JP" altLang="en-US" sz="4000"/>
+              <a:t>の任意の場所</a:t>
+            </a:r>
+          </a:p>
+        </p:txBody>
+      </p:sp>
+      <p:sp>
+        <p:nvSpPr>
+          <p:cNvPr id="3" name="テキスト ボックス 2"/>
+          <p:cNvSpPr txBox="1"/>
+          <p:nvPr/>
+        </p:nvSpPr>
+        <p:spPr>
+          <a:xfrm>
+            <a:off x="3275856" y="1484784"/>
+            <a:ext cx="2329559" cy="369332"/>
+          </a:xfrm>
+          <a:prstGeom prst="rect">
+            <a:avLst/>
+          </a:prstGeom>
+          <a:noFill/>
+        </p:spPr>
+        <p:txBody>
+          <a:bodyPr wrap="none" rtlCol="0">
+            <a:spAutoFit/>
+          </a:bodyPr>
+          <a:lstStyle/>
+          <a:p>
+            <a:r>
+              <a:rPr kumimoji="1" lang="en-US" altLang="ja-JP">
                 <a:solidFill>
                   <a:srgbClr val="FF0000"/>
                 </a:solidFill>
               </a:rPr>
-              <a:t>api</a:t>
-            </a:r>
-            <a:r>
-              <a:rPr kumimoji="1" lang="en-US" altLang="ja-JP" sz="4000" b="1">
+              <a:t>←</a:t>
+            </a:r>
+            <a:r>
+              <a:rPr kumimoji="1" lang="ja-JP" altLang="en-US">
                 <a:solidFill>
                   <a:srgbClr val="FF0000"/>
                 </a:solidFill>
               </a:rPr>
-              <a:t>/hello.php</a:t>
-            </a:r>
-            <a:endParaRPr kumimoji="1" lang="ja-JP" altLang="en-US" sz="4000" b="1">
+              <a:t>結果を格納するタグ</a:t>
+            </a:r>
+          </a:p>
+        </p:txBody>
+      </p:sp>
+      <p:sp>
+        <p:nvSpPr>
+          <p:cNvPr id="7" name="テキスト ボックス 6"/>
+          <p:cNvSpPr txBox="1"/>
+          <p:nvPr/>
+        </p:nvSpPr>
+        <p:spPr>
+          <a:xfrm>
+            <a:off x="6012160" y="2267580"/>
+            <a:ext cx="2382082" cy="369332"/>
+          </a:xfrm>
+          <a:prstGeom prst="rect">
+            <a:avLst/>
+          </a:prstGeom>
+          <a:noFill/>
+        </p:spPr>
+        <p:txBody>
+          <a:bodyPr wrap="none" rtlCol="0">
+            <a:spAutoFit/>
+          </a:bodyPr>
+          <a:lstStyle/>
+          <a:p>
+            <a:r>
+              <a:rPr kumimoji="1" lang="en-US" altLang="ja-JP">
+                <a:solidFill>
+                  <a:srgbClr val="FF0000"/>
+                </a:solidFill>
+              </a:rPr>
+              <a:t>←</a:t>
+            </a:r>
+            <a:r>
+              <a:rPr lang="ja-JP" altLang="en-US">
+                <a:solidFill>
+                  <a:srgbClr val="FF0000"/>
+                </a:solidFill>
+              </a:rPr>
+              <a:t>外部の</a:t>
+            </a:r>
+            <a:r>
+              <a:rPr lang="en-US" altLang="ja-JP">
+                <a:solidFill>
+                  <a:srgbClr val="FF0000"/>
+                </a:solidFill>
+              </a:rPr>
+              <a:t>JS</a:t>
+            </a:r>
+            <a:r>
+              <a:rPr lang="ja-JP" altLang="en-US">
+                <a:solidFill>
+                  <a:srgbClr val="FF0000"/>
+                </a:solidFill>
+              </a:rPr>
+              <a:t>を読み込む</a:t>
+            </a:r>
+            <a:endParaRPr kumimoji="1" lang="ja-JP" altLang="en-US">
               <a:solidFill>
                 <a:srgbClr val="FF0000"/>
               </a:solidFill>
@@ -18946,10 +19772,221 @@
           </a:p>
         </p:txBody>
       </p:sp>
+      <p:sp>
+        <p:nvSpPr>
+          <p:cNvPr id="8" name="テキスト ボックス 7"/>
+          <p:cNvSpPr txBox="1"/>
+          <p:nvPr/>
+        </p:nvSpPr>
+        <p:spPr>
+          <a:xfrm>
+            <a:off x="4644008" y="3717032"/>
+            <a:ext cx="1313180" cy="369332"/>
+          </a:xfrm>
+          <a:prstGeom prst="rect">
+            <a:avLst/>
+          </a:prstGeom>
+          <a:noFill/>
+        </p:spPr>
+        <p:txBody>
+          <a:bodyPr wrap="none" rtlCol="0">
+            <a:spAutoFit/>
+          </a:bodyPr>
+          <a:lstStyle/>
+          <a:p>
+            <a:r>
+              <a:rPr kumimoji="1" lang="en-US" altLang="ja-JP">
+                <a:solidFill>
+                  <a:srgbClr val="FF0000"/>
+                </a:solidFill>
+              </a:rPr>
+              <a:t>←API</a:t>
+            </a:r>
+            <a:r>
+              <a:rPr kumimoji="1" lang="ja-JP" altLang="en-US">
+                <a:solidFill>
+                  <a:srgbClr val="FF0000"/>
+                </a:solidFill>
+              </a:rPr>
+              <a:t>の</a:t>
+            </a:r>
+            <a:r>
+              <a:rPr kumimoji="1" lang="en-US" altLang="ja-JP">
+                <a:solidFill>
+                  <a:srgbClr val="FF0000"/>
+                </a:solidFill>
+              </a:rPr>
+              <a:t>URL</a:t>
+            </a:r>
+            <a:endParaRPr kumimoji="1" lang="ja-JP" altLang="en-US">
+              <a:solidFill>
+                <a:srgbClr val="FF0000"/>
+              </a:solidFill>
+            </a:endParaRPr>
+          </a:p>
+        </p:txBody>
+      </p:sp>
+      <p:sp>
+        <p:nvSpPr>
+          <p:cNvPr id="9" name="テキスト ボックス 8"/>
+          <p:cNvSpPr txBox="1"/>
+          <p:nvPr/>
+        </p:nvSpPr>
+        <p:spPr>
+          <a:xfrm>
+            <a:off x="4644008" y="4077072"/>
+            <a:ext cx="2900216" cy="369332"/>
+          </a:xfrm>
+          <a:prstGeom prst="rect">
+            <a:avLst/>
+          </a:prstGeom>
+          <a:noFill/>
+        </p:spPr>
+        <p:txBody>
+          <a:bodyPr wrap="none" rtlCol="0">
+            <a:spAutoFit/>
+          </a:bodyPr>
+          <a:lstStyle/>
+          <a:p>
+            <a:r>
+              <a:rPr kumimoji="1" lang="en-US" altLang="ja-JP">
+                <a:solidFill>
+                  <a:srgbClr val="FF0000"/>
+                </a:solidFill>
+              </a:rPr>
+              <a:t>←API</a:t>
+            </a:r>
+            <a:r>
+              <a:rPr lang="ja-JP" altLang="en-US">
+                <a:solidFill>
+                  <a:srgbClr val="FF0000"/>
+                </a:solidFill>
+              </a:rPr>
+              <a:t>が返却するデータ形式</a:t>
+            </a:r>
+            <a:endParaRPr kumimoji="1" lang="ja-JP" altLang="en-US">
+              <a:solidFill>
+                <a:srgbClr val="FF0000"/>
+              </a:solidFill>
+            </a:endParaRPr>
+          </a:p>
+        </p:txBody>
+      </p:sp>
+      <p:sp>
+        <p:nvSpPr>
+          <p:cNvPr id="10" name="テキスト ボックス 9"/>
+          <p:cNvSpPr txBox="1"/>
+          <p:nvPr/>
+        </p:nvSpPr>
+        <p:spPr>
+          <a:xfrm>
+            <a:off x="4644008" y="4437112"/>
+            <a:ext cx="4373350" cy="369332"/>
+          </a:xfrm>
+          <a:prstGeom prst="rect">
+            <a:avLst/>
+          </a:prstGeom>
+          <a:noFill/>
+        </p:spPr>
+        <p:txBody>
+          <a:bodyPr wrap="none" rtlCol="0">
+            <a:spAutoFit/>
+          </a:bodyPr>
+          <a:lstStyle/>
+          <a:p>
+            <a:r>
+              <a:rPr kumimoji="1" lang="en-US" altLang="ja-JP">
+                <a:solidFill>
+                  <a:srgbClr val="FF0000"/>
+                </a:solidFill>
+              </a:rPr>
+              <a:t>←API</a:t>
+            </a:r>
+            <a:r>
+              <a:rPr kumimoji="1" lang="ja-JP" altLang="en-US">
+                <a:solidFill>
+                  <a:srgbClr val="FF0000"/>
+                </a:solidFill>
+              </a:rPr>
+              <a:t>へのリクエストが成功時</a:t>
+            </a:r>
+            <a:r>
+              <a:rPr kumimoji="1" lang="en-US" altLang="ja-JP">
+                <a:solidFill>
+                  <a:srgbClr val="FF0000"/>
+                </a:solidFill>
+              </a:rPr>
+              <a:t>success</a:t>
+            </a:r>
+            <a:r>
+              <a:rPr lang="ja-JP" altLang="en-US">
+                <a:solidFill>
+                  <a:srgbClr val="FF0000"/>
+                </a:solidFill>
+              </a:rPr>
+              <a:t>を</a:t>
+            </a:r>
+            <a:r>
+              <a:rPr kumimoji="1" lang="ja-JP" altLang="en-US">
+                <a:solidFill>
+                  <a:srgbClr val="FF0000"/>
+                </a:solidFill>
+              </a:rPr>
+              <a:t>実行</a:t>
+            </a:r>
+          </a:p>
+        </p:txBody>
+      </p:sp>
+      <p:sp>
+        <p:nvSpPr>
+          <p:cNvPr id="11" name="テキスト ボックス 10"/>
+          <p:cNvSpPr txBox="1"/>
+          <p:nvPr/>
+        </p:nvSpPr>
+        <p:spPr>
+          <a:xfrm>
+            <a:off x="4067944" y="2987660"/>
+            <a:ext cx="3436833" cy="369332"/>
+          </a:xfrm>
+          <a:prstGeom prst="rect">
+            <a:avLst/>
+          </a:prstGeom>
+          <a:noFill/>
+        </p:spPr>
+        <p:txBody>
+          <a:bodyPr wrap="none" rtlCol="0">
+            <a:spAutoFit/>
+          </a:bodyPr>
+          <a:lstStyle/>
+          <a:p>
+            <a:r>
+              <a:rPr kumimoji="1" lang="en-US" altLang="ja-JP">
+                <a:solidFill>
+                  <a:srgbClr val="FF0000"/>
+                </a:solidFill>
+              </a:rPr>
+              <a:t>←</a:t>
+            </a:r>
+            <a:r>
+              <a:rPr kumimoji="1" lang="ja-JP" altLang="en-US">
+                <a:solidFill>
+                  <a:srgbClr val="FF0000"/>
+                </a:solidFill>
+              </a:rPr>
+              <a:t>読み込み完了のイベントで実行</a:t>
+            </a:r>
+            <a:endParaRPr kumimoji="1" lang="en-US" altLang="ja-JP">
+              <a:solidFill>
+                <a:srgbClr val="FF0000"/>
+              </a:solidFill>
+            </a:endParaRPr>
+          </a:p>
+        </p:txBody>
+      </p:sp>
     </p:spTree>
     <p:extLst>
       <p:ext uri="{BB962C8B-B14F-4D97-AF65-F5344CB8AC3E}">
-        <p14:creationId xmlns:p14="http://schemas.microsoft.com/office/powerpoint/2010/main" val="2659312164"/>
+        <p14:creationId xmlns:p14="http://schemas.microsoft.com/office/powerpoint/2010/main" val="3818966753"/>
       </p:ext>
     </p:extLst>
   </p:cSld>
@@ -19034,1341 +20071,6 @@
 </file>
 
 <file path=ppt/slides/slide30.xml><?xml version="1.0" encoding="utf-8"?>
-<p:sld xmlns:a="http://schemas.openxmlformats.org/drawingml/2006/main" xmlns:r="http://schemas.openxmlformats.org/officeDocument/2006/relationships" xmlns:p="http://schemas.openxmlformats.org/presentationml/2006/main">
-  <p:cSld>
-    <p:spTree>
-      <p:nvGrpSpPr>
-        <p:cNvPr id="1" name=""/>
-        <p:cNvGrpSpPr/>
-        <p:nvPr/>
-      </p:nvGrpSpPr>
-      <p:grpSpPr>
-        <a:xfrm>
-          <a:off x="0" y="0"/>
-          <a:ext cx="0" cy="0"/>
-          <a:chOff x="0" y="0"/>
-          <a:chExt cx="0" cy="0"/>
-        </a:xfrm>
-      </p:grpSpPr>
-      <p:sp>
-        <p:nvSpPr>
-          <p:cNvPr id="2" name="タイトル 1"/>
-          <p:cNvSpPr>
-            <a:spLocks noGrp="1"/>
-          </p:cNvSpPr>
-          <p:nvPr>
-            <p:ph type="title"/>
-          </p:nvPr>
-        </p:nvSpPr>
-        <p:spPr>
-          <a:xfrm>
-            <a:off x="0" y="-171400"/>
-            <a:ext cx="9144000" cy="1143000"/>
-          </a:xfrm>
-        </p:spPr>
-        <p:txBody>
-          <a:bodyPr>
-            <a:normAutofit/>
-          </a:bodyPr>
-          <a:lstStyle/>
-          <a:p>
-            <a:r>
-              <a:rPr kumimoji="1" lang="en-US" altLang="ja-JP"/>
-              <a:t>API</a:t>
-            </a:r>
-            <a:r>
-              <a:rPr kumimoji="1" lang="ja-JP" altLang="en-US"/>
-              <a:t>を作ってみる</a:t>
-            </a:r>
-            <a:r>
-              <a:rPr kumimoji="1" lang="en-US" altLang="ja-JP"/>
-              <a:t> (Client)</a:t>
-            </a:r>
-            <a:endParaRPr kumimoji="1" lang="ja-JP" altLang="en-US"/>
-          </a:p>
-        </p:txBody>
-      </p:sp>
-      <p:sp>
-        <p:nvSpPr>
-          <p:cNvPr id="5" name="コンテンツ プレースホルダー 2"/>
-          <p:cNvSpPr txBox="1">
-            <a:spLocks/>
-          </p:cNvSpPr>
-          <p:nvPr/>
-        </p:nvSpPr>
-        <p:spPr>
-          <a:xfrm>
-            <a:off x="0" y="1484784"/>
-            <a:ext cx="9144000" cy="5301208"/>
-          </a:xfrm>
-          <a:prstGeom prst="rect">
-            <a:avLst/>
-          </a:prstGeom>
-          <a:solidFill>
-            <a:schemeClr val="tx1"/>
-          </a:solidFill>
-        </p:spPr>
-        <p:txBody>
-          <a:bodyPr vert="horz" lIns="91440" tIns="45720" rIns="91440" bIns="45720" rtlCol="0">
-            <a:noAutofit/>
-          </a:bodyPr>
-          <a:lstStyle>
-            <a:lvl1pPr marL="342900" indent="-342900" algn="l" defTabSz="914400" rtl="0" eaLnBrk="1" latinLnBrk="0" hangingPunct="1">
-              <a:spcBef>
-                <a:spcPct val="20000"/>
-              </a:spcBef>
-              <a:buFont typeface="Arial" panose="020B0604020202020204" pitchFamily="34" charset="0"/>
-              <a:buChar char="•"/>
-              <a:defRPr kumimoji="1" sz="3200" kern="1200">
-                <a:solidFill>
-                  <a:srgbClr val="3E4057"/>
-                </a:solidFill>
-                <a:latin typeface="メイリオ" panose="020B0604030504040204" pitchFamily="50" charset="-128"/>
-                <a:ea typeface="メイリオ" panose="020B0604030504040204" pitchFamily="50" charset="-128"/>
-                <a:cs typeface="メイリオ" panose="020B0604030504040204" pitchFamily="50" charset="-128"/>
-              </a:defRPr>
-            </a:lvl1pPr>
-            <a:lvl2pPr marL="742950" indent="-285750" algn="l" defTabSz="914400" rtl="0" eaLnBrk="1" latinLnBrk="0" hangingPunct="1">
-              <a:spcBef>
-                <a:spcPct val="20000"/>
-              </a:spcBef>
-              <a:buFont typeface="Arial" panose="020B0604020202020204" pitchFamily="34" charset="0"/>
-              <a:buChar char="–"/>
-              <a:defRPr kumimoji="1" sz="2800" kern="1200">
-                <a:solidFill>
-                  <a:srgbClr val="3E4057"/>
-                </a:solidFill>
-                <a:latin typeface="メイリオ" panose="020B0604030504040204" pitchFamily="50" charset="-128"/>
-                <a:ea typeface="メイリオ" panose="020B0604030504040204" pitchFamily="50" charset="-128"/>
-                <a:cs typeface="メイリオ" panose="020B0604030504040204" pitchFamily="50" charset="-128"/>
-              </a:defRPr>
-            </a:lvl2pPr>
-            <a:lvl3pPr marL="1143000" indent="-228600" algn="l" defTabSz="914400" rtl="0" eaLnBrk="1" latinLnBrk="0" hangingPunct="1">
-              <a:spcBef>
-                <a:spcPct val="20000"/>
-              </a:spcBef>
-              <a:buFont typeface="Arial" panose="020B0604020202020204" pitchFamily="34" charset="0"/>
-              <a:buChar char="•"/>
-              <a:defRPr kumimoji="1" sz="2400" kern="1200">
-                <a:solidFill>
-                  <a:srgbClr val="3E4057"/>
-                </a:solidFill>
-                <a:latin typeface="メイリオ" panose="020B0604030504040204" pitchFamily="50" charset="-128"/>
-                <a:ea typeface="メイリオ" panose="020B0604030504040204" pitchFamily="50" charset="-128"/>
-                <a:cs typeface="メイリオ" panose="020B0604030504040204" pitchFamily="50" charset="-128"/>
-              </a:defRPr>
-            </a:lvl3pPr>
-            <a:lvl4pPr marL="1600200" indent="-228600" algn="l" defTabSz="914400" rtl="0" eaLnBrk="1" latinLnBrk="0" hangingPunct="1">
-              <a:spcBef>
-                <a:spcPct val="20000"/>
-              </a:spcBef>
-              <a:buFont typeface="Arial" panose="020B0604020202020204" pitchFamily="34" charset="0"/>
-              <a:buChar char="–"/>
-              <a:defRPr kumimoji="1" sz="2000" kern="1200">
-                <a:solidFill>
-                  <a:srgbClr val="3E4057"/>
-                </a:solidFill>
-                <a:latin typeface="メイリオ" panose="020B0604030504040204" pitchFamily="50" charset="-128"/>
-                <a:ea typeface="メイリオ" panose="020B0604030504040204" pitchFamily="50" charset="-128"/>
-                <a:cs typeface="メイリオ" panose="020B0604030504040204" pitchFamily="50" charset="-128"/>
-              </a:defRPr>
-            </a:lvl4pPr>
-            <a:lvl5pPr marL="2057400" indent="-228600" algn="l" defTabSz="914400" rtl="0" eaLnBrk="1" latinLnBrk="0" hangingPunct="1">
-              <a:spcBef>
-                <a:spcPct val="20000"/>
-              </a:spcBef>
-              <a:buFont typeface="Arial" panose="020B0604020202020204" pitchFamily="34" charset="0"/>
-              <a:buChar char="»"/>
-              <a:defRPr kumimoji="1" sz="2000" kern="1200">
-                <a:solidFill>
-                  <a:srgbClr val="3E4057"/>
-                </a:solidFill>
-                <a:latin typeface="メイリオ" panose="020B0604030504040204" pitchFamily="50" charset="-128"/>
-                <a:ea typeface="メイリオ" panose="020B0604030504040204" pitchFamily="50" charset="-128"/>
-                <a:cs typeface="メイリオ" panose="020B0604030504040204" pitchFamily="50" charset="-128"/>
-              </a:defRPr>
-            </a:lvl5pPr>
-            <a:lvl6pPr marL="2514600" indent="-228600" algn="l" defTabSz="914400" rtl="0" eaLnBrk="1" latinLnBrk="0" hangingPunct="1">
-              <a:spcBef>
-                <a:spcPct val="20000"/>
-              </a:spcBef>
-              <a:buFont typeface="Arial" panose="020B0604020202020204" pitchFamily="34" charset="0"/>
-              <a:buChar char="•"/>
-              <a:defRPr kumimoji="1" sz="2000" kern="1200">
-                <a:solidFill>
-                  <a:schemeClr val="tx1"/>
-                </a:solidFill>
-                <a:latin typeface="+mn-lt"/>
-                <a:ea typeface="+mn-ea"/>
-                <a:cs typeface="+mn-cs"/>
-              </a:defRPr>
-            </a:lvl6pPr>
-            <a:lvl7pPr marL="2971800" indent="-228600" algn="l" defTabSz="914400" rtl="0" eaLnBrk="1" latinLnBrk="0" hangingPunct="1">
-              <a:spcBef>
-                <a:spcPct val="20000"/>
-              </a:spcBef>
-              <a:buFont typeface="Arial" panose="020B0604020202020204" pitchFamily="34" charset="0"/>
-              <a:buChar char="•"/>
-              <a:defRPr kumimoji="1" sz="2000" kern="1200">
-                <a:solidFill>
-                  <a:schemeClr val="tx1"/>
-                </a:solidFill>
-                <a:latin typeface="+mn-lt"/>
-                <a:ea typeface="+mn-ea"/>
-                <a:cs typeface="+mn-cs"/>
-              </a:defRPr>
-            </a:lvl7pPr>
-            <a:lvl8pPr marL="3429000" indent="-228600" algn="l" defTabSz="914400" rtl="0" eaLnBrk="1" latinLnBrk="0" hangingPunct="1">
-              <a:spcBef>
-                <a:spcPct val="20000"/>
-              </a:spcBef>
-              <a:buFont typeface="Arial" panose="020B0604020202020204" pitchFamily="34" charset="0"/>
-              <a:buChar char="•"/>
-              <a:defRPr kumimoji="1" sz="2000" kern="1200">
-                <a:solidFill>
-                  <a:schemeClr val="tx1"/>
-                </a:solidFill>
-                <a:latin typeface="+mn-lt"/>
-                <a:ea typeface="+mn-ea"/>
-                <a:cs typeface="+mn-cs"/>
-              </a:defRPr>
-            </a:lvl8pPr>
-            <a:lvl9pPr marL="3886200" indent="-228600" algn="l" defTabSz="914400" rtl="0" eaLnBrk="1" latinLnBrk="0" hangingPunct="1">
-              <a:spcBef>
-                <a:spcPct val="20000"/>
-              </a:spcBef>
-              <a:buFont typeface="Arial" panose="020B0604020202020204" pitchFamily="34" charset="0"/>
-              <a:buChar char="•"/>
-              <a:defRPr kumimoji="1" sz="2000" kern="1200">
-                <a:solidFill>
-                  <a:schemeClr val="tx1"/>
-                </a:solidFill>
-                <a:latin typeface="+mn-lt"/>
-                <a:ea typeface="+mn-ea"/>
-                <a:cs typeface="+mn-cs"/>
-              </a:defRPr>
-            </a:lvl9pPr>
-          </a:lstStyle>
-          <a:p>
-            <a:pPr marL="0" indent="0">
-              <a:buNone/>
-            </a:pPr>
-            <a:r>
-              <a:rPr lang="en-US" altLang="ja-JP" sz="2000" dirty="0">
-                <a:solidFill>
-                  <a:schemeClr val="bg1"/>
-                </a:solidFill>
-              </a:rPr>
-              <a:t>&lt;div id="result"&gt;&lt;/div&gt;</a:t>
-            </a:r>
-          </a:p>
-          <a:p>
-            <a:pPr marL="0" indent="0">
-              <a:buNone/>
-            </a:pPr>
-            <a:endParaRPr lang="en-US" altLang="ja-JP" sz="2000" dirty="0">
-              <a:solidFill>
-                <a:schemeClr val="bg1"/>
-              </a:solidFill>
-            </a:endParaRPr>
-          </a:p>
-          <a:p>
-            <a:pPr marL="0" indent="0">
-              <a:buNone/>
-            </a:pPr>
-            <a:r>
-              <a:rPr lang="en-US" altLang="ja-JP" sz="2000" dirty="0">
-                <a:solidFill>
-                  <a:schemeClr val="bg1"/>
-                </a:solidFill>
-              </a:rPr>
-              <a:t>&lt;script src="js/jquery-3.1.1.min.js"&gt;&lt;/script&gt;</a:t>
-            </a:r>
-          </a:p>
-          <a:p>
-            <a:pPr marL="0" indent="0">
-              <a:buNone/>
-            </a:pPr>
-            <a:r>
-              <a:rPr lang="en-US" altLang="ja-JP" sz="2000" dirty="0">
-                <a:solidFill>
-                  <a:schemeClr val="bg1"/>
-                </a:solidFill>
-              </a:rPr>
-              <a:t>&lt;script&gt;</a:t>
-            </a:r>
-          </a:p>
-          <a:p>
-            <a:pPr marL="0" indent="0">
-              <a:buNone/>
-            </a:pPr>
-            <a:r>
-              <a:rPr lang="en-US" altLang="ja-JP" sz="2000" dirty="0">
-                <a:solidFill>
-                  <a:schemeClr val="bg1"/>
-                </a:solidFill>
-              </a:rPr>
-              <a:t>$(document).ready(function(){</a:t>
-            </a:r>
-          </a:p>
-          <a:p>
-            <a:pPr marL="0" indent="0">
-              <a:buNone/>
-            </a:pPr>
-            <a:r>
-              <a:rPr lang="en-US" altLang="ja-JP" sz="2000" dirty="0">
-                <a:solidFill>
-                  <a:schemeClr val="bg1"/>
-                </a:solidFill>
-              </a:rPr>
-              <a:t>    $.ajax({</a:t>
-            </a:r>
-          </a:p>
-          <a:p>
-            <a:pPr marL="0" indent="0">
-              <a:buNone/>
-            </a:pPr>
-            <a:r>
-              <a:rPr lang="en-US" altLang="ja-JP" sz="2000" dirty="0">
-                <a:solidFill>
-                  <a:schemeClr val="bg1"/>
-                </a:solidFill>
-              </a:rPr>
-              <a:t>                   url: "http://</a:t>
-            </a:r>
-            <a:r>
-              <a:rPr lang="en-US" altLang="ja-JP" sz="2000" b="1" dirty="0">
-                <a:solidFill>
-                  <a:srgbClr val="FF0000"/>
-                </a:solidFill>
-              </a:rPr>
-              <a:t>【IP</a:t>
-            </a:r>
-            <a:r>
-              <a:rPr lang="ja-JP" altLang="en-US" sz="2000" b="1" dirty="0">
-                <a:solidFill>
-                  <a:srgbClr val="FF0000"/>
-                </a:solidFill>
-              </a:rPr>
-              <a:t>アドレス</a:t>
-            </a:r>
-            <a:r>
-              <a:rPr lang="en-US" altLang="ja-JP" sz="2000" b="1" dirty="0">
-                <a:solidFill>
-                  <a:srgbClr val="FF0000"/>
-                </a:solidFill>
-              </a:rPr>
-              <a:t>】</a:t>
-            </a:r>
-            <a:r>
-              <a:rPr lang="en-US" altLang="ja-JP" sz="2000" dirty="0">
-                <a:solidFill>
-                  <a:schemeClr val="bg1"/>
-                </a:solidFill>
-              </a:rPr>
-              <a:t>/api/hello.php"</a:t>
-            </a:r>
-          </a:p>
-          <a:p>
-            <a:pPr marL="0" indent="0">
-              <a:buNone/>
-            </a:pPr>
-            <a:r>
-              <a:rPr lang="en-US" altLang="ja-JP" sz="2000" dirty="0">
-                <a:solidFill>
-                  <a:schemeClr val="bg1"/>
-                </a:solidFill>
-              </a:rPr>
-              <a:t>        , dataType: "json"</a:t>
-            </a:r>
-          </a:p>
-          <a:p>
-            <a:pPr marL="0" indent="0">
-              <a:buNone/>
-            </a:pPr>
-            <a:r>
-              <a:rPr lang="en-US" altLang="ja-JP" sz="2000" dirty="0">
-                <a:solidFill>
-                  <a:schemeClr val="bg1"/>
-                </a:solidFill>
-              </a:rPr>
-              <a:t>        ,   success: function( json ) {</a:t>
-            </a:r>
-          </a:p>
-          <a:p>
-            <a:pPr marL="0" indent="0">
-              <a:buNone/>
-            </a:pPr>
-            <a:r>
-              <a:rPr lang="en-US" altLang="ja-JP" sz="2000" dirty="0">
-                <a:solidFill>
-                  <a:schemeClr val="bg1"/>
-                </a:solidFill>
-              </a:rPr>
-              <a:t>                           $("#result").html( json["str1"] + json["str2"] + "!" );</a:t>
-            </a:r>
-          </a:p>
-          <a:p>
-            <a:pPr marL="0" indent="0">
-              <a:buNone/>
-            </a:pPr>
-            <a:r>
-              <a:rPr lang="en-US" altLang="ja-JP" sz="2000" dirty="0">
-                <a:solidFill>
-                  <a:schemeClr val="bg1"/>
-                </a:solidFill>
-              </a:rPr>
-              <a:t>                        </a:t>
-            </a:r>
-            <a:r>
-              <a:rPr lang="ja-JP" altLang="en-US" sz="2000" dirty="0">
-                <a:solidFill>
-                  <a:schemeClr val="bg1"/>
-                </a:solidFill>
-              </a:rPr>
-              <a:t> </a:t>
-            </a:r>
-            <a:r>
-              <a:rPr lang="en-US" altLang="ja-JP" sz="2000" dirty="0">
-                <a:solidFill>
-                  <a:schemeClr val="bg1"/>
-                </a:solidFill>
-              </a:rPr>
-              <a:t> }</a:t>
-            </a:r>
-          </a:p>
-          <a:p>
-            <a:pPr marL="0" indent="0">
-              <a:buNone/>
-            </a:pPr>
-            <a:r>
-              <a:rPr lang="en-US" altLang="ja-JP" sz="2000" dirty="0">
-                <a:solidFill>
-                  <a:schemeClr val="bg1"/>
-                </a:solidFill>
-              </a:rPr>
-              <a:t>    });</a:t>
-            </a:r>
-          </a:p>
-          <a:p>
-            <a:pPr marL="0" indent="0">
-              <a:buNone/>
-            </a:pPr>
-            <a:r>
-              <a:rPr lang="en-US" altLang="ja-JP" sz="2000" dirty="0">
-                <a:solidFill>
-                  <a:schemeClr val="bg1"/>
-                </a:solidFill>
-              </a:rPr>
-              <a:t>});</a:t>
-            </a:r>
-          </a:p>
-          <a:p>
-            <a:pPr marL="0" indent="0">
-              <a:buNone/>
-            </a:pPr>
-            <a:r>
-              <a:rPr lang="en-US" altLang="ja-JP" sz="2000" dirty="0">
-                <a:solidFill>
-                  <a:schemeClr val="bg1"/>
-                </a:solidFill>
-              </a:rPr>
-              <a:t>&lt;/script&gt;</a:t>
-            </a:r>
-          </a:p>
-        </p:txBody>
-      </p:sp>
-      <p:sp>
-        <p:nvSpPr>
-          <p:cNvPr id="6" name="テキスト ボックス 5"/>
-          <p:cNvSpPr txBox="1"/>
-          <p:nvPr/>
-        </p:nvSpPr>
-        <p:spPr>
-          <a:xfrm>
-            <a:off x="10572" y="764704"/>
-            <a:ext cx="5137695" cy="707886"/>
-          </a:xfrm>
-          <a:prstGeom prst="rect">
-            <a:avLst/>
-          </a:prstGeom>
-          <a:noFill/>
-        </p:spPr>
-        <p:txBody>
-          <a:bodyPr wrap="none" rtlCol="0">
-            <a:spAutoFit/>
-          </a:bodyPr>
-          <a:lstStyle/>
-          <a:p>
-            <a:r>
-              <a:rPr lang="ja-JP" altLang="ja-JP" sz="4000"/>
-              <a:t>W</a:t>
-            </a:r>
-            <a:r>
-              <a:rPr lang="en-US" altLang="ja-JP" sz="4000"/>
-              <a:t>indows</a:t>
-            </a:r>
-            <a:r>
-              <a:rPr lang="ja-JP" altLang="en-US" sz="4000"/>
-              <a:t>の任意の場所</a:t>
-            </a:r>
-            <a:endParaRPr kumimoji="1" lang="ja-JP" altLang="en-US" sz="4000"/>
-          </a:p>
-        </p:txBody>
-      </p:sp>
-    </p:spTree>
-    <p:extLst>
-      <p:ext uri="{BB962C8B-B14F-4D97-AF65-F5344CB8AC3E}">
-        <p14:creationId xmlns:p14="http://schemas.microsoft.com/office/powerpoint/2010/main" val="2287576051"/>
-      </p:ext>
-    </p:extLst>
-  </p:cSld>
-  <p:clrMapOvr>
-    <a:masterClrMapping/>
-  </p:clrMapOvr>
-  <p:timing>
-    <p:tnLst>
-      <p:par>
-        <p:cTn xmlns:p14="http://schemas.microsoft.com/office/powerpoint/2010/main" id="1" dur="indefinite" restart="never" nodeType="tmRoot"/>
-      </p:par>
-    </p:tnLst>
-  </p:timing>
-</p:sld>
-</file>
-
-<file path=ppt/slides/slide31.xml><?xml version="1.0" encoding="utf-8"?>
-<p:sld xmlns:a="http://schemas.openxmlformats.org/drawingml/2006/main" xmlns:r="http://schemas.openxmlformats.org/officeDocument/2006/relationships" xmlns:p="http://schemas.openxmlformats.org/presentationml/2006/main">
-  <p:cSld>
-    <p:spTree>
-      <p:nvGrpSpPr>
-        <p:cNvPr id="1" name=""/>
-        <p:cNvGrpSpPr/>
-        <p:nvPr/>
-      </p:nvGrpSpPr>
-      <p:grpSpPr>
-        <a:xfrm>
-          <a:off x="0" y="0"/>
-          <a:ext cx="0" cy="0"/>
-          <a:chOff x="0" y="0"/>
-          <a:chExt cx="0" cy="0"/>
-        </a:xfrm>
-      </p:grpSpPr>
-      <p:sp>
-        <p:nvSpPr>
-          <p:cNvPr id="2" name="タイトル 1"/>
-          <p:cNvSpPr>
-            <a:spLocks noGrp="1"/>
-          </p:cNvSpPr>
-          <p:nvPr>
-            <p:ph type="title"/>
-          </p:nvPr>
-        </p:nvSpPr>
-        <p:spPr>
-          <a:xfrm>
-            <a:off x="0" y="-171400"/>
-            <a:ext cx="9144000" cy="1143000"/>
-          </a:xfrm>
-        </p:spPr>
-        <p:txBody>
-          <a:bodyPr>
-            <a:normAutofit/>
-          </a:bodyPr>
-          <a:lstStyle/>
-          <a:p>
-            <a:r>
-              <a:rPr kumimoji="1" lang="en-US" altLang="ja-JP"/>
-              <a:t>API</a:t>
-            </a:r>
-            <a:r>
-              <a:rPr kumimoji="1" lang="ja-JP" altLang="en-US"/>
-              <a:t>を作ってみる</a:t>
-            </a:r>
-            <a:r>
-              <a:rPr kumimoji="1" lang="en-US" altLang="ja-JP"/>
-              <a:t> (Client)</a:t>
-            </a:r>
-            <a:endParaRPr kumimoji="1" lang="ja-JP" altLang="en-US"/>
-          </a:p>
-        </p:txBody>
-      </p:sp>
-      <p:sp>
-        <p:nvSpPr>
-          <p:cNvPr id="5" name="コンテンツ プレースホルダー 2"/>
-          <p:cNvSpPr txBox="1">
-            <a:spLocks/>
-          </p:cNvSpPr>
-          <p:nvPr/>
-        </p:nvSpPr>
-        <p:spPr>
-          <a:xfrm>
-            <a:off x="0" y="1484784"/>
-            <a:ext cx="9144000" cy="5301208"/>
-          </a:xfrm>
-          <a:prstGeom prst="rect">
-            <a:avLst/>
-          </a:prstGeom>
-          <a:solidFill>
-            <a:schemeClr val="tx1"/>
-          </a:solidFill>
-        </p:spPr>
-        <p:txBody>
-          <a:bodyPr vert="horz" lIns="91440" tIns="45720" rIns="91440" bIns="45720" rtlCol="0">
-            <a:noAutofit/>
-          </a:bodyPr>
-          <a:lstStyle>
-            <a:lvl1pPr marL="342900" indent="-342900" algn="l" defTabSz="914400" rtl="0" eaLnBrk="1" latinLnBrk="0" hangingPunct="1">
-              <a:spcBef>
-                <a:spcPct val="20000"/>
-              </a:spcBef>
-              <a:buFont typeface="Arial" panose="020B0604020202020204" pitchFamily="34" charset="0"/>
-              <a:buChar char="•"/>
-              <a:defRPr kumimoji="1" sz="3200" kern="1200">
-                <a:solidFill>
-                  <a:srgbClr val="3E4057"/>
-                </a:solidFill>
-                <a:latin typeface="メイリオ" panose="020B0604030504040204" pitchFamily="50" charset="-128"/>
-                <a:ea typeface="メイリオ" panose="020B0604030504040204" pitchFamily="50" charset="-128"/>
-                <a:cs typeface="メイリオ" panose="020B0604030504040204" pitchFamily="50" charset="-128"/>
-              </a:defRPr>
-            </a:lvl1pPr>
-            <a:lvl2pPr marL="742950" indent="-285750" algn="l" defTabSz="914400" rtl="0" eaLnBrk="1" latinLnBrk="0" hangingPunct="1">
-              <a:spcBef>
-                <a:spcPct val="20000"/>
-              </a:spcBef>
-              <a:buFont typeface="Arial" panose="020B0604020202020204" pitchFamily="34" charset="0"/>
-              <a:buChar char="–"/>
-              <a:defRPr kumimoji="1" sz="2800" kern="1200">
-                <a:solidFill>
-                  <a:srgbClr val="3E4057"/>
-                </a:solidFill>
-                <a:latin typeface="メイリオ" panose="020B0604030504040204" pitchFamily="50" charset="-128"/>
-                <a:ea typeface="メイリオ" panose="020B0604030504040204" pitchFamily="50" charset="-128"/>
-                <a:cs typeface="メイリオ" panose="020B0604030504040204" pitchFamily="50" charset="-128"/>
-              </a:defRPr>
-            </a:lvl2pPr>
-            <a:lvl3pPr marL="1143000" indent="-228600" algn="l" defTabSz="914400" rtl="0" eaLnBrk="1" latinLnBrk="0" hangingPunct="1">
-              <a:spcBef>
-                <a:spcPct val="20000"/>
-              </a:spcBef>
-              <a:buFont typeface="Arial" panose="020B0604020202020204" pitchFamily="34" charset="0"/>
-              <a:buChar char="•"/>
-              <a:defRPr kumimoji="1" sz="2400" kern="1200">
-                <a:solidFill>
-                  <a:srgbClr val="3E4057"/>
-                </a:solidFill>
-                <a:latin typeface="メイリオ" panose="020B0604030504040204" pitchFamily="50" charset="-128"/>
-                <a:ea typeface="メイリオ" panose="020B0604030504040204" pitchFamily="50" charset="-128"/>
-                <a:cs typeface="メイリオ" panose="020B0604030504040204" pitchFamily="50" charset="-128"/>
-              </a:defRPr>
-            </a:lvl3pPr>
-            <a:lvl4pPr marL="1600200" indent="-228600" algn="l" defTabSz="914400" rtl="0" eaLnBrk="1" latinLnBrk="0" hangingPunct="1">
-              <a:spcBef>
-                <a:spcPct val="20000"/>
-              </a:spcBef>
-              <a:buFont typeface="Arial" panose="020B0604020202020204" pitchFamily="34" charset="0"/>
-              <a:buChar char="–"/>
-              <a:defRPr kumimoji="1" sz="2000" kern="1200">
-                <a:solidFill>
-                  <a:srgbClr val="3E4057"/>
-                </a:solidFill>
-                <a:latin typeface="メイリオ" panose="020B0604030504040204" pitchFamily="50" charset="-128"/>
-                <a:ea typeface="メイリオ" panose="020B0604030504040204" pitchFamily="50" charset="-128"/>
-                <a:cs typeface="メイリオ" panose="020B0604030504040204" pitchFamily="50" charset="-128"/>
-              </a:defRPr>
-            </a:lvl4pPr>
-            <a:lvl5pPr marL="2057400" indent="-228600" algn="l" defTabSz="914400" rtl="0" eaLnBrk="1" latinLnBrk="0" hangingPunct="1">
-              <a:spcBef>
-                <a:spcPct val="20000"/>
-              </a:spcBef>
-              <a:buFont typeface="Arial" panose="020B0604020202020204" pitchFamily="34" charset="0"/>
-              <a:buChar char="»"/>
-              <a:defRPr kumimoji="1" sz="2000" kern="1200">
-                <a:solidFill>
-                  <a:srgbClr val="3E4057"/>
-                </a:solidFill>
-                <a:latin typeface="メイリオ" panose="020B0604030504040204" pitchFamily="50" charset="-128"/>
-                <a:ea typeface="メイリオ" panose="020B0604030504040204" pitchFamily="50" charset="-128"/>
-                <a:cs typeface="メイリオ" panose="020B0604030504040204" pitchFamily="50" charset="-128"/>
-              </a:defRPr>
-            </a:lvl5pPr>
-            <a:lvl6pPr marL="2514600" indent="-228600" algn="l" defTabSz="914400" rtl="0" eaLnBrk="1" latinLnBrk="0" hangingPunct="1">
-              <a:spcBef>
-                <a:spcPct val="20000"/>
-              </a:spcBef>
-              <a:buFont typeface="Arial" panose="020B0604020202020204" pitchFamily="34" charset="0"/>
-              <a:buChar char="•"/>
-              <a:defRPr kumimoji="1" sz="2000" kern="1200">
-                <a:solidFill>
-                  <a:schemeClr val="tx1"/>
-                </a:solidFill>
-                <a:latin typeface="+mn-lt"/>
-                <a:ea typeface="+mn-ea"/>
-                <a:cs typeface="+mn-cs"/>
-              </a:defRPr>
-            </a:lvl6pPr>
-            <a:lvl7pPr marL="2971800" indent="-228600" algn="l" defTabSz="914400" rtl="0" eaLnBrk="1" latinLnBrk="0" hangingPunct="1">
-              <a:spcBef>
-                <a:spcPct val="20000"/>
-              </a:spcBef>
-              <a:buFont typeface="Arial" panose="020B0604020202020204" pitchFamily="34" charset="0"/>
-              <a:buChar char="•"/>
-              <a:defRPr kumimoji="1" sz="2000" kern="1200">
-                <a:solidFill>
-                  <a:schemeClr val="tx1"/>
-                </a:solidFill>
-                <a:latin typeface="+mn-lt"/>
-                <a:ea typeface="+mn-ea"/>
-                <a:cs typeface="+mn-cs"/>
-              </a:defRPr>
-            </a:lvl7pPr>
-            <a:lvl8pPr marL="3429000" indent="-228600" algn="l" defTabSz="914400" rtl="0" eaLnBrk="1" latinLnBrk="0" hangingPunct="1">
-              <a:spcBef>
-                <a:spcPct val="20000"/>
-              </a:spcBef>
-              <a:buFont typeface="Arial" panose="020B0604020202020204" pitchFamily="34" charset="0"/>
-              <a:buChar char="•"/>
-              <a:defRPr kumimoji="1" sz="2000" kern="1200">
-                <a:solidFill>
-                  <a:schemeClr val="tx1"/>
-                </a:solidFill>
-                <a:latin typeface="+mn-lt"/>
-                <a:ea typeface="+mn-ea"/>
-                <a:cs typeface="+mn-cs"/>
-              </a:defRPr>
-            </a:lvl8pPr>
-            <a:lvl9pPr marL="3886200" indent="-228600" algn="l" defTabSz="914400" rtl="0" eaLnBrk="1" latinLnBrk="0" hangingPunct="1">
-              <a:spcBef>
-                <a:spcPct val="20000"/>
-              </a:spcBef>
-              <a:buFont typeface="Arial" panose="020B0604020202020204" pitchFamily="34" charset="0"/>
-              <a:buChar char="•"/>
-              <a:defRPr kumimoji="1" sz="2000" kern="1200">
-                <a:solidFill>
-                  <a:schemeClr val="tx1"/>
-                </a:solidFill>
-                <a:latin typeface="+mn-lt"/>
-                <a:ea typeface="+mn-ea"/>
-                <a:cs typeface="+mn-cs"/>
-              </a:defRPr>
-            </a:lvl9pPr>
-          </a:lstStyle>
-          <a:p>
-            <a:pPr marL="0" indent="0">
-              <a:buNone/>
-            </a:pPr>
-            <a:r>
-              <a:rPr lang="en-US" altLang="ja-JP" sz="2000" dirty="0">
-                <a:solidFill>
-                  <a:schemeClr val="bg1"/>
-                </a:solidFill>
-              </a:rPr>
-              <a:t>&lt;div id="result"&gt;&lt;/div&gt;</a:t>
-            </a:r>
-          </a:p>
-          <a:p>
-            <a:pPr marL="0" indent="0">
-              <a:buNone/>
-            </a:pPr>
-            <a:endParaRPr lang="en-US" altLang="ja-JP" sz="2000" dirty="0">
-              <a:solidFill>
-                <a:schemeClr val="bg1"/>
-              </a:solidFill>
-            </a:endParaRPr>
-          </a:p>
-          <a:p>
-            <a:pPr marL="0" indent="0">
-              <a:buNone/>
-            </a:pPr>
-            <a:r>
-              <a:rPr lang="en-US" altLang="ja-JP" sz="2000" dirty="0">
-                <a:solidFill>
-                  <a:schemeClr val="bg1"/>
-                </a:solidFill>
-              </a:rPr>
-              <a:t>&lt;script src="js/jquery-3.1.1.min.js"&gt;&lt;/script&gt;</a:t>
-            </a:r>
-          </a:p>
-          <a:p>
-            <a:pPr marL="0" indent="0">
-              <a:buNone/>
-            </a:pPr>
-            <a:r>
-              <a:rPr lang="en-US" altLang="ja-JP" sz="2000" dirty="0">
-                <a:solidFill>
-                  <a:schemeClr val="bg1"/>
-                </a:solidFill>
-              </a:rPr>
-              <a:t>&lt;script&gt;</a:t>
-            </a:r>
-          </a:p>
-          <a:p>
-            <a:pPr marL="0" indent="0">
-              <a:buNone/>
-            </a:pPr>
-            <a:r>
-              <a:rPr lang="en-US" altLang="ja-JP" sz="2000" dirty="0">
-                <a:solidFill>
-                  <a:schemeClr val="bg1"/>
-                </a:solidFill>
-              </a:rPr>
-              <a:t>$(document).ready(function(){</a:t>
-            </a:r>
-          </a:p>
-          <a:p>
-            <a:pPr marL="0" indent="0">
-              <a:buNone/>
-            </a:pPr>
-            <a:r>
-              <a:rPr lang="en-US" altLang="ja-JP" sz="2000" dirty="0">
-                <a:solidFill>
-                  <a:schemeClr val="bg1"/>
-                </a:solidFill>
-              </a:rPr>
-              <a:t>    $.ajax({</a:t>
-            </a:r>
-          </a:p>
-          <a:p>
-            <a:pPr marL="0" indent="0">
-              <a:buNone/>
-            </a:pPr>
-            <a:r>
-              <a:rPr lang="en-US" altLang="ja-JP" sz="2000" dirty="0">
-                <a:solidFill>
-                  <a:schemeClr val="bg1"/>
-                </a:solidFill>
-              </a:rPr>
-              <a:t>          </a:t>
-            </a:r>
-            <a:r>
-              <a:rPr lang="ja-JP" altLang="en-US" sz="2000" dirty="0">
-                <a:solidFill>
-                  <a:schemeClr val="bg1"/>
-                </a:solidFill>
-              </a:rPr>
-              <a:t>         </a:t>
-            </a:r>
-            <a:r>
-              <a:rPr lang="en-US" altLang="ja-JP" sz="2000" dirty="0">
-                <a:solidFill>
-                  <a:schemeClr val="bg1"/>
-                </a:solidFill>
-              </a:rPr>
-              <a:t>url: "/api/hello.php"</a:t>
-            </a:r>
-          </a:p>
-          <a:p>
-            <a:pPr marL="0" indent="0">
-              <a:buNone/>
-            </a:pPr>
-            <a:r>
-              <a:rPr lang="en-US" altLang="ja-JP" sz="2000" dirty="0">
-                <a:solidFill>
-                  <a:schemeClr val="bg1"/>
-                </a:solidFill>
-              </a:rPr>
-              <a:t>        , dataType: "json"</a:t>
-            </a:r>
-          </a:p>
-          <a:p>
-            <a:pPr marL="0" indent="0">
-              <a:buNone/>
-            </a:pPr>
-            <a:r>
-              <a:rPr lang="en-US" altLang="ja-JP" sz="2000" dirty="0">
-                <a:solidFill>
-                  <a:schemeClr val="bg1"/>
-                </a:solidFill>
-              </a:rPr>
-              <a:t>        , </a:t>
-            </a:r>
-            <a:r>
-              <a:rPr lang="ja-JP" altLang="en-US" sz="2000" dirty="0">
-                <a:solidFill>
-                  <a:schemeClr val="bg1"/>
-                </a:solidFill>
-              </a:rPr>
-              <a:t>  </a:t>
-            </a:r>
-            <a:r>
-              <a:rPr lang="en-US" altLang="ja-JP" sz="2000" dirty="0">
-                <a:solidFill>
-                  <a:schemeClr val="bg1"/>
-                </a:solidFill>
-              </a:rPr>
-              <a:t>success: function( json ) {</a:t>
-            </a:r>
-          </a:p>
-          <a:p>
-            <a:pPr marL="0" indent="0">
-              <a:buNone/>
-            </a:pPr>
-            <a:r>
-              <a:rPr lang="en-US" altLang="ja-JP" sz="2000" dirty="0">
-                <a:solidFill>
-                  <a:schemeClr val="bg1"/>
-                </a:solidFill>
-              </a:rPr>
-              <a:t>            </a:t>
-            </a:r>
-            <a:r>
-              <a:rPr lang="ja-JP" altLang="en-US" sz="2000" dirty="0">
-                <a:solidFill>
-                  <a:schemeClr val="bg1"/>
-                </a:solidFill>
-              </a:rPr>
-              <a:t>           </a:t>
-            </a:r>
-            <a:r>
-              <a:rPr lang="en-US" altLang="ja-JP" sz="2000" dirty="0">
-                <a:solidFill>
-                  <a:schemeClr val="bg1"/>
-                </a:solidFill>
-              </a:rPr>
-              <a:t>    $("#result").html( json["str1"] + json["str2"] + "!" );</a:t>
-            </a:r>
-          </a:p>
-          <a:p>
-            <a:pPr marL="0" indent="0">
-              <a:buNone/>
-            </a:pPr>
-            <a:r>
-              <a:rPr lang="en-US" altLang="ja-JP" sz="2000" dirty="0">
-                <a:solidFill>
-                  <a:schemeClr val="bg1"/>
-                </a:solidFill>
-              </a:rPr>
-              <a:t>        </a:t>
-            </a:r>
-            <a:r>
-              <a:rPr lang="ja-JP" altLang="en-US" sz="2000" dirty="0">
-                <a:solidFill>
-                  <a:schemeClr val="bg1"/>
-                </a:solidFill>
-              </a:rPr>
-              <a:t>                  </a:t>
-            </a:r>
-            <a:r>
-              <a:rPr lang="en-US" altLang="ja-JP" sz="2000" dirty="0">
-                <a:solidFill>
-                  <a:schemeClr val="bg1"/>
-                </a:solidFill>
-              </a:rPr>
-              <a:t>}</a:t>
-            </a:r>
-          </a:p>
-          <a:p>
-            <a:pPr marL="0" indent="0">
-              <a:buNone/>
-            </a:pPr>
-            <a:r>
-              <a:rPr lang="en-US" altLang="ja-JP" sz="2000" dirty="0">
-                <a:solidFill>
-                  <a:schemeClr val="bg1"/>
-                </a:solidFill>
-              </a:rPr>
-              <a:t>    });</a:t>
-            </a:r>
-          </a:p>
-          <a:p>
-            <a:pPr marL="0" indent="0">
-              <a:buNone/>
-            </a:pPr>
-            <a:r>
-              <a:rPr lang="en-US" altLang="ja-JP" sz="2000" dirty="0">
-                <a:solidFill>
-                  <a:schemeClr val="bg1"/>
-                </a:solidFill>
-              </a:rPr>
-              <a:t>});</a:t>
-            </a:r>
-          </a:p>
-          <a:p>
-            <a:pPr marL="0" indent="0">
-              <a:buNone/>
-            </a:pPr>
-            <a:r>
-              <a:rPr lang="en-US" altLang="ja-JP" sz="2000" dirty="0">
-                <a:solidFill>
-                  <a:schemeClr val="bg1"/>
-                </a:solidFill>
-              </a:rPr>
-              <a:t>&lt;/script&gt;</a:t>
-            </a:r>
-          </a:p>
-        </p:txBody>
-      </p:sp>
-      <p:sp>
-        <p:nvSpPr>
-          <p:cNvPr id="6" name="テキスト ボックス 5"/>
-          <p:cNvSpPr txBox="1"/>
-          <p:nvPr/>
-        </p:nvSpPr>
-        <p:spPr>
-          <a:xfrm>
-            <a:off x="10572" y="764704"/>
-            <a:ext cx="5137695" cy="707886"/>
-          </a:xfrm>
-          <a:prstGeom prst="rect">
-            <a:avLst/>
-          </a:prstGeom>
-          <a:noFill/>
-        </p:spPr>
-        <p:txBody>
-          <a:bodyPr wrap="none" rtlCol="0">
-            <a:spAutoFit/>
-          </a:bodyPr>
-          <a:lstStyle/>
-          <a:p>
-            <a:r>
-              <a:rPr lang="ja-JP" altLang="ja-JP" sz="4000"/>
-              <a:t>W</a:t>
-            </a:r>
-            <a:r>
-              <a:rPr lang="en-US" altLang="ja-JP" sz="4000"/>
-              <a:t>indows</a:t>
-            </a:r>
-            <a:r>
-              <a:rPr lang="ja-JP" altLang="en-US" sz="4000"/>
-              <a:t>の任意の場所</a:t>
-            </a:r>
-          </a:p>
-        </p:txBody>
-      </p:sp>
-      <p:sp>
-        <p:nvSpPr>
-          <p:cNvPr id="3" name="テキスト ボックス 2"/>
-          <p:cNvSpPr txBox="1"/>
-          <p:nvPr/>
-        </p:nvSpPr>
-        <p:spPr>
-          <a:xfrm>
-            <a:off x="3275856" y="1484784"/>
-            <a:ext cx="2329559" cy="369332"/>
-          </a:xfrm>
-          <a:prstGeom prst="rect">
-            <a:avLst/>
-          </a:prstGeom>
-          <a:noFill/>
-        </p:spPr>
-        <p:txBody>
-          <a:bodyPr wrap="none" rtlCol="0">
-            <a:spAutoFit/>
-          </a:bodyPr>
-          <a:lstStyle/>
-          <a:p>
-            <a:r>
-              <a:rPr kumimoji="1" lang="en-US" altLang="ja-JP">
-                <a:solidFill>
-                  <a:srgbClr val="FF0000"/>
-                </a:solidFill>
-              </a:rPr>
-              <a:t>←</a:t>
-            </a:r>
-            <a:r>
-              <a:rPr kumimoji="1" lang="ja-JP" altLang="en-US">
-                <a:solidFill>
-                  <a:srgbClr val="FF0000"/>
-                </a:solidFill>
-              </a:rPr>
-              <a:t>結果を格納するタグ</a:t>
-            </a:r>
-          </a:p>
-        </p:txBody>
-      </p:sp>
-      <p:sp>
-        <p:nvSpPr>
-          <p:cNvPr id="7" name="テキスト ボックス 6"/>
-          <p:cNvSpPr txBox="1"/>
-          <p:nvPr/>
-        </p:nvSpPr>
-        <p:spPr>
-          <a:xfrm>
-            <a:off x="6012160" y="2267580"/>
-            <a:ext cx="2382082" cy="369332"/>
-          </a:xfrm>
-          <a:prstGeom prst="rect">
-            <a:avLst/>
-          </a:prstGeom>
-          <a:noFill/>
-        </p:spPr>
-        <p:txBody>
-          <a:bodyPr wrap="none" rtlCol="0">
-            <a:spAutoFit/>
-          </a:bodyPr>
-          <a:lstStyle/>
-          <a:p>
-            <a:r>
-              <a:rPr kumimoji="1" lang="en-US" altLang="ja-JP">
-                <a:solidFill>
-                  <a:srgbClr val="FF0000"/>
-                </a:solidFill>
-              </a:rPr>
-              <a:t>←</a:t>
-            </a:r>
-            <a:r>
-              <a:rPr lang="ja-JP" altLang="en-US">
-                <a:solidFill>
-                  <a:srgbClr val="FF0000"/>
-                </a:solidFill>
-              </a:rPr>
-              <a:t>外部の</a:t>
-            </a:r>
-            <a:r>
-              <a:rPr lang="en-US" altLang="ja-JP">
-                <a:solidFill>
-                  <a:srgbClr val="FF0000"/>
-                </a:solidFill>
-              </a:rPr>
-              <a:t>JS</a:t>
-            </a:r>
-            <a:r>
-              <a:rPr lang="ja-JP" altLang="en-US">
-                <a:solidFill>
-                  <a:srgbClr val="FF0000"/>
-                </a:solidFill>
-              </a:rPr>
-              <a:t>を読み込む</a:t>
-            </a:r>
-            <a:endParaRPr kumimoji="1" lang="ja-JP" altLang="en-US">
-              <a:solidFill>
-                <a:srgbClr val="FF0000"/>
-              </a:solidFill>
-            </a:endParaRPr>
-          </a:p>
-        </p:txBody>
-      </p:sp>
-      <p:sp>
-        <p:nvSpPr>
-          <p:cNvPr id="8" name="テキスト ボックス 7"/>
-          <p:cNvSpPr txBox="1"/>
-          <p:nvPr/>
-        </p:nvSpPr>
-        <p:spPr>
-          <a:xfrm>
-            <a:off x="4644008" y="3717032"/>
-            <a:ext cx="1313180" cy="369332"/>
-          </a:xfrm>
-          <a:prstGeom prst="rect">
-            <a:avLst/>
-          </a:prstGeom>
-          <a:noFill/>
-        </p:spPr>
-        <p:txBody>
-          <a:bodyPr wrap="none" rtlCol="0">
-            <a:spAutoFit/>
-          </a:bodyPr>
-          <a:lstStyle/>
-          <a:p>
-            <a:r>
-              <a:rPr kumimoji="1" lang="en-US" altLang="ja-JP">
-                <a:solidFill>
-                  <a:srgbClr val="FF0000"/>
-                </a:solidFill>
-              </a:rPr>
-              <a:t>←API</a:t>
-            </a:r>
-            <a:r>
-              <a:rPr kumimoji="1" lang="ja-JP" altLang="en-US">
-                <a:solidFill>
-                  <a:srgbClr val="FF0000"/>
-                </a:solidFill>
-              </a:rPr>
-              <a:t>の</a:t>
-            </a:r>
-            <a:r>
-              <a:rPr kumimoji="1" lang="en-US" altLang="ja-JP">
-                <a:solidFill>
-                  <a:srgbClr val="FF0000"/>
-                </a:solidFill>
-              </a:rPr>
-              <a:t>URL</a:t>
-            </a:r>
-            <a:endParaRPr kumimoji="1" lang="ja-JP" altLang="en-US">
-              <a:solidFill>
-                <a:srgbClr val="FF0000"/>
-              </a:solidFill>
-            </a:endParaRPr>
-          </a:p>
-        </p:txBody>
-      </p:sp>
-      <p:sp>
-        <p:nvSpPr>
-          <p:cNvPr id="9" name="テキスト ボックス 8"/>
-          <p:cNvSpPr txBox="1"/>
-          <p:nvPr/>
-        </p:nvSpPr>
-        <p:spPr>
-          <a:xfrm>
-            <a:off x="4644008" y="4077072"/>
-            <a:ext cx="2900216" cy="369332"/>
-          </a:xfrm>
-          <a:prstGeom prst="rect">
-            <a:avLst/>
-          </a:prstGeom>
-          <a:noFill/>
-        </p:spPr>
-        <p:txBody>
-          <a:bodyPr wrap="none" rtlCol="0">
-            <a:spAutoFit/>
-          </a:bodyPr>
-          <a:lstStyle/>
-          <a:p>
-            <a:r>
-              <a:rPr kumimoji="1" lang="en-US" altLang="ja-JP">
-                <a:solidFill>
-                  <a:srgbClr val="FF0000"/>
-                </a:solidFill>
-              </a:rPr>
-              <a:t>←API</a:t>
-            </a:r>
-            <a:r>
-              <a:rPr lang="ja-JP" altLang="en-US">
-                <a:solidFill>
-                  <a:srgbClr val="FF0000"/>
-                </a:solidFill>
-              </a:rPr>
-              <a:t>が返却するデータ形式</a:t>
-            </a:r>
-            <a:endParaRPr kumimoji="1" lang="ja-JP" altLang="en-US">
-              <a:solidFill>
-                <a:srgbClr val="FF0000"/>
-              </a:solidFill>
-            </a:endParaRPr>
-          </a:p>
-        </p:txBody>
-      </p:sp>
-      <p:sp>
-        <p:nvSpPr>
-          <p:cNvPr id="10" name="テキスト ボックス 9"/>
-          <p:cNvSpPr txBox="1"/>
-          <p:nvPr/>
-        </p:nvSpPr>
-        <p:spPr>
-          <a:xfrm>
-            <a:off x="4644008" y="4437112"/>
-            <a:ext cx="4373350" cy="369332"/>
-          </a:xfrm>
-          <a:prstGeom prst="rect">
-            <a:avLst/>
-          </a:prstGeom>
-          <a:noFill/>
-        </p:spPr>
-        <p:txBody>
-          <a:bodyPr wrap="none" rtlCol="0">
-            <a:spAutoFit/>
-          </a:bodyPr>
-          <a:lstStyle/>
-          <a:p>
-            <a:r>
-              <a:rPr kumimoji="1" lang="en-US" altLang="ja-JP">
-                <a:solidFill>
-                  <a:srgbClr val="FF0000"/>
-                </a:solidFill>
-              </a:rPr>
-              <a:t>←API</a:t>
-            </a:r>
-            <a:r>
-              <a:rPr kumimoji="1" lang="ja-JP" altLang="en-US">
-                <a:solidFill>
-                  <a:srgbClr val="FF0000"/>
-                </a:solidFill>
-              </a:rPr>
-              <a:t>へのリクエストが成功時</a:t>
-            </a:r>
-            <a:r>
-              <a:rPr kumimoji="1" lang="en-US" altLang="ja-JP">
-                <a:solidFill>
-                  <a:srgbClr val="FF0000"/>
-                </a:solidFill>
-              </a:rPr>
-              <a:t>success</a:t>
-            </a:r>
-            <a:r>
-              <a:rPr lang="ja-JP" altLang="en-US">
-                <a:solidFill>
-                  <a:srgbClr val="FF0000"/>
-                </a:solidFill>
-              </a:rPr>
-              <a:t>を</a:t>
-            </a:r>
-            <a:r>
-              <a:rPr kumimoji="1" lang="ja-JP" altLang="en-US">
-                <a:solidFill>
-                  <a:srgbClr val="FF0000"/>
-                </a:solidFill>
-              </a:rPr>
-              <a:t>実行</a:t>
-            </a:r>
-          </a:p>
-        </p:txBody>
-      </p:sp>
-      <p:sp>
-        <p:nvSpPr>
-          <p:cNvPr id="11" name="テキスト ボックス 10"/>
-          <p:cNvSpPr txBox="1"/>
-          <p:nvPr/>
-        </p:nvSpPr>
-        <p:spPr>
-          <a:xfrm>
-            <a:off x="4067944" y="2987660"/>
-            <a:ext cx="3436833" cy="369332"/>
-          </a:xfrm>
-          <a:prstGeom prst="rect">
-            <a:avLst/>
-          </a:prstGeom>
-          <a:noFill/>
-        </p:spPr>
-        <p:txBody>
-          <a:bodyPr wrap="none" rtlCol="0">
-            <a:spAutoFit/>
-          </a:bodyPr>
-          <a:lstStyle/>
-          <a:p>
-            <a:r>
-              <a:rPr kumimoji="1" lang="en-US" altLang="ja-JP">
-                <a:solidFill>
-                  <a:srgbClr val="FF0000"/>
-                </a:solidFill>
-              </a:rPr>
-              <a:t>←</a:t>
-            </a:r>
-            <a:r>
-              <a:rPr kumimoji="1" lang="ja-JP" altLang="en-US">
-                <a:solidFill>
-                  <a:srgbClr val="FF0000"/>
-                </a:solidFill>
-              </a:rPr>
-              <a:t>読み込み完了のイベントで実行</a:t>
-            </a:r>
-            <a:endParaRPr kumimoji="1" lang="en-US" altLang="ja-JP">
-              <a:solidFill>
-                <a:srgbClr val="FF0000"/>
-              </a:solidFill>
-            </a:endParaRPr>
-          </a:p>
-        </p:txBody>
-      </p:sp>
-    </p:spTree>
-    <p:extLst>
-      <p:ext uri="{BB962C8B-B14F-4D97-AF65-F5344CB8AC3E}">
-        <p14:creationId xmlns:p14="http://schemas.microsoft.com/office/powerpoint/2010/main" val="3818966753"/>
-      </p:ext>
-    </p:extLst>
-  </p:cSld>
-  <p:clrMapOvr>
-    <a:masterClrMapping/>
-  </p:clrMapOvr>
-  <p:timing>
-    <p:tnLst>
-      <p:par>
-        <p:cTn xmlns:p14="http://schemas.microsoft.com/office/powerpoint/2010/main" id="1" dur="indefinite" restart="never" nodeType="tmRoot"/>
-      </p:par>
-    </p:tnLst>
-  </p:timing>
-</p:sld>
-</file>
-
-<file path=ppt/slides/slide32.xml><?xml version="1.0" encoding="utf-8"?>
 <p:sld xmlns:a="http://schemas.openxmlformats.org/drawingml/2006/main" xmlns:r="http://schemas.openxmlformats.org/officeDocument/2006/relationships" xmlns:p="http://schemas.openxmlformats.org/presentationml/2006/main">
   <p:cSld>
     <p:spTree>
@@ -21366,7 +21068,7 @@
 </p:sld>
 </file>
 
-<file path=ppt/slides/slide33.xml><?xml version="1.0" encoding="utf-8"?>
+<file path=ppt/slides/slide31.xml><?xml version="1.0" encoding="utf-8"?>
 <p:sld xmlns:a="http://schemas.openxmlformats.org/drawingml/2006/main" xmlns:r="http://schemas.openxmlformats.org/officeDocument/2006/relationships" xmlns:p="http://schemas.openxmlformats.org/presentationml/2006/main">
   <p:cSld>
     <p:spTree>
@@ -22316,7 +22018,7 @@
 </p:sld>
 </file>
 
-<file path=ppt/slides/slide34.xml><?xml version="1.0" encoding="utf-8"?>
+<file path=ppt/slides/slide32.xml><?xml version="1.0" encoding="utf-8"?>
 <p:sld xmlns:a="http://schemas.openxmlformats.org/drawingml/2006/main" xmlns:r="http://schemas.openxmlformats.org/officeDocument/2006/relationships" xmlns:p="http://schemas.openxmlformats.org/presentationml/2006/main">
   <p:cSld>
     <p:spTree>
@@ -23236,7 +22938,7 @@
 </p:sld>
 </file>
 
-<file path=ppt/slides/slide35.xml><?xml version="1.0" encoding="utf-8"?>
+<file path=ppt/slides/slide33.xml><?xml version="1.0" encoding="utf-8"?>
 <p:sld xmlns:a="http://schemas.openxmlformats.org/drawingml/2006/main" xmlns:r="http://schemas.openxmlformats.org/officeDocument/2006/relationships" xmlns:p="http://schemas.openxmlformats.org/presentationml/2006/main">
   <p:cSld>
     <p:spTree>
@@ -23846,7 +23548,7 @@
 </p:sld>
 </file>
 
-<file path=ppt/slides/slide36.xml><?xml version="1.0" encoding="utf-8"?>
+<file path=ppt/slides/slide34.xml><?xml version="1.0" encoding="utf-8"?>
 <p:sld xmlns:a="http://schemas.openxmlformats.org/drawingml/2006/main" xmlns:r="http://schemas.openxmlformats.org/officeDocument/2006/relationships" xmlns:p="http://schemas.openxmlformats.org/presentationml/2006/main">
   <p:cSld>
     <p:spTree>
@@ -24656,7 +24358,7 @@
 </p:sld>
 </file>
 
-<file path=ppt/slides/slide37.xml><?xml version="1.0" encoding="utf-8"?>
+<file path=ppt/slides/slide35.xml><?xml version="1.0" encoding="utf-8"?>
 <p:sld xmlns:a="http://schemas.openxmlformats.org/drawingml/2006/main" xmlns:r="http://schemas.openxmlformats.org/officeDocument/2006/relationships" xmlns:p="http://schemas.openxmlformats.org/presentationml/2006/main">
   <p:cSld>
     <p:spTree>
